--- a/12.06.23_Praxisprojekt SQL.pptx
+++ b/12.06.23_Praxisprojekt SQL.pptx
@@ -5226,10 +5226,10 @@
       </p:sp>
       <p:sp>
         <p:nvSpPr>
-          <p:cNvPr id="3" name="Inhaltsplatzhalter 2">
+          <p:cNvPr id="4" name="Inhaltsplatzhalter 3">
             <a:extLst>
               <a:ext uri="{FF2B5EF4-FFF2-40B4-BE49-F238E27FC236}">
-                <a16:creationId xmlns:a16="http://schemas.microsoft.com/office/drawing/2014/main" id="{98BB892C-0D3E-2420-6DD2-14444480408A}"/>
+                <a16:creationId xmlns:a16="http://schemas.microsoft.com/office/drawing/2014/main" id="{DBEF80C8-4FC1-4AAF-401D-44B99ACD4F10}"/>
               </a:ext>
             </a:extLst>
           </p:cNvPr>
@@ -5237,15 +5237,68 @@
             <a:spLocks noGrp="1"/>
           </p:cNvSpPr>
           <p:nvPr>
-            <p:ph sz="half" idx="1"/>
-          </p:nvPr>
-        </p:nvSpPr>
-        <p:spPr/>
+            <p:ph sz="half" idx="2"/>
+          </p:nvPr>
+        </p:nvSpPr>
+        <p:spPr>
+          <a:xfrm>
+            <a:off x="8016536" y="2840854"/>
+            <a:ext cx="3139144" cy="2361066"/>
+          </a:xfrm>
+        </p:spPr>
         <p:txBody>
           <a:bodyPr>
-            <a:normAutofit fontScale="77500" lnSpcReduction="20000"/>
+            <a:normAutofit fontScale="62500" lnSpcReduction="20000"/>
           </a:bodyPr>
           <a:lstStyle/>
+          <a:p>
+            <a:pPr marL="0" marR="0">
+              <a:spcBef>
+                <a:spcPts val="0"/>
+              </a:spcBef>
+              <a:spcAft>
+                <a:spcPts val="0"/>
+              </a:spcAft>
+            </a:pPr>
+            <a:r>
+              <a:rPr lang="de-DE" sz="1800" dirty="0">
+                <a:solidFill>
+                  <a:srgbClr val="808080"/>
+                </a:solidFill>
+                <a:effectLst/>
+                <a:latin typeface="Consolas" panose="020B0609020204030204" pitchFamily="49" charset="0"/>
+              </a:rPr>
+              <a:t>-- DROP ROLE </a:t>
+            </a:r>
+            <a:br>
+              <a:rPr lang="de-DE" sz="1800" dirty="0">
+                <a:solidFill>
+                  <a:srgbClr val="808080"/>
+                </a:solidFill>
+                <a:effectLst/>
+                <a:latin typeface="Consolas" panose="020B0609020204030204" pitchFamily="49" charset="0"/>
+              </a:rPr>
+            </a:br>
+            <a:r>
+              <a:rPr lang="de-DE" sz="1800" dirty="0">
+                <a:solidFill>
+                  <a:srgbClr val="808080"/>
+                </a:solidFill>
+                <a:latin typeface="Consolas" panose="020B0609020204030204" pitchFamily="49" charset="0"/>
+              </a:rPr>
+              <a:t>C</a:t>
+            </a:r>
+            <a:r>
+              <a:rPr lang="de-DE" sz="1800" dirty="0">
+                <a:solidFill>
+                  <a:srgbClr val="808080"/>
+                </a:solidFill>
+                <a:effectLst/>
+                <a:latin typeface="Consolas" panose="020B0609020204030204" pitchFamily="49" charset="0"/>
+              </a:rPr>
+              <a:t>reate role callcenter_mitarbeiter;</a:t>
+            </a:r>
+          </a:p>
           <a:p>
             <a:pPr marL="0" marR="0" indent="0">
               <a:spcBef>
@@ -5257,812 +5310,18 @@
               <a:buNone/>
             </a:pPr>
             <a:r>
-              <a:rPr lang="de-DE" sz="1800" b="1" dirty="0">
-                <a:solidFill>
-                  <a:srgbClr val="800000"/>
-                </a:solidFill>
-                <a:effectLst/>
-                <a:latin typeface="Consolas" panose="020B0609020204030204" pitchFamily="49" charset="0"/>
-              </a:rPr>
-              <a:t>create</a:t>
-            </a:r>
-            <a:r>
               <a:rPr lang="de-DE" sz="1800" dirty="0">
                 <a:solidFill>
-                  <a:srgbClr val="000000"/>
-                </a:solidFill>
-                <a:effectLst/>
-                <a:latin typeface="Consolas" panose="020B0609020204030204" pitchFamily="49" charset="0"/>
-              </a:rPr>
-              <a:t> </a:t>
-            </a:r>
-            <a:r>
-              <a:rPr lang="de-DE" sz="1800" b="1" dirty="0">
-                <a:solidFill>
-                  <a:srgbClr val="800000"/>
-                </a:solidFill>
-                <a:effectLst/>
-                <a:latin typeface="Consolas" panose="020B0609020204030204" pitchFamily="49" charset="0"/>
-              </a:rPr>
-              <a:t>role</a:t>
-            </a:r>
-            <a:r>
-              <a:rPr lang="de-DE" sz="1800" dirty="0">
-                <a:solidFill>
-                  <a:srgbClr val="000000"/>
-                </a:solidFill>
-                <a:effectLst/>
-                <a:latin typeface="Consolas" panose="020B0609020204030204" pitchFamily="49" charset="0"/>
-              </a:rPr>
-              <a:t> call_center_mitarbeiter</a:t>
-            </a:r>
-            <a:r>
-              <a:rPr lang="de-DE" sz="1800" dirty="0">
-                <a:solidFill>
-                  <a:srgbClr val="FF0000"/>
-                </a:solidFill>
-                <a:effectLst/>
-                <a:latin typeface="Consolas" panose="020B0609020204030204" pitchFamily="49" charset="0"/>
-              </a:rPr>
-              <a:t>;</a:t>
-            </a:r>
-          </a:p>
-          <a:p>
-            <a:pPr marL="0" marR="0" indent="0">
-              <a:spcBef>
-                <a:spcPts val="0"/>
-              </a:spcBef>
-              <a:spcAft>
-                <a:spcPts val="0"/>
-              </a:spcAft>
-              <a:buNone/>
-            </a:pPr>
-            <a:endParaRPr lang="de-DE" sz="1800" dirty="0">
-              <a:solidFill>
-                <a:srgbClr val="000000"/>
-              </a:solidFill>
-              <a:effectLst/>
-              <a:latin typeface="Consolas" panose="020B0609020204030204" pitchFamily="49" charset="0"/>
-            </a:endParaRPr>
-          </a:p>
-          <a:p>
-            <a:pPr marL="0" marR="0" indent="0">
-              <a:spcBef>
-                <a:spcPts val="0"/>
-              </a:spcBef>
-              <a:spcAft>
-                <a:spcPts val="0"/>
-              </a:spcAft>
-              <a:buNone/>
-            </a:pPr>
-            <a:r>
-              <a:rPr lang="de-DE" sz="1800" b="1" dirty="0">
-                <a:solidFill>
-                  <a:srgbClr val="800000"/>
+                  <a:srgbClr val="808080"/>
                 </a:solidFill>
                 <a:latin typeface="Consolas" panose="020B0609020204030204" pitchFamily="49" charset="0"/>
               </a:rPr>
-              <a:t>g</a:t>
-            </a:r>
-            <a:r>
-              <a:rPr lang="de-DE" sz="1800" b="1" dirty="0">
-                <a:solidFill>
-                  <a:srgbClr val="800000"/>
-                </a:solidFill>
-                <a:effectLst/>
-                <a:latin typeface="Consolas" panose="020B0609020204030204" pitchFamily="49" charset="0"/>
-              </a:rPr>
-              <a:t>rant</a:t>
+              <a:t>Create role datenanalysten</a:t>
             </a:r>
             <a:r>
               <a:rPr lang="de-DE" sz="1800" dirty="0">
                 <a:solidFill>
-                  <a:srgbClr val="000000"/>
-                </a:solidFill>
-                <a:effectLst/>
-                <a:latin typeface="Consolas" panose="020B0609020204030204" pitchFamily="49" charset="0"/>
-              </a:rPr>
-              <a:t> </a:t>
-            </a:r>
-            <a:r>
-              <a:rPr lang="de-DE" sz="1800" b="1" dirty="0">
-                <a:solidFill>
-                  <a:srgbClr val="800000"/>
-                </a:solidFill>
-                <a:effectLst/>
-                <a:latin typeface="Consolas" panose="020B0609020204030204" pitchFamily="49" charset="0"/>
-              </a:rPr>
-              <a:t>select</a:t>
-            </a:r>
-            <a:r>
-              <a:rPr lang="de-DE" sz="1800" dirty="0">
-                <a:solidFill>
-                  <a:srgbClr val="000000"/>
-                </a:solidFill>
-                <a:effectLst/>
-                <a:latin typeface="Consolas" panose="020B0609020204030204" pitchFamily="49" charset="0"/>
-              </a:rPr>
-              <a:t> </a:t>
-            </a:r>
-            <a:r>
-              <a:rPr lang="de-DE" sz="1800" b="1" dirty="0">
-                <a:solidFill>
-                  <a:srgbClr val="800000"/>
-                </a:solidFill>
-                <a:effectLst/>
-                <a:latin typeface="Consolas" panose="020B0609020204030204" pitchFamily="49" charset="0"/>
-              </a:rPr>
-              <a:t>on</a:t>
-            </a:r>
-            <a:r>
-              <a:rPr lang="de-DE" sz="1800" dirty="0">
-                <a:solidFill>
-                  <a:srgbClr val="000000"/>
-                </a:solidFill>
-                <a:effectLst/>
-                <a:latin typeface="Consolas" panose="020B0609020204030204" pitchFamily="49" charset="0"/>
-              </a:rPr>
-              <a:t> </a:t>
-            </a:r>
-            <a:r>
-              <a:rPr lang="de-DE" sz="1800" b="1" dirty="0">
-                <a:solidFill>
-                  <a:srgbClr val="800000"/>
-                </a:solidFill>
-                <a:effectLst/>
-                <a:latin typeface="Consolas" panose="020B0609020204030204" pitchFamily="49" charset="0"/>
-              </a:rPr>
-              <a:t>all</a:t>
-            </a:r>
-            <a:r>
-              <a:rPr lang="de-DE" sz="1800" dirty="0">
-                <a:solidFill>
-                  <a:srgbClr val="000000"/>
-                </a:solidFill>
-                <a:effectLst/>
-                <a:latin typeface="Consolas" panose="020B0609020204030204" pitchFamily="49" charset="0"/>
-              </a:rPr>
-              <a:t> </a:t>
-            </a:r>
-            <a:r>
-              <a:rPr lang="de-DE" sz="1800" b="1" dirty="0">
-                <a:solidFill>
-                  <a:srgbClr val="800000"/>
-                </a:solidFill>
-                <a:effectLst/>
-                <a:latin typeface="Consolas" panose="020B0609020204030204" pitchFamily="49" charset="0"/>
-              </a:rPr>
-              <a:t>tables</a:t>
-            </a:r>
-            <a:r>
-              <a:rPr lang="de-DE" sz="1800" dirty="0">
-                <a:solidFill>
-                  <a:srgbClr val="000000"/>
-                </a:solidFill>
-                <a:effectLst/>
-                <a:latin typeface="Consolas" panose="020B0609020204030204" pitchFamily="49" charset="0"/>
-              </a:rPr>
-              <a:t> </a:t>
-            </a:r>
-            <a:r>
-              <a:rPr lang="de-DE" sz="1800" b="1" dirty="0">
-                <a:solidFill>
-                  <a:srgbClr val="800000"/>
-                </a:solidFill>
-                <a:effectLst/>
-                <a:latin typeface="Consolas" panose="020B0609020204030204" pitchFamily="49" charset="0"/>
-              </a:rPr>
-              <a:t>in</a:t>
-            </a:r>
-            <a:r>
-              <a:rPr lang="de-DE" sz="1800" dirty="0">
-                <a:solidFill>
-                  <a:srgbClr val="000000"/>
-                </a:solidFill>
-                <a:effectLst/>
-                <a:latin typeface="Consolas" panose="020B0609020204030204" pitchFamily="49" charset="0"/>
-              </a:rPr>
-              <a:t> </a:t>
-            </a:r>
-            <a:r>
-              <a:rPr lang="de-DE" sz="1800" b="1" dirty="0">
-                <a:solidFill>
-                  <a:srgbClr val="800000"/>
-                </a:solidFill>
-                <a:effectLst/>
-                <a:latin typeface="Consolas" panose="020B0609020204030204" pitchFamily="49" charset="0"/>
-              </a:rPr>
-              <a:t>schema</a:t>
-            </a:r>
-            <a:r>
-              <a:rPr lang="de-DE" sz="1800" dirty="0">
-                <a:solidFill>
-                  <a:srgbClr val="000000"/>
-                </a:solidFill>
-                <a:effectLst/>
-                <a:latin typeface="Consolas" panose="020B0609020204030204" pitchFamily="49" charset="0"/>
-              </a:rPr>
-              <a:t> public </a:t>
-            </a:r>
-            <a:r>
-              <a:rPr lang="de-DE" sz="1800" b="1" dirty="0">
-                <a:solidFill>
-                  <a:srgbClr val="800000"/>
-                </a:solidFill>
-                <a:effectLst/>
-                <a:latin typeface="Consolas" panose="020B0609020204030204" pitchFamily="49" charset="0"/>
-              </a:rPr>
-              <a:t>to</a:t>
-            </a:r>
-            <a:r>
-              <a:rPr lang="de-DE" sz="1800" dirty="0">
-                <a:solidFill>
-                  <a:srgbClr val="000000"/>
-                </a:solidFill>
-                <a:effectLst/>
-                <a:latin typeface="Consolas" panose="020B0609020204030204" pitchFamily="49" charset="0"/>
-              </a:rPr>
-              <a:t> call_center mitarbeiter</a:t>
-            </a:r>
-            <a:r>
-              <a:rPr lang="de-DE" sz="1800" dirty="0">
-                <a:solidFill>
-                  <a:srgbClr val="FF0000"/>
-                </a:solidFill>
-                <a:effectLst/>
-                <a:latin typeface="Consolas" panose="020B0609020204030204" pitchFamily="49" charset="0"/>
-              </a:rPr>
-              <a:t>;</a:t>
-            </a:r>
-          </a:p>
-          <a:p>
-            <a:pPr marL="0" marR="0" indent="0">
-              <a:spcBef>
-                <a:spcPts val="0"/>
-              </a:spcBef>
-              <a:spcAft>
-                <a:spcPts val="0"/>
-              </a:spcAft>
-              <a:buNone/>
-            </a:pPr>
-            <a:endParaRPr lang="de-DE" sz="1800" dirty="0">
-              <a:solidFill>
-                <a:srgbClr val="000000"/>
-              </a:solidFill>
-              <a:effectLst/>
-              <a:latin typeface="Consolas" panose="020B0609020204030204" pitchFamily="49" charset="0"/>
-            </a:endParaRPr>
-          </a:p>
-          <a:p>
-            <a:pPr marL="0" marR="0" indent="0">
-              <a:spcBef>
-                <a:spcPts val="0"/>
-              </a:spcBef>
-              <a:spcAft>
-                <a:spcPts val="0"/>
-              </a:spcAft>
-              <a:buNone/>
-            </a:pPr>
-            <a:r>
-              <a:rPr lang="de-DE" sz="1800" b="1" dirty="0">
-                <a:solidFill>
-                  <a:srgbClr val="800000"/>
-                </a:solidFill>
-                <a:effectLst/>
-                <a:latin typeface="Consolas" panose="020B0609020204030204" pitchFamily="49" charset="0"/>
-              </a:rPr>
-              <a:t>grant</a:t>
-            </a:r>
-            <a:r>
-              <a:rPr lang="de-DE" sz="1800" dirty="0">
-                <a:solidFill>
-                  <a:srgbClr val="000000"/>
-                </a:solidFill>
-                <a:effectLst/>
-                <a:latin typeface="Consolas" panose="020B0609020204030204" pitchFamily="49" charset="0"/>
-              </a:rPr>
-              <a:t> </a:t>
-            </a:r>
-            <a:r>
-              <a:rPr lang="de-DE" sz="1800" b="1" dirty="0">
-                <a:solidFill>
-                  <a:srgbClr val="800000"/>
-                </a:solidFill>
-                <a:effectLst/>
-                <a:latin typeface="Consolas" panose="020B0609020204030204" pitchFamily="49" charset="0"/>
-              </a:rPr>
-              <a:t>usage</a:t>
-            </a:r>
-            <a:r>
-              <a:rPr lang="de-DE" sz="1800" dirty="0">
-                <a:solidFill>
-                  <a:srgbClr val="000000"/>
-                </a:solidFill>
-                <a:effectLst/>
-                <a:latin typeface="Consolas" panose="020B0609020204030204" pitchFamily="49" charset="0"/>
-              </a:rPr>
-              <a:t> </a:t>
-            </a:r>
-            <a:r>
-              <a:rPr lang="de-DE" sz="1800" b="1" dirty="0">
-                <a:solidFill>
-                  <a:srgbClr val="800000"/>
-                </a:solidFill>
-                <a:effectLst/>
-                <a:latin typeface="Consolas" panose="020B0609020204030204" pitchFamily="49" charset="0"/>
-              </a:rPr>
-              <a:t>on</a:t>
-            </a:r>
-            <a:r>
-              <a:rPr lang="de-DE" sz="1800" dirty="0">
-                <a:solidFill>
-                  <a:srgbClr val="000000"/>
-                </a:solidFill>
-                <a:effectLst/>
-                <a:latin typeface="Consolas" panose="020B0609020204030204" pitchFamily="49" charset="0"/>
-              </a:rPr>
-              <a:t> </a:t>
-            </a:r>
-            <a:r>
-              <a:rPr lang="de-DE" sz="1800" b="1" dirty="0">
-                <a:solidFill>
-                  <a:srgbClr val="800000"/>
-                </a:solidFill>
-                <a:effectLst/>
-                <a:latin typeface="Consolas" panose="020B0609020204030204" pitchFamily="49" charset="0"/>
-              </a:rPr>
-              <a:t>schema</a:t>
-            </a:r>
-            <a:r>
-              <a:rPr lang="de-DE" sz="1800" dirty="0">
-                <a:solidFill>
-                  <a:srgbClr val="000000"/>
-                </a:solidFill>
-                <a:effectLst/>
-                <a:latin typeface="Consolas" panose="020B0609020204030204" pitchFamily="49" charset="0"/>
-              </a:rPr>
-              <a:t> public </a:t>
-            </a:r>
-            <a:r>
-              <a:rPr lang="de-DE" sz="1800" b="1" dirty="0">
-                <a:solidFill>
-                  <a:srgbClr val="800000"/>
-                </a:solidFill>
-                <a:effectLst/>
-                <a:latin typeface="Consolas" panose="020B0609020204030204" pitchFamily="49" charset="0"/>
-              </a:rPr>
-              <a:t>to</a:t>
-            </a:r>
-            <a:r>
-              <a:rPr lang="de-DE" sz="1800" dirty="0">
-                <a:solidFill>
-                  <a:srgbClr val="000000"/>
-                </a:solidFill>
-                <a:effectLst/>
-                <a:latin typeface="Consolas" panose="020B0609020204030204" pitchFamily="49" charset="0"/>
-              </a:rPr>
-              <a:t> call_center_mitarbeiter</a:t>
-            </a:r>
-            <a:r>
-              <a:rPr lang="de-DE" sz="1800" dirty="0">
-                <a:solidFill>
-                  <a:srgbClr val="FF0000"/>
-                </a:solidFill>
-                <a:effectLst/>
-                <a:latin typeface="Consolas" panose="020B0609020204030204" pitchFamily="49" charset="0"/>
-              </a:rPr>
-              <a:t>;</a:t>
-            </a:r>
-          </a:p>
-          <a:p>
-            <a:pPr marL="0" marR="0" indent="0">
-              <a:spcBef>
-                <a:spcPts val="0"/>
-              </a:spcBef>
-              <a:spcAft>
-                <a:spcPts val="0"/>
-              </a:spcAft>
-              <a:buNone/>
-            </a:pPr>
-            <a:endParaRPr lang="de-DE" sz="1800" dirty="0">
-              <a:solidFill>
-                <a:srgbClr val="000000"/>
-              </a:solidFill>
-              <a:effectLst/>
-              <a:latin typeface="Consolas" panose="020B0609020204030204" pitchFamily="49" charset="0"/>
-            </a:endParaRPr>
-          </a:p>
-          <a:p>
-            <a:pPr marL="0" marR="0" indent="0">
-              <a:spcBef>
-                <a:spcPts val="0"/>
-              </a:spcBef>
-              <a:spcAft>
-                <a:spcPts val="0"/>
-              </a:spcAft>
-              <a:buNone/>
-            </a:pPr>
-            <a:r>
-              <a:rPr lang="de-DE" sz="1800" b="1" dirty="0">
-                <a:solidFill>
-                  <a:srgbClr val="800000"/>
-                </a:solidFill>
-                <a:effectLst/>
-                <a:latin typeface="Consolas" panose="020B0609020204030204" pitchFamily="49" charset="0"/>
-              </a:rPr>
-              <a:t>create</a:t>
-            </a:r>
-            <a:r>
-              <a:rPr lang="de-DE" sz="1800" dirty="0">
-                <a:solidFill>
-                  <a:srgbClr val="000000"/>
-                </a:solidFill>
-                <a:effectLst/>
-                <a:latin typeface="Consolas" panose="020B0609020204030204" pitchFamily="49" charset="0"/>
-              </a:rPr>
-              <a:t> </a:t>
-            </a:r>
-            <a:r>
-              <a:rPr lang="de-DE" sz="1800" b="1" dirty="0">
-                <a:solidFill>
-                  <a:srgbClr val="800000"/>
-                </a:solidFill>
-                <a:effectLst/>
-                <a:latin typeface="Consolas" panose="020B0609020204030204" pitchFamily="49" charset="0"/>
-              </a:rPr>
-              <a:t>user</a:t>
-            </a:r>
-            <a:r>
-              <a:rPr lang="de-DE" sz="1800" dirty="0">
-                <a:solidFill>
-                  <a:srgbClr val="000000"/>
-                </a:solidFill>
-                <a:effectLst/>
-                <a:latin typeface="Consolas" panose="020B0609020204030204" pitchFamily="49" charset="0"/>
-              </a:rPr>
-              <a:t> mitarbeiter_1 </a:t>
-            </a:r>
-            <a:r>
-              <a:rPr lang="de-DE" sz="1800" b="1" dirty="0">
-                <a:solidFill>
-                  <a:srgbClr val="800000"/>
-                </a:solidFill>
-                <a:effectLst/>
-                <a:latin typeface="Consolas" panose="020B0609020204030204" pitchFamily="49" charset="0"/>
-              </a:rPr>
-              <a:t>with</a:t>
-            </a:r>
-            <a:r>
-              <a:rPr lang="de-DE" sz="1800" dirty="0">
-                <a:solidFill>
-                  <a:srgbClr val="000000"/>
-                </a:solidFill>
-                <a:effectLst/>
-                <a:latin typeface="Consolas" panose="020B0609020204030204" pitchFamily="49" charset="0"/>
-              </a:rPr>
-              <a:t> </a:t>
-            </a:r>
-            <a:r>
-              <a:rPr lang="de-DE" sz="1800" b="1" dirty="0">
-                <a:solidFill>
-                  <a:srgbClr val="800000"/>
-                </a:solidFill>
-                <a:effectLst/>
-                <a:latin typeface="Consolas" panose="020B0609020204030204" pitchFamily="49" charset="0"/>
-              </a:rPr>
-              <a:t>password</a:t>
-            </a:r>
-            <a:r>
-              <a:rPr lang="de-DE" sz="1800" dirty="0">
-                <a:solidFill>
-                  <a:srgbClr val="000000"/>
-                </a:solidFill>
-                <a:effectLst/>
-                <a:latin typeface="Consolas" panose="020B0609020204030204" pitchFamily="49" charset="0"/>
-              </a:rPr>
-              <a:t> </a:t>
-            </a:r>
-            <a:r>
-              <a:rPr lang="de-DE" sz="1800" dirty="0">
-                <a:solidFill>
-                  <a:srgbClr val="008000"/>
-                </a:solidFill>
-                <a:effectLst/>
-                <a:latin typeface="Consolas" panose="020B0609020204030204" pitchFamily="49" charset="0"/>
-              </a:rPr>
-              <a:t>'2222‘</a:t>
-            </a:r>
-            <a:r>
-              <a:rPr lang="de-DE" sz="1800" dirty="0">
-                <a:solidFill>
-                  <a:srgbClr val="FF0000"/>
-                </a:solidFill>
-                <a:effectLst/>
-                <a:latin typeface="Consolas" panose="020B0609020204030204" pitchFamily="49" charset="0"/>
-              </a:rPr>
-              <a:t>;</a:t>
-            </a:r>
-          </a:p>
-          <a:p>
-            <a:pPr marL="0" marR="0" indent="0">
-              <a:spcBef>
-                <a:spcPts val="0"/>
-              </a:spcBef>
-              <a:spcAft>
-                <a:spcPts val="0"/>
-              </a:spcAft>
-              <a:buNone/>
-            </a:pPr>
-            <a:endParaRPr lang="de-DE" sz="1800" dirty="0">
-              <a:solidFill>
-                <a:srgbClr val="000000"/>
-              </a:solidFill>
-              <a:effectLst/>
-              <a:latin typeface="Consolas" panose="020B0609020204030204" pitchFamily="49" charset="0"/>
-            </a:endParaRPr>
-          </a:p>
-          <a:p>
-            <a:pPr marL="0" marR="0" indent="0">
-              <a:spcBef>
-                <a:spcPts val="0"/>
-              </a:spcBef>
-              <a:spcAft>
-                <a:spcPts val="0"/>
-              </a:spcAft>
-              <a:buNone/>
-            </a:pPr>
-            <a:r>
-              <a:rPr lang="de-DE" sz="1800" b="1" dirty="0">
-                <a:solidFill>
-                  <a:srgbClr val="800000"/>
-                </a:solidFill>
-                <a:effectLst/>
-                <a:latin typeface="Consolas" panose="020B0609020204030204" pitchFamily="49" charset="0"/>
-              </a:rPr>
-              <a:t>create</a:t>
-            </a:r>
-            <a:r>
-              <a:rPr lang="de-DE" sz="1800" dirty="0">
-                <a:solidFill>
-                  <a:srgbClr val="000000"/>
-                </a:solidFill>
-                <a:effectLst/>
-                <a:latin typeface="Consolas" panose="020B0609020204030204" pitchFamily="49" charset="0"/>
-              </a:rPr>
-              <a:t> </a:t>
-            </a:r>
-            <a:r>
-              <a:rPr lang="de-DE" sz="1800" b="1" dirty="0">
-                <a:solidFill>
-                  <a:srgbClr val="800000"/>
-                </a:solidFill>
-                <a:effectLst/>
-                <a:latin typeface="Consolas" panose="020B0609020204030204" pitchFamily="49" charset="0"/>
-              </a:rPr>
-              <a:t>user</a:t>
-            </a:r>
-            <a:r>
-              <a:rPr lang="de-DE" sz="1800" dirty="0">
-                <a:solidFill>
-                  <a:srgbClr val="000000"/>
-                </a:solidFill>
-                <a:effectLst/>
-                <a:latin typeface="Consolas" panose="020B0609020204030204" pitchFamily="49" charset="0"/>
-              </a:rPr>
-              <a:t> mitarbeiter_2 </a:t>
-            </a:r>
-            <a:r>
-              <a:rPr lang="de-DE" sz="1800" b="1" dirty="0">
-                <a:solidFill>
-                  <a:srgbClr val="800000"/>
-                </a:solidFill>
-                <a:effectLst/>
-                <a:latin typeface="Consolas" panose="020B0609020204030204" pitchFamily="49" charset="0"/>
-              </a:rPr>
-              <a:t>with</a:t>
-            </a:r>
-            <a:r>
-              <a:rPr lang="de-DE" sz="1800" dirty="0">
-                <a:solidFill>
-                  <a:srgbClr val="000000"/>
-                </a:solidFill>
-                <a:effectLst/>
-                <a:latin typeface="Consolas" panose="020B0609020204030204" pitchFamily="49" charset="0"/>
-              </a:rPr>
-              <a:t> </a:t>
-            </a:r>
-            <a:r>
-              <a:rPr lang="de-DE" sz="1800" b="1" dirty="0">
-                <a:solidFill>
-                  <a:srgbClr val="800000"/>
-                </a:solidFill>
-                <a:effectLst/>
-                <a:latin typeface="Consolas" panose="020B0609020204030204" pitchFamily="49" charset="0"/>
-              </a:rPr>
-              <a:t>password</a:t>
-            </a:r>
-            <a:r>
-              <a:rPr lang="de-DE" sz="1800" dirty="0">
-                <a:solidFill>
-                  <a:srgbClr val="000000"/>
-                </a:solidFill>
-                <a:effectLst/>
-                <a:latin typeface="Consolas" panose="020B0609020204030204" pitchFamily="49" charset="0"/>
-              </a:rPr>
-              <a:t> </a:t>
-            </a:r>
-            <a:r>
-              <a:rPr lang="de-DE" sz="1800" dirty="0">
-                <a:solidFill>
-                  <a:srgbClr val="008000"/>
-                </a:solidFill>
-                <a:effectLst/>
-                <a:latin typeface="Consolas" panose="020B0609020204030204" pitchFamily="49" charset="0"/>
-              </a:rPr>
-              <a:t>'3333‘</a:t>
-            </a:r>
-            <a:r>
-              <a:rPr lang="de-DE" sz="1800" dirty="0">
-                <a:solidFill>
-                  <a:srgbClr val="FF0000"/>
-                </a:solidFill>
-                <a:effectLst/>
-                <a:latin typeface="Consolas" panose="020B0609020204030204" pitchFamily="49" charset="0"/>
-              </a:rPr>
-              <a:t>;</a:t>
-            </a:r>
-          </a:p>
-          <a:p>
-            <a:pPr marL="0" marR="0" indent="0">
-              <a:spcBef>
-                <a:spcPts val="0"/>
-              </a:spcBef>
-              <a:spcAft>
-                <a:spcPts val="0"/>
-              </a:spcAft>
-              <a:buNone/>
-            </a:pPr>
-            <a:endParaRPr lang="de-DE" sz="1800" dirty="0">
-              <a:solidFill>
-                <a:srgbClr val="000000"/>
-              </a:solidFill>
-              <a:effectLst/>
-              <a:latin typeface="Consolas" panose="020B0609020204030204" pitchFamily="49" charset="0"/>
-            </a:endParaRPr>
-          </a:p>
-          <a:p>
-            <a:pPr marL="0" marR="0" indent="0">
-              <a:spcBef>
-                <a:spcPts val="0"/>
-              </a:spcBef>
-              <a:spcAft>
-                <a:spcPts val="0"/>
-              </a:spcAft>
-              <a:buNone/>
-            </a:pPr>
-            <a:r>
-              <a:rPr lang="de-DE" sz="1800" b="1" dirty="0">
-                <a:solidFill>
-                  <a:srgbClr val="800000"/>
-                </a:solidFill>
-                <a:effectLst/>
-                <a:latin typeface="Consolas" panose="020B0609020204030204" pitchFamily="49" charset="0"/>
-              </a:rPr>
-              <a:t>grant</a:t>
-            </a:r>
-            <a:r>
-              <a:rPr lang="de-DE" sz="1800" dirty="0">
-                <a:solidFill>
-                  <a:srgbClr val="000000"/>
-                </a:solidFill>
-                <a:effectLst/>
-                <a:latin typeface="Consolas" panose="020B0609020204030204" pitchFamily="49" charset="0"/>
-              </a:rPr>
-              <a:t> call_center_mitarbeiter </a:t>
-            </a:r>
-            <a:r>
-              <a:rPr lang="de-DE" sz="1800" b="1" dirty="0">
-                <a:solidFill>
-                  <a:srgbClr val="800000"/>
-                </a:solidFill>
-                <a:effectLst/>
-                <a:latin typeface="Consolas" panose="020B0609020204030204" pitchFamily="49" charset="0"/>
-              </a:rPr>
-              <a:t>to</a:t>
-            </a:r>
-            <a:r>
-              <a:rPr lang="de-DE" sz="1800" dirty="0">
-                <a:solidFill>
-                  <a:srgbClr val="000000"/>
-                </a:solidFill>
-                <a:effectLst/>
-                <a:latin typeface="Consolas" panose="020B0609020204030204" pitchFamily="49" charset="0"/>
-              </a:rPr>
-              <a:t> mitarbeiter_1</a:t>
-            </a:r>
-            <a:r>
-              <a:rPr lang="de-DE" sz="1800" dirty="0">
-                <a:solidFill>
-                  <a:srgbClr val="FF0000"/>
-                </a:solidFill>
-                <a:effectLst/>
-                <a:latin typeface="Consolas" panose="020B0609020204030204" pitchFamily="49" charset="0"/>
-              </a:rPr>
-              <a:t>;</a:t>
-            </a:r>
-          </a:p>
-          <a:p>
-            <a:pPr marL="0" marR="0" indent="0">
-              <a:spcBef>
-                <a:spcPts val="0"/>
-              </a:spcBef>
-              <a:spcAft>
-                <a:spcPts val="0"/>
-              </a:spcAft>
-              <a:buNone/>
-            </a:pPr>
-            <a:endParaRPr lang="de-DE" sz="1800" dirty="0">
-              <a:solidFill>
-                <a:srgbClr val="000000"/>
-              </a:solidFill>
-              <a:effectLst/>
-              <a:latin typeface="Consolas" panose="020B0609020204030204" pitchFamily="49" charset="0"/>
-            </a:endParaRPr>
-          </a:p>
-          <a:p>
-            <a:pPr marL="0" marR="0" indent="0">
-              <a:spcBef>
-                <a:spcPts val="0"/>
-              </a:spcBef>
-              <a:spcAft>
-                <a:spcPts val="0"/>
-              </a:spcAft>
-              <a:buNone/>
-            </a:pPr>
-            <a:r>
-              <a:rPr lang="de-DE" sz="1800" b="1" dirty="0">
-                <a:solidFill>
-                  <a:srgbClr val="800000"/>
-                </a:solidFill>
-                <a:effectLst/>
-                <a:latin typeface="Consolas" panose="020B0609020204030204" pitchFamily="49" charset="0"/>
-              </a:rPr>
-              <a:t>grant</a:t>
-            </a:r>
-            <a:r>
-              <a:rPr lang="de-DE" sz="1800" dirty="0">
-                <a:solidFill>
-                  <a:srgbClr val="000000"/>
-                </a:solidFill>
-                <a:effectLst/>
-                <a:latin typeface="Consolas" panose="020B0609020204030204" pitchFamily="49" charset="0"/>
-              </a:rPr>
-              <a:t> daten_analysten </a:t>
-            </a:r>
-            <a:r>
-              <a:rPr lang="de-DE" sz="1800" b="1" dirty="0">
-                <a:solidFill>
-                  <a:srgbClr val="800000"/>
-                </a:solidFill>
-                <a:effectLst/>
-                <a:latin typeface="Consolas" panose="020B0609020204030204" pitchFamily="49" charset="0"/>
-              </a:rPr>
-              <a:t>to</a:t>
-            </a:r>
-            <a:r>
-              <a:rPr lang="de-DE" sz="1800" dirty="0">
-                <a:solidFill>
-                  <a:srgbClr val="000000"/>
-                </a:solidFill>
-                <a:effectLst/>
-                <a:latin typeface="Consolas" panose="020B0609020204030204" pitchFamily="49" charset="0"/>
-              </a:rPr>
-              <a:t> mitarbeiter_2</a:t>
-            </a:r>
-            <a:r>
-              <a:rPr lang="de-DE" sz="1800" dirty="0">
-                <a:solidFill>
-                  <a:srgbClr val="FF0000"/>
+                  <a:srgbClr val="808080"/>
                 </a:solidFill>
                 <a:effectLst/>
                 <a:latin typeface="Consolas" panose="020B0609020204030204" pitchFamily="49" charset="0"/>
@@ -6104,38 +5363,6 @@
             </a:endParaRPr>
           </a:p>
           <a:p>
-            <a:endParaRPr lang="de-DE" dirty="0"/>
-          </a:p>
-        </p:txBody>
-      </p:sp>
-      <p:sp>
-        <p:nvSpPr>
-          <p:cNvPr id="4" name="Inhaltsplatzhalter 3">
-            <a:extLst>
-              <a:ext uri="{FF2B5EF4-FFF2-40B4-BE49-F238E27FC236}">
-                <a16:creationId xmlns:a16="http://schemas.microsoft.com/office/drawing/2014/main" id="{DBEF80C8-4FC1-4AAF-401D-44B99ACD4F10}"/>
-              </a:ext>
-            </a:extLst>
-          </p:cNvPr>
-          <p:cNvSpPr>
-            <a:spLocks noGrp="1"/>
-          </p:cNvSpPr>
-          <p:nvPr>
-            <p:ph sz="half" idx="2"/>
-          </p:nvPr>
-        </p:nvSpPr>
-        <p:spPr>
-          <a:xfrm>
-            <a:off x="7599680" y="2120900"/>
-            <a:ext cx="3556000" cy="3081020"/>
-          </a:xfrm>
-        </p:spPr>
-        <p:txBody>
-          <a:bodyPr>
-            <a:normAutofit fontScale="77500" lnSpcReduction="20000"/>
-          </a:bodyPr>
-          <a:lstStyle/>
-          <a:p>
             <a:pPr marL="0" marR="0">
               <a:spcBef>
                 <a:spcPts val="0"/>
@@ -6145,72 +5372,34 @@
               </a:spcAft>
             </a:pPr>
             <a:r>
-              <a:rPr lang="de-DE" sz="1800" dirty="0">
+              <a:rPr lang="de-DE" sz="1800" b="1" dirty="0">
                 <a:solidFill>
-                  <a:srgbClr val="808080"/>
+                  <a:srgbClr val="800000"/>
                 </a:solidFill>
                 <a:effectLst/>
                 <a:latin typeface="Consolas" panose="020B0609020204030204" pitchFamily="49" charset="0"/>
               </a:rPr>
-              <a:t>-- DROP ROLE </a:t>
-            </a:r>
-            <a:br>
+              <a:t>CREATE</a:t>
+            </a:r>
+            <a:r>
               <a:rPr lang="de-DE" sz="1800" dirty="0">
                 <a:solidFill>
-                  <a:srgbClr val="808080"/>
+                  <a:srgbClr val="000000"/>
                 </a:solidFill>
                 <a:effectLst/>
                 <a:latin typeface="Consolas" panose="020B0609020204030204" pitchFamily="49" charset="0"/>
               </a:rPr>
-            </a:br>
-            <a:r>
-              <a:rPr lang="de-DE" sz="1800" dirty="0">
+              <a:t> </a:t>
+            </a:r>
+            <a:r>
+              <a:rPr lang="de-DE" sz="1800" b="1" dirty="0">
                 <a:solidFill>
-                  <a:srgbClr val="808080"/>
-                </a:solidFill>
-                <a:latin typeface="Consolas" panose="020B0609020204030204" pitchFamily="49" charset="0"/>
-              </a:rPr>
-              <a:t>C</a:t>
-            </a:r>
-            <a:r>
-              <a:rPr lang="de-DE" sz="1800" dirty="0">
-                <a:solidFill>
-                  <a:srgbClr val="808080"/>
+                  <a:srgbClr val="800000"/>
                 </a:solidFill>
                 <a:effectLst/>
                 <a:latin typeface="Consolas" panose="020B0609020204030204" pitchFamily="49" charset="0"/>
               </a:rPr>
-              <a:t>reate role callcenter_mitarbeiter;</a:t>
-            </a:r>
-          </a:p>
-          <a:p>
-            <a:pPr marL="0" marR="0" indent="0">
-              <a:spcBef>
-                <a:spcPts val="0"/>
-              </a:spcBef>
-              <a:spcAft>
-                <a:spcPts val="0"/>
-              </a:spcAft>
-              <a:buNone/>
-            </a:pPr>
-            <a:r>
-              <a:rPr lang="de-DE" sz="1800" dirty="0">
-                <a:solidFill>
-                  <a:srgbClr val="808080"/>
-                </a:solidFill>
-                <a:latin typeface="Consolas" panose="020B0609020204030204" pitchFamily="49" charset="0"/>
-              </a:rPr>
-              <a:t>Create role datenanalysten</a:t>
-            </a:r>
-            <a:r>
-              <a:rPr lang="de-DE" sz="1800" dirty="0">
-                <a:solidFill>
-                  <a:srgbClr val="808080"/>
-                </a:solidFill>
-                <a:effectLst/>
-                <a:latin typeface="Consolas" panose="020B0609020204030204" pitchFamily="49" charset="0"/>
-              </a:rPr>
-              <a:t>;</a:t>
+              <a:t>ROLE</a:t>
             </a:r>
             <a:endParaRPr lang="de-DE" sz="1800" dirty="0">
               <a:solidFill>
@@ -6229,7 +5418,17 @@
                 <a:spcPts val="0"/>
               </a:spcAft>
             </a:pPr>
-            <a:br>
+            <a:r>
+              <a:rPr lang="de-DE" sz="1800" b="1" dirty="0">
+                <a:solidFill>
+                  <a:srgbClr val="800000"/>
+                </a:solidFill>
+                <a:effectLst/>
+                <a:latin typeface="Consolas" panose="020B0609020204030204" pitchFamily="49" charset="0"/>
+              </a:rPr>
+              <a:t>WITH</a:t>
+            </a:r>
+            <a:r>
               <a:rPr lang="de-DE" sz="1800" dirty="0">
                 <a:solidFill>
                   <a:srgbClr val="000000"/>
@@ -6237,14 +5436,8 @@
                 <a:effectLst/>
                 <a:latin typeface="Consolas" panose="020B0609020204030204" pitchFamily="49" charset="0"/>
               </a:rPr>
-            </a:br>
-            <a:endParaRPr lang="de-DE" sz="1800" dirty="0">
-              <a:solidFill>
-                <a:srgbClr val="000000"/>
-              </a:solidFill>
-              <a:effectLst/>
-              <a:latin typeface="Consolas" panose="020B0609020204030204" pitchFamily="49" charset="0"/>
-            </a:endParaRPr>
+              <a:t> </a:t>
+            </a:r>
           </a:p>
           <a:p>
             <a:pPr marL="0" marR="0">
@@ -6256,6 +5449,66 @@
               </a:spcAft>
             </a:pPr>
             <a:r>
+              <a:rPr lang="de-DE" sz="1800" dirty="0">
+                <a:solidFill>
+                  <a:srgbClr val="000000"/>
+                </a:solidFill>
+                <a:effectLst/>
+                <a:latin typeface="Consolas" panose="020B0609020204030204" pitchFamily="49" charset="0"/>
+              </a:rPr>
+              <a:t>NOSUPERUSER</a:t>
+            </a:r>
+          </a:p>
+          <a:p>
+            <a:pPr marL="0" marR="0">
+              <a:spcBef>
+                <a:spcPts val="0"/>
+              </a:spcBef>
+              <a:spcAft>
+                <a:spcPts val="0"/>
+              </a:spcAft>
+            </a:pPr>
+            <a:r>
+              <a:rPr lang="de-DE" sz="1800" dirty="0">
+                <a:solidFill>
+                  <a:srgbClr val="000000"/>
+                </a:solidFill>
+                <a:effectLst/>
+                <a:latin typeface="Consolas" panose="020B0609020204030204" pitchFamily="49" charset="0"/>
+              </a:rPr>
+              <a:t>CREATEDB</a:t>
+            </a:r>
+          </a:p>
+          <a:p>
+            <a:pPr marL="0" marR="0">
+              <a:spcBef>
+                <a:spcPts val="0"/>
+              </a:spcBef>
+              <a:spcAft>
+                <a:spcPts val="0"/>
+              </a:spcAft>
+            </a:pPr>
+            <a:r>
+              <a:rPr lang="de-DE" sz="1800" dirty="0">
+                <a:solidFill>
+                  <a:srgbClr val="000000"/>
+                </a:solidFill>
+                <a:effectLst/>
+                <a:latin typeface="Consolas" panose="020B0609020204030204" pitchFamily="49" charset="0"/>
+              </a:rPr>
+              <a:t>CREATEROLE</a:t>
+            </a:r>
+          </a:p>
+          <a:p>
+            <a:pPr marL="0" marR="0">
+              <a:spcBef>
+                <a:spcPts val="0"/>
+              </a:spcBef>
+              <a:spcAft>
+                <a:spcPts val="0"/>
+              </a:spcAft>
+            </a:pPr>
+            <a:r>
               <a:rPr lang="de-DE" sz="1800" b="1" dirty="0">
                 <a:solidFill>
                   <a:srgbClr val="800000"/>
@@ -6263,7 +5516,94 @@
                 <a:effectLst/>
                 <a:latin typeface="Consolas" panose="020B0609020204030204" pitchFamily="49" charset="0"/>
               </a:rPr>
-              <a:t>CREATE</a:t>
+              <a:t>INHERIT</a:t>
+            </a:r>
+            <a:endParaRPr lang="de-DE" sz="1800" dirty="0">
+              <a:solidFill>
+                <a:srgbClr val="000000"/>
+              </a:solidFill>
+              <a:effectLst/>
+              <a:latin typeface="Consolas" panose="020B0609020204030204" pitchFamily="49" charset="0"/>
+            </a:endParaRPr>
+          </a:p>
+          <a:p>
+            <a:pPr marL="0" marR="0">
+              <a:spcBef>
+                <a:spcPts val="0"/>
+              </a:spcBef>
+              <a:spcAft>
+                <a:spcPts val="0"/>
+              </a:spcAft>
+            </a:pPr>
+            <a:r>
+              <a:rPr lang="de-DE" sz="1800" dirty="0">
+                <a:solidFill>
+                  <a:srgbClr val="000000"/>
+                </a:solidFill>
+                <a:effectLst/>
+                <a:latin typeface="Consolas" panose="020B0609020204030204" pitchFamily="49" charset="0"/>
+              </a:rPr>
+              <a:t>LOGIN</a:t>
+            </a:r>
+          </a:p>
+          <a:p>
+            <a:pPr marL="0" marR="0">
+              <a:spcBef>
+                <a:spcPts val="0"/>
+              </a:spcBef>
+              <a:spcAft>
+                <a:spcPts val="0"/>
+              </a:spcAft>
+            </a:pPr>
+            <a:r>
+              <a:rPr lang="de-DE" sz="1800" dirty="0">
+                <a:solidFill>
+                  <a:srgbClr val="000000"/>
+                </a:solidFill>
+                <a:effectLst/>
+                <a:latin typeface="Consolas" panose="020B0609020204030204" pitchFamily="49" charset="0"/>
+              </a:rPr>
+              <a:t>REPLICATION</a:t>
+            </a:r>
+          </a:p>
+          <a:p>
+            <a:pPr marL="0" marR="0">
+              <a:spcBef>
+                <a:spcPts val="0"/>
+              </a:spcBef>
+              <a:spcAft>
+                <a:spcPts val="0"/>
+              </a:spcAft>
+            </a:pPr>
+            <a:r>
+              <a:rPr lang="de-DE" sz="1800" dirty="0">
+                <a:solidFill>
+                  <a:srgbClr val="000000"/>
+                </a:solidFill>
+                <a:effectLst/>
+                <a:latin typeface="Consolas" panose="020B0609020204030204" pitchFamily="49" charset="0"/>
+              </a:rPr>
+              <a:t>NOBYPASSRLS</a:t>
+            </a:r>
+          </a:p>
+          <a:p>
+            <a:pPr marL="0" marR="0">
+              <a:spcBef>
+                <a:spcPts val="0"/>
+              </a:spcBef>
+              <a:spcAft>
+                <a:spcPts val="0"/>
+              </a:spcAft>
+            </a:pPr>
+            <a:r>
+              <a:rPr lang="de-DE" sz="1800" b="1" dirty="0">
+                <a:solidFill>
+                  <a:srgbClr val="800000"/>
+                </a:solidFill>
+                <a:effectLst/>
+                <a:latin typeface="Consolas" panose="020B0609020204030204" pitchFamily="49" charset="0"/>
+              </a:rPr>
+              <a:t>CONNECTION</a:t>
             </a:r>
             <a:r>
               <a:rPr lang="de-DE" sz="1800" dirty="0">
@@ -6283,230 +5623,6 @@
                 <a:effectLst/>
                 <a:latin typeface="Consolas" panose="020B0609020204030204" pitchFamily="49" charset="0"/>
               </a:rPr>
-              <a:t>ROLE</a:t>
-            </a:r>
-            <a:endParaRPr lang="de-DE" sz="1800" dirty="0">
-              <a:solidFill>
-                <a:srgbClr val="000000"/>
-              </a:solidFill>
-              <a:effectLst/>
-              <a:latin typeface="Consolas" panose="020B0609020204030204" pitchFamily="49" charset="0"/>
-            </a:endParaRPr>
-          </a:p>
-          <a:p>
-            <a:pPr marL="0" marR="0">
-              <a:spcBef>
-                <a:spcPts val="0"/>
-              </a:spcBef>
-              <a:spcAft>
-                <a:spcPts val="0"/>
-              </a:spcAft>
-            </a:pPr>
-            <a:r>
-              <a:rPr lang="de-DE" sz="1800" b="1" dirty="0">
-                <a:solidFill>
-                  <a:srgbClr val="800000"/>
-                </a:solidFill>
-                <a:effectLst/>
-                <a:latin typeface="Consolas" panose="020B0609020204030204" pitchFamily="49" charset="0"/>
-              </a:rPr>
-              <a:t>WITH</a:t>
-            </a:r>
-            <a:r>
-              <a:rPr lang="de-DE" sz="1800" dirty="0">
-                <a:solidFill>
-                  <a:srgbClr val="000000"/>
-                </a:solidFill>
-                <a:effectLst/>
-                <a:latin typeface="Consolas" panose="020B0609020204030204" pitchFamily="49" charset="0"/>
-              </a:rPr>
-              <a:t> </a:t>
-            </a:r>
-          </a:p>
-          <a:p>
-            <a:pPr marL="0" marR="0">
-              <a:spcBef>
-                <a:spcPts val="0"/>
-              </a:spcBef>
-              <a:spcAft>
-                <a:spcPts val="0"/>
-              </a:spcAft>
-            </a:pPr>
-            <a:r>
-              <a:rPr lang="de-DE" sz="1800" dirty="0">
-                <a:solidFill>
-                  <a:srgbClr val="000000"/>
-                </a:solidFill>
-                <a:effectLst/>
-                <a:latin typeface="Consolas" panose="020B0609020204030204" pitchFamily="49" charset="0"/>
-              </a:rPr>
-              <a:t>NOSUPERUSER</a:t>
-            </a:r>
-          </a:p>
-          <a:p>
-            <a:pPr marL="0" marR="0">
-              <a:spcBef>
-                <a:spcPts val="0"/>
-              </a:spcBef>
-              <a:spcAft>
-                <a:spcPts val="0"/>
-              </a:spcAft>
-            </a:pPr>
-            <a:r>
-              <a:rPr lang="de-DE" sz="1800" dirty="0">
-                <a:solidFill>
-                  <a:srgbClr val="000000"/>
-                </a:solidFill>
-                <a:effectLst/>
-                <a:latin typeface="Consolas" panose="020B0609020204030204" pitchFamily="49" charset="0"/>
-              </a:rPr>
-              <a:t>CREATEDB</a:t>
-            </a:r>
-          </a:p>
-          <a:p>
-            <a:pPr marL="0" marR="0">
-              <a:spcBef>
-                <a:spcPts val="0"/>
-              </a:spcBef>
-              <a:spcAft>
-                <a:spcPts val="0"/>
-              </a:spcAft>
-            </a:pPr>
-            <a:r>
-              <a:rPr lang="de-DE" sz="1800" dirty="0">
-                <a:solidFill>
-                  <a:srgbClr val="000000"/>
-                </a:solidFill>
-                <a:effectLst/>
-                <a:latin typeface="Consolas" panose="020B0609020204030204" pitchFamily="49" charset="0"/>
-              </a:rPr>
-              <a:t>CREATEROLE</a:t>
-            </a:r>
-          </a:p>
-          <a:p>
-            <a:pPr marL="0" marR="0">
-              <a:spcBef>
-                <a:spcPts val="0"/>
-              </a:spcBef>
-              <a:spcAft>
-                <a:spcPts val="0"/>
-              </a:spcAft>
-            </a:pPr>
-            <a:r>
-              <a:rPr lang="de-DE" sz="1800" b="1" dirty="0">
-                <a:solidFill>
-                  <a:srgbClr val="800000"/>
-                </a:solidFill>
-                <a:effectLst/>
-                <a:latin typeface="Consolas" panose="020B0609020204030204" pitchFamily="49" charset="0"/>
-              </a:rPr>
-              <a:t>INHERIT</a:t>
-            </a:r>
-            <a:endParaRPr lang="de-DE" sz="1800" dirty="0">
-              <a:solidFill>
-                <a:srgbClr val="000000"/>
-              </a:solidFill>
-              <a:effectLst/>
-              <a:latin typeface="Consolas" panose="020B0609020204030204" pitchFamily="49" charset="0"/>
-            </a:endParaRPr>
-          </a:p>
-          <a:p>
-            <a:pPr marL="0" marR="0">
-              <a:spcBef>
-                <a:spcPts val="0"/>
-              </a:spcBef>
-              <a:spcAft>
-                <a:spcPts val="0"/>
-              </a:spcAft>
-            </a:pPr>
-            <a:r>
-              <a:rPr lang="de-DE" sz="1800" dirty="0">
-                <a:solidFill>
-                  <a:srgbClr val="000000"/>
-                </a:solidFill>
-                <a:effectLst/>
-                <a:latin typeface="Consolas" panose="020B0609020204030204" pitchFamily="49" charset="0"/>
-              </a:rPr>
-              <a:t>LOGIN</a:t>
-            </a:r>
-          </a:p>
-          <a:p>
-            <a:pPr marL="0" marR="0">
-              <a:spcBef>
-                <a:spcPts val="0"/>
-              </a:spcBef>
-              <a:spcAft>
-                <a:spcPts val="0"/>
-              </a:spcAft>
-            </a:pPr>
-            <a:r>
-              <a:rPr lang="de-DE" sz="1800" dirty="0">
-                <a:solidFill>
-                  <a:srgbClr val="000000"/>
-                </a:solidFill>
-                <a:effectLst/>
-                <a:latin typeface="Consolas" panose="020B0609020204030204" pitchFamily="49" charset="0"/>
-              </a:rPr>
-              <a:t>REPLICATION</a:t>
-            </a:r>
-          </a:p>
-          <a:p>
-            <a:pPr marL="0" marR="0">
-              <a:spcBef>
-                <a:spcPts val="0"/>
-              </a:spcBef>
-              <a:spcAft>
-                <a:spcPts val="0"/>
-              </a:spcAft>
-            </a:pPr>
-            <a:r>
-              <a:rPr lang="de-DE" sz="1800" dirty="0">
-                <a:solidFill>
-                  <a:srgbClr val="000000"/>
-                </a:solidFill>
-                <a:effectLst/>
-                <a:latin typeface="Consolas" panose="020B0609020204030204" pitchFamily="49" charset="0"/>
-              </a:rPr>
-              <a:t>NOBYPASSRLS</a:t>
-            </a:r>
-          </a:p>
-          <a:p>
-            <a:pPr marL="0" marR="0">
-              <a:spcBef>
-                <a:spcPts val="0"/>
-              </a:spcBef>
-              <a:spcAft>
-                <a:spcPts val="0"/>
-              </a:spcAft>
-            </a:pPr>
-            <a:r>
-              <a:rPr lang="de-DE" sz="1800" b="1" dirty="0">
-                <a:solidFill>
-                  <a:srgbClr val="800000"/>
-                </a:solidFill>
-                <a:effectLst/>
-                <a:latin typeface="Consolas" panose="020B0609020204030204" pitchFamily="49" charset="0"/>
-              </a:rPr>
-              <a:t>CONNECTION</a:t>
-            </a:r>
-            <a:r>
-              <a:rPr lang="de-DE" sz="1800" dirty="0">
-                <a:solidFill>
-                  <a:srgbClr val="000000"/>
-                </a:solidFill>
-                <a:effectLst/>
-                <a:latin typeface="Consolas" panose="020B0609020204030204" pitchFamily="49" charset="0"/>
-              </a:rPr>
-              <a:t> </a:t>
-            </a:r>
-            <a:r>
-              <a:rPr lang="de-DE" sz="1800" b="1" dirty="0">
-                <a:solidFill>
-                  <a:srgbClr val="800000"/>
-                </a:solidFill>
-                <a:effectLst/>
-                <a:latin typeface="Consolas" panose="020B0609020204030204" pitchFamily="49" charset="0"/>
-              </a:rPr>
               <a:t>LIMIT</a:t>
             </a:r>
             <a:r>
@@ -6552,6 +5668,36 @@
           </a:p>
         </p:txBody>
       </p:sp>
+      <p:pic>
+        <p:nvPicPr>
+          <p:cNvPr id="6" name="Grafik 5">
+            <a:extLst>
+              <a:ext uri="{FF2B5EF4-FFF2-40B4-BE49-F238E27FC236}">
+                <a16:creationId xmlns:a16="http://schemas.microsoft.com/office/drawing/2014/main" id="{ED798F37-6E22-B40A-9009-ADAA7BEECD5D}"/>
+              </a:ext>
+            </a:extLst>
+          </p:cNvPr>
+          <p:cNvPicPr>
+            <a:picLocks noChangeAspect="1"/>
+          </p:cNvPicPr>
+          <p:nvPr/>
+        </p:nvPicPr>
+        <p:blipFill>
+          <a:blip r:embed="rId2"/>
+          <a:stretch>
+            <a:fillRect/>
+          </a:stretch>
+        </p:blipFill>
+        <p:spPr>
+          <a:xfrm>
+            <a:off x="1181330" y="2120900"/>
+            <a:ext cx="6296025" cy="2028825"/>
+          </a:xfrm>
+          <a:prstGeom prst="rect">
+            <a:avLst/>
+          </a:prstGeom>
+        </p:spPr>
+      </p:pic>
     </p:spTree>
     <p:extLst>
       <p:ext uri="{BB962C8B-B14F-4D97-AF65-F5344CB8AC3E}">

--- a/12.06.23_Praxisprojekt SQL.pptx
+++ b/12.06.23_Praxisprojekt SQL.pptx
@@ -5,20 +5,25 @@
     <p:sldMasterId id="2147483660" r:id="rId4"/>
   </p:sldMasterIdLst>
   <p:notesMasterIdLst>
-    <p:notesMasterId r:id="rId13"/>
+    <p:notesMasterId r:id="rId18"/>
   </p:notesMasterIdLst>
   <p:handoutMasterIdLst>
-    <p:handoutMasterId r:id="rId14"/>
+    <p:handoutMasterId r:id="rId19"/>
   </p:handoutMasterIdLst>
   <p:sldIdLst>
     <p:sldId id="298" r:id="rId5"/>
     <p:sldId id="301" r:id="rId6"/>
-    <p:sldId id="302" r:id="rId7"/>
-    <p:sldId id="309" r:id="rId8"/>
-    <p:sldId id="304" r:id="rId9"/>
-    <p:sldId id="306" r:id="rId10"/>
-    <p:sldId id="307" r:id="rId11"/>
-    <p:sldId id="308" r:id="rId12"/>
+    <p:sldId id="310" r:id="rId7"/>
+    <p:sldId id="302" r:id="rId8"/>
+    <p:sldId id="309" r:id="rId9"/>
+    <p:sldId id="304" r:id="rId10"/>
+    <p:sldId id="306" r:id="rId11"/>
+    <p:sldId id="307" r:id="rId12"/>
+    <p:sldId id="308" r:id="rId13"/>
+    <p:sldId id="311" r:id="rId14"/>
+    <p:sldId id="312" r:id="rId15"/>
+    <p:sldId id="313" r:id="rId16"/>
+    <p:sldId id="314" r:id="rId17"/>
   </p:sldIdLst>
   <p:sldSz cx="12192000" cy="6858000"/>
   <p:notesSz cx="6858000" cy="9144000"/>
@@ -291,6 +296,151 @@
   </p:cSld>
   <p:clrMap bg1="lt1" tx1="dk1" bg2="lt2" tx2="dk2" accent1="accent1" accent2="accent2" accent3="accent3" accent4="accent4" accent5="accent5" accent6="accent6" hlink="hlink" folHlink="folHlink"/>
 </p:handoutMaster>
+</file>
+
+<file path=ppt/ink/ink1.xml><?xml version="1.0" encoding="utf-8"?>
+<inkml:ink xmlns:inkml="http://www.w3.org/2003/InkML">
+  <inkml:definitions>
+    <inkml:context xml:id="ctx0">
+      <inkml:inkSource xml:id="inkSrc0">
+        <inkml:traceFormat>
+          <inkml:channel name="X" type="integer" min="-2.14748E9" max="2.14748E9" units="cm"/>
+          <inkml:channel name="Y" type="integer" min="-2.14748E9" max="2.14748E9" units="cm"/>
+        </inkml:traceFormat>
+        <inkml:channelProperties>
+          <inkml:channelProperty channel="X" name="resolution" value="1000" units="1/cm"/>
+          <inkml:channelProperty channel="Y" name="resolution" value="1000" units="1/cm"/>
+        </inkml:channelProperties>
+      </inkml:inkSource>
+      <inkml:timestamp xml:id="ts0" timeString="2023-06-13T09:36:13.242"/>
+    </inkml:context>
+    <inkml:brush xml:id="br0">
+      <inkml:brushProperty name="width" value="0.3" units="cm"/>
+      <inkml:brushProperty name="height" value="0.6" units="cm"/>
+      <inkml:brushProperty name="color" value="#FFFC00"/>
+      <inkml:brushProperty name="tip" value="rectangle"/>
+      <inkml:brushProperty name="rasterOp" value="maskPen"/>
+      <inkml:brushProperty name="ignorePressure" value="1"/>
+    </inkml:brush>
+  </inkml:definitions>
+  <inkml:trace contextRef="#ctx0" brushRef="#br0">1 1,'2515'0,"-2494"1,1 1,31 8,31 3,107-12,-179 1,0 1,1 0,-1 0,0 1,11 6,-9-4,0-1,0 0,18 2,18-2,-1-2,73-5,-26 0,248 2,-322-2,-1 0,33-7,29-4,-47 11,-4 1,-1-1,45-10,-55 8,-1 0</inkml:trace>
+</inkml:ink>
+</file>
+
+<file path=ppt/ink/ink2.xml><?xml version="1.0" encoding="utf-8"?>
+<inkml:ink xmlns:inkml="http://www.w3.org/2003/InkML">
+  <inkml:definitions>
+    <inkml:context xml:id="ctx0">
+      <inkml:inkSource xml:id="inkSrc0">
+        <inkml:traceFormat>
+          <inkml:channel name="X" type="integer" min="-2.14748E9" max="2.14748E9" units="cm"/>
+          <inkml:channel name="Y" type="integer" min="-2.14748E9" max="2.14748E9" units="cm"/>
+        </inkml:traceFormat>
+        <inkml:channelProperties>
+          <inkml:channelProperty channel="X" name="resolution" value="1000" units="1/cm"/>
+          <inkml:channelProperty channel="Y" name="resolution" value="1000" units="1/cm"/>
+        </inkml:channelProperties>
+      </inkml:inkSource>
+      <inkml:timestamp xml:id="ts0" timeString="2023-06-13T09:36:16.756"/>
+    </inkml:context>
+    <inkml:brush xml:id="br0">
+      <inkml:brushProperty name="width" value="0.3" units="cm"/>
+      <inkml:brushProperty name="height" value="0.6" units="cm"/>
+      <inkml:brushProperty name="color" value="#FFFC00"/>
+      <inkml:brushProperty name="tip" value="rectangle"/>
+      <inkml:brushProperty name="rasterOp" value="maskPen"/>
+      <inkml:brushProperty name="ignorePressure" value="1"/>
+    </inkml:brush>
+  </inkml:definitions>
+  <inkml:trace contextRef="#ctx0" brushRef="#br0">1 29,'1511'0,"-1489"-1,-1-1,34-8,29-2,309 9,-201 5,-59-4,148 5,-257 0,0 1,0 2,-1 0,35 14,-35-10,2-2,-1-1,1-1,26 3,105-7,-112-4,1 2,66 9,-19 4,-68-10</inkml:trace>
+</inkml:ink>
+</file>
+
+<file path=ppt/ink/ink3.xml><?xml version="1.0" encoding="utf-8"?>
+<inkml:ink xmlns:inkml="http://www.w3.org/2003/InkML">
+  <inkml:definitions>
+    <inkml:context xml:id="ctx0">
+      <inkml:inkSource xml:id="inkSrc0">
+        <inkml:traceFormat>
+          <inkml:channel name="X" type="integer" min="-2.14748E9" max="2.14748E9" units="cm"/>
+          <inkml:channel name="Y" type="integer" min="-2.14748E9" max="2.14748E9" units="cm"/>
+        </inkml:traceFormat>
+        <inkml:channelProperties>
+          <inkml:channelProperty channel="X" name="resolution" value="1000" units="1/cm"/>
+          <inkml:channelProperty channel="Y" name="resolution" value="1000" units="1/cm"/>
+        </inkml:channelProperties>
+      </inkml:inkSource>
+      <inkml:timestamp xml:id="ts0" timeString="2023-06-13T09:36:19.680"/>
+    </inkml:context>
+    <inkml:brush xml:id="br0">
+      <inkml:brushProperty name="width" value="0.3" units="cm"/>
+      <inkml:brushProperty name="height" value="0.6" units="cm"/>
+      <inkml:brushProperty name="color" value="#FFFC00"/>
+      <inkml:brushProperty name="tip" value="rectangle"/>
+      <inkml:brushProperty name="rasterOp" value="maskPen"/>
+      <inkml:brushProperty name="ignorePressure" value="1"/>
+    </inkml:brush>
+  </inkml:definitions>
+  <inkml:trace contextRef="#ctx0" brushRef="#br0">1 1,'45'2,"0"3,79 17,-56-8,57 2,-37-6,-24-3,85-3,-81-4,74 9,-18 2,153-5,-256-7,1-2,33-7,-31 5,36-3,349 5,-210 6,358-3,-531 0</inkml:trace>
+</inkml:ink>
+</file>
+
+<file path=ppt/ink/ink4.xml><?xml version="1.0" encoding="utf-8"?>
+<inkml:ink xmlns:inkml="http://www.w3.org/2003/InkML">
+  <inkml:definitions>
+    <inkml:context xml:id="ctx0">
+      <inkml:inkSource xml:id="inkSrc0">
+        <inkml:traceFormat>
+          <inkml:channel name="X" type="integer" min="-2.14748E9" max="2.14748E9" units="cm"/>
+          <inkml:channel name="Y" type="integer" min="-2.14748E9" max="2.14748E9" units="cm"/>
+        </inkml:traceFormat>
+        <inkml:channelProperties>
+          <inkml:channelProperty channel="X" name="resolution" value="1000" units="1/cm"/>
+          <inkml:channelProperty channel="Y" name="resolution" value="1000" units="1/cm"/>
+        </inkml:channelProperties>
+      </inkml:inkSource>
+      <inkml:timestamp xml:id="ts0" timeString="2023-06-13T09:36:21.587"/>
+    </inkml:context>
+    <inkml:brush xml:id="br0">
+      <inkml:brushProperty name="width" value="0.3" units="cm"/>
+      <inkml:brushProperty name="height" value="0.6" units="cm"/>
+      <inkml:brushProperty name="color" value="#FFFC00"/>
+      <inkml:brushProperty name="tip" value="rectangle"/>
+      <inkml:brushProperty name="rasterOp" value="maskPen"/>
+      <inkml:brushProperty name="ignorePressure" value="1"/>
+    </inkml:brush>
+  </inkml:definitions>
+  <inkml:trace contextRef="#ctx0" brushRef="#br0">0 1,'1462'0,"-1360"4,106 19,-106-9,108 0,302-15,-499 2,1 0,0 1,20 6,1 0,-16-5</inkml:trace>
+</inkml:ink>
+</file>
+
+<file path=ppt/ink/ink5.xml><?xml version="1.0" encoding="utf-8"?>
+<inkml:ink xmlns:inkml="http://www.w3.org/2003/InkML">
+  <inkml:definitions>
+    <inkml:context xml:id="ctx0">
+      <inkml:inkSource xml:id="inkSrc0">
+        <inkml:traceFormat>
+          <inkml:channel name="X" type="integer" min="-2.14748E9" max="2.14748E9" units="cm"/>
+          <inkml:channel name="Y" type="integer" min="-2.14748E9" max="2.14748E9" units="cm"/>
+        </inkml:traceFormat>
+        <inkml:channelProperties>
+          <inkml:channelProperty channel="X" name="resolution" value="1000" units="1/cm"/>
+          <inkml:channelProperty channel="Y" name="resolution" value="1000" units="1/cm"/>
+        </inkml:channelProperties>
+      </inkml:inkSource>
+      <inkml:timestamp xml:id="ts0" timeString="2023-06-13T09:36:24.382"/>
+    </inkml:context>
+    <inkml:brush xml:id="br0">
+      <inkml:brushProperty name="width" value="0.3" units="cm"/>
+      <inkml:brushProperty name="height" value="0.6" units="cm"/>
+      <inkml:brushProperty name="color" value="#FFFC00"/>
+      <inkml:brushProperty name="tip" value="rectangle"/>
+      <inkml:brushProperty name="rasterOp" value="maskPen"/>
+      <inkml:brushProperty name="ignorePressure" value="1"/>
+    </inkml:brush>
+  </inkml:definitions>
+  <inkml:trace contextRef="#ctx0" brushRef="#br0">1 56,'914'0,"-896"-1,0-2,-1 1,1-2,-1 0,20-8,-18 5,0 1,1 1,36-4,305 7,-179 4,612-2,-768 2,0 0,30 8,-27-5,45 3,57-8,-109 0</inkml:trace>
+</inkml:ink>
 </file>
 
 <file path=ppt/notesMasters/notesMaster1.xml><?xml version="1.0" encoding="utf-8"?>
@@ -4409,6 +4559,450 @@
 </p:sld>
 </file>
 
+<file path=ppt/slides/slide10.xml><?xml version="1.0" encoding="utf-8"?>
+<p:sld xmlns:a="http://schemas.openxmlformats.org/drawingml/2006/main" xmlns:r="http://schemas.openxmlformats.org/officeDocument/2006/relationships" xmlns:p="http://schemas.openxmlformats.org/presentationml/2006/main">
+  <p:cSld>
+    <p:spTree>
+      <p:nvGrpSpPr>
+        <p:cNvPr id="1" name=""/>
+        <p:cNvGrpSpPr/>
+        <p:nvPr/>
+      </p:nvGrpSpPr>
+      <p:grpSpPr>
+        <a:xfrm>
+          <a:off x="0" y="0"/>
+          <a:ext cx="0" cy="0"/>
+          <a:chOff x="0" y="0"/>
+          <a:chExt cx="0" cy="0"/>
+        </a:xfrm>
+      </p:grpSpPr>
+      <p:sp>
+        <p:nvSpPr>
+          <p:cNvPr id="2" name="Titel 1">
+            <a:extLst>
+              <a:ext uri="{FF2B5EF4-FFF2-40B4-BE49-F238E27FC236}">
+                <a16:creationId xmlns:a16="http://schemas.microsoft.com/office/drawing/2014/main" id="{4DE7E24C-CA4C-6355-84B2-DC6B1327CD2F}"/>
+              </a:ext>
+            </a:extLst>
+          </p:cNvPr>
+          <p:cNvSpPr>
+            <a:spLocks noGrp="1"/>
+          </p:cNvSpPr>
+          <p:nvPr>
+            <p:ph type="title"/>
+          </p:nvPr>
+        </p:nvSpPr>
+        <p:spPr/>
+        <p:txBody>
+          <a:bodyPr>
+            <a:normAutofit/>
+          </a:bodyPr>
+          <a:lstStyle/>
+          <a:p>
+            <a:r>
+              <a:rPr lang="de-DE" sz="4400" b="1" i="0" u="none" strike="noStrike" baseline="0" dirty="0">
+                <a:solidFill>
+                  <a:srgbClr val="000000"/>
+                </a:solidFill>
+                <a:latin typeface="Arial" panose="020B0604020202020204" pitchFamily="34" charset="0"/>
+              </a:rPr>
+              <a:t>Einsatz eines Datenanalysten </a:t>
+            </a:r>
+            <a:endParaRPr lang="de-DE" sz="4400" b="1" dirty="0"/>
+          </a:p>
+        </p:txBody>
+      </p:sp>
+      <p:sp>
+        <p:nvSpPr>
+          <p:cNvPr id="3" name="Inhaltsplatzhalter 2">
+            <a:extLst>
+              <a:ext uri="{FF2B5EF4-FFF2-40B4-BE49-F238E27FC236}">
+                <a16:creationId xmlns:a16="http://schemas.microsoft.com/office/drawing/2014/main" id="{F4B1A9BE-0B58-80BD-DB76-E74BBEFA5E5E}"/>
+              </a:ext>
+            </a:extLst>
+          </p:cNvPr>
+          <p:cNvSpPr>
+            <a:spLocks noGrp="1"/>
+          </p:cNvSpPr>
+          <p:nvPr>
+            <p:ph sz="half" idx="1"/>
+          </p:nvPr>
+        </p:nvSpPr>
+        <p:spPr/>
+        <p:txBody>
+          <a:bodyPr/>
+          <a:lstStyle/>
+          <a:p>
+            <a:endParaRPr lang="de-DE" dirty="0"/>
+          </a:p>
+        </p:txBody>
+      </p:sp>
+      <p:sp>
+        <p:nvSpPr>
+          <p:cNvPr id="4" name="Inhaltsplatzhalter 3">
+            <a:extLst>
+              <a:ext uri="{FF2B5EF4-FFF2-40B4-BE49-F238E27FC236}">
+                <a16:creationId xmlns:a16="http://schemas.microsoft.com/office/drawing/2014/main" id="{44F126D2-EA49-2D32-E1C6-107D15FF28AF}"/>
+              </a:ext>
+            </a:extLst>
+          </p:cNvPr>
+          <p:cNvSpPr>
+            <a:spLocks noGrp="1"/>
+          </p:cNvSpPr>
+          <p:nvPr>
+            <p:ph sz="half" idx="2"/>
+          </p:nvPr>
+        </p:nvSpPr>
+        <p:spPr/>
+        <p:txBody>
+          <a:bodyPr/>
+          <a:lstStyle/>
+          <a:p>
+            <a:endParaRPr lang="de-DE" dirty="0"/>
+          </a:p>
+        </p:txBody>
+      </p:sp>
+    </p:spTree>
+    <p:extLst>
+      <p:ext uri="{BB962C8B-B14F-4D97-AF65-F5344CB8AC3E}">
+        <p14:creationId xmlns:p14="http://schemas.microsoft.com/office/powerpoint/2010/main" val="3134808157"/>
+      </p:ext>
+    </p:extLst>
+  </p:cSld>
+  <p:clrMapOvr>
+    <a:masterClrMapping/>
+  </p:clrMapOvr>
+</p:sld>
+</file>
+
+<file path=ppt/slides/slide11.xml><?xml version="1.0" encoding="utf-8"?>
+<p:sld xmlns:a="http://schemas.openxmlformats.org/drawingml/2006/main" xmlns:r="http://schemas.openxmlformats.org/officeDocument/2006/relationships" xmlns:p="http://schemas.openxmlformats.org/presentationml/2006/main">
+  <p:cSld>
+    <p:spTree>
+      <p:nvGrpSpPr>
+        <p:cNvPr id="1" name=""/>
+        <p:cNvGrpSpPr/>
+        <p:nvPr/>
+      </p:nvGrpSpPr>
+      <p:grpSpPr>
+        <a:xfrm>
+          <a:off x="0" y="0"/>
+          <a:ext cx="0" cy="0"/>
+          <a:chOff x="0" y="0"/>
+          <a:chExt cx="0" cy="0"/>
+        </a:xfrm>
+      </p:grpSpPr>
+      <p:sp>
+        <p:nvSpPr>
+          <p:cNvPr id="2" name="Titel 1">
+            <a:extLst>
+              <a:ext uri="{FF2B5EF4-FFF2-40B4-BE49-F238E27FC236}">
+                <a16:creationId xmlns:a16="http://schemas.microsoft.com/office/drawing/2014/main" id="{C3334142-C277-1DFB-945F-FFB933DD2D9D}"/>
+              </a:ext>
+            </a:extLst>
+          </p:cNvPr>
+          <p:cNvSpPr>
+            <a:spLocks noGrp="1"/>
+          </p:cNvSpPr>
+          <p:nvPr>
+            <p:ph type="title"/>
+          </p:nvPr>
+        </p:nvSpPr>
+        <p:spPr/>
+        <p:txBody>
+          <a:bodyPr>
+            <a:normAutofit/>
+          </a:bodyPr>
+          <a:lstStyle/>
+          <a:p>
+            <a:r>
+              <a:rPr lang="de-DE" sz="4400" b="1" i="0" u="none" strike="noStrike" baseline="0" dirty="0">
+                <a:solidFill>
+                  <a:srgbClr val="000000"/>
+                </a:solidFill>
+                <a:latin typeface="Arial" panose="020B0604020202020204" pitchFamily="34" charset="0"/>
+              </a:rPr>
+              <a:t>Datenzugriffsprotokollierung implementieren (optional) </a:t>
+            </a:r>
+            <a:endParaRPr lang="de-DE" sz="4400" b="1" dirty="0"/>
+          </a:p>
+        </p:txBody>
+      </p:sp>
+      <p:sp>
+        <p:nvSpPr>
+          <p:cNvPr id="3" name="Inhaltsplatzhalter 2">
+            <a:extLst>
+              <a:ext uri="{FF2B5EF4-FFF2-40B4-BE49-F238E27FC236}">
+                <a16:creationId xmlns:a16="http://schemas.microsoft.com/office/drawing/2014/main" id="{4B8358EC-A934-0F35-A428-E571F916D133}"/>
+              </a:ext>
+            </a:extLst>
+          </p:cNvPr>
+          <p:cNvSpPr>
+            <a:spLocks noGrp="1"/>
+          </p:cNvSpPr>
+          <p:nvPr>
+            <p:ph sz="half" idx="1"/>
+          </p:nvPr>
+        </p:nvSpPr>
+        <p:spPr/>
+        <p:txBody>
+          <a:bodyPr/>
+          <a:lstStyle/>
+          <a:p>
+            <a:endParaRPr lang="de-DE" dirty="0"/>
+          </a:p>
+        </p:txBody>
+      </p:sp>
+      <p:sp>
+        <p:nvSpPr>
+          <p:cNvPr id="4" name="Inhaltsplatzhalter 3">
+            <a:extLst>
+              <a:ext uri="{FF2B5EF4-FFF2-40B4-BE49-F238E27FC236}">
+                <a16:creationId xmlns:a16="http://schemas.microsoft.com/office/drawing/2014/main" id="{147F3617-CAA1-F4AF-D2F4-74D69B7A743C}"/>
+              </a:ext>
+            </a:extLst>
+          </p:cNvPr>
+          <p:cNvSpPr>
+            <a:spLocks noGrp="1"/>
+          </p:cNvSpPr>
+          <p:nvPr>
+            <p:ph sz="half" idx="2"/>
+          </p:nvPr>
+        </p:nvSpPr>
+        <p:spPr/>
+        <p:txBody>
+          <a:bodyPr/>
+          <a:lstStyle/>
+          <a:p>
+            <a:endParaRPr lang="de-DE" dirty="0"/>
+          </a:p>
+        </p:txBody>
+      </p:sp>
+    </p:spTree>
+    <p:extLst>
+      <p:ext uri="{BB962C8B-B14F-4D97-AF65-F5344CB8AC3E}">
+        <p14:creationId xmlns:p14="http://schemas.microsoft.com/office/powerpoint/2010/main" val="2615678407"/>
+      </p:ext>
+    </p:extLst>
+  </p:cSld>
+  <p:clrMapOvr>
+    <a:masterClrMapping/>
+  </p:clrMapOvr>
+</p:sld>
+</file>
+
+<file path=ppt/slides/slide12.xml><?xml version="1.0" encoding="utf-8"?>
+<p:sld xmlns:a="http://schemas.openxmlformats.org/drawingml/2006/main" xmlns:r="http://schemas.openxmlformats.org/officeDocument/2006/relationships" xmlns:p="http://schemas.openxmlformats.org/presentationml/2006/main">
+  <p:cSld>
+    <p:spTree>
+      <p:nvGrpSpPr>
+        <p:cNvPr id="1" name=""/>
+        <p:cNvGrpSpPr/>
+        <p:nvPr/>
+      </p:nvGrpSpPr>
+      <p:grpSpPr>
+        <a:xfrm>
+          <a:off x="0" y="0"/>
+          <a:ext cx="0" cy="0"/>
+          <a:chOff x="0" y="0"/>
+          <a:chExt cx="0" cy="0"/>
+        </a:xfrm>
+      </p:grpSpPr>
+      <p:sp>
+        <p:nvSpPr>
+          <p:cNvPr id="2" name="Titel 1">
+            <a:extLst>
+              <a:ext uri="{FF2B5EF4-FFF2-40B4-BE49-F238E27FC236}">
+                <a16:creationId xmlns:a16="http://schemas.microsoft.com/office/drawing/2014/main" id="{AC4192BA-5302-032B-C876-7D79D3C37F1E}"/>
+              </a:ext>
+            </a:extLst>
+          </p:cNvPr>
+          <p:cNvSpPr>
+            <a:spLocks noGrp="1"/>
+          </p:cNvSpPr>
+          <p:nvPr>
+            <p:ph type="title"/>
+          </p:nvPr>
+        </p:nvSpPr>
+        <p:spPr/>
+        <p:txBody>
+          <a:bodyPr>
+            <a:normAutofit/>
+          </a:bodyPr>
+          <a:lstStyle/>
+          <a:p>
+            <a:r>
+              <a:rPr lang="de-DE" sz="4400" b="1" i="0" u="none" strike="noStrike" baseline="0" dirty="0">
+                <a:solidFill>
+                  <a:srgbClr val="000000"/>
+                </a:solidFill>
+                <a:latin typeface="Arial" panose="020B0604020202020204" pitchFamily="34" charset="0"/>
+              </a:rPr>
+              <a:t>Einschränkung des Datenzugriffs für die Python-Analyse </a:t>
+            </a:r>
+            <a:endParaRPr lang="de-DE" sz="4400" b="1" dirty="0"/>
+          </a:p>
+        </p:txBody>
+      </p:sp>
+      <p:sp>
+        <p:nvSpPr>
+          <p:cNvPr id="3" name="Inhaltsplatzhalter 2">
+            <a:extLst>
+              <a:ext uri="{FF2B5EF4-FFF2-40B4-BE49-F238E27FC236}">
+                <a16:creationId xmlns:a16="http://schemas.microsoft.com/office/drawing/2014/main" id="{64E8547B-2217-54DB-4C2D-5F641ECB8736}"/>
+              </a:ext>
+            </a:extLst>
+          </p:cNvPr>
+          <p:cNvSpPr>
+            <a:spLocks noGrp="1"/>
+          </p:cNvSpPr>
+          <p:nvPr>
+            <p:ph sz="half" idx="1"/>
+          </p:nvPr>
+        </p:nvSpPr>
+        <p:spPr/>
+        <p:txBody>
+          <a:bodyPr/>
+          <a:lstStyle/>
+          <a:p>
+            <a:endParaRPr lang="de-DE" dirty="0"/>
+          </a:p>
+        </p:txBody>
+      </p:sp>
+      <p:sp>
+        <p:nvSpPr>
+          <p:cNvPr id="4" name="Inhaltsplatzhalter 3">
+            <a:extLst>
+              <a:ext uri="{FF2B5EF4-FFF2-40B4-BE49-F238E27FC236}">
+                <a16:creationId xmlns:a16="http://schemas.microsoft.com/office/drawing/2014/main" id="{DC50CC86-D8DF-F9CB-717F-3304A3F90435}"/>
+              </a:ext>
+            </a:extLst>
+          </p:cNvPr>
+          <p:cNvSpPr>
+            <a:spLocks noGrp="1"/>
+          </p:cNvSpPr>
+          <p:nvPr>
+            <p:ph sz="half" idx="2"/>
+          </p:nvPr>
+        </p:nvSpPr>
+        <p:spPr/>
+        <p:txBody>
+          <a:bodyPr/>
+          <a:lstStyle/>
+          <a:p>
+            <a:endParaRPr lang="de-DE" dirty="0"/>
+          </a:p>
+        </p:txBody>
+      </p:sp>
+    </p:spTree>
+    <p:extLst>
+      <p:ext uri="{BB962C8B-B14F-4D97-AF65-F5344CB8AC3E}">
+        <p14:creationId xmlns:p14="http://schemas.microsoft.com/office/powerpoint/2010/main" val="3247413021"/>
+      </p:ext>
+    </p:extLst>
+  </p:cSld>
+  <p:clrMapOvr>
+    <a:masterClrMapping/>
+  </p:clrMapOvr>
+</p:sld>
+</file>
+
+<file path=ppt/slides/slide13.xml><?xml version="1.0" encoding="utf-8"?>
+<p:sld xmlns:a="http://schemas.openxmlformats.org/drawingml/2006/main" xmlns:r="http://schemas.openxmlformats.org/officeDocument/2006/relationships" xmlns:p="http://schemas.openxmlformats.org/presentationml/2006/main">
+  <p:cSld>
+    <p:spTree>
+      <p:nvGrpSpPr>
+        <p:cNvPr id="1" name=""/>
+        <p:cNvGrpSpPr/>
+        <p:nvPr/>
+      </p:nvGrpSpPr>
+      <p:grpSpPr>
+        <a:xfrm>
+          <a:off x="0" y="0"/>
+          <a:ext cx="0" cy="0"/>
+          <a:chOff x="0" y="0"/>
+          <a:chExt cx="0" cy="0"/>
+        </a:xfrm>
+      </p:grpSpPr>
+      <p:sp>
+        <p:nvSpPr>
+          <p:cNvPr id="2" name="Titel 1">
+            <a:extLst>
+              <a:ext uri="{FF2B5EF4-FFF2-40B4-BE49-F238E27FC236}">
+                <a16:creationId xmlns:a16="http://schemas.microsoft.com/office/drawing/2014/main" id="{B56533AE-FD90-C22C-43BB-08DFFB74C2B7}"/>
+              </a:ext>
+            </a:extLst>
+          </p:cNvPr>
+          <p:cNvSpPr>
+            <a:spLocks noGrp="1"/>
+          </p:cNvSpPr>
+          <p:nvPr>
+            <p:ph type="title"/>
+          </p:nvPr>
+        </p:nvSpPr>
+        <p:spPr/>
+        <p:txBody>
+          <a:bodyPr>
+            <a:normAutofit/>
+          </a:bodyPr>
+          <a:lstStyle/>
+          <a:p>
+            <a:r>
+              <a:rPr lang="de-DE" sz="4400" b="1" i="0" u="none" strike="noStrike" baseline="0" dirty="0">
+                <a:solidFill>
+                  <a:srgbClr val="000000"/>
+                </a:solidFill>
+                <a:latin typeface="Arial" panose="020B0604020202020204" pitchFamily="34" charset="0"/>
+              </a:rPr>
+              <a:t>Zusammenfassung und Schlussfolgerung </a:t>
+            </a:r>
+            <a:endParaRPr lang="de-DE" sz="4400" b="1" dirty="0"/>
+          </a:p>
+        </p:txBody>
+      </p:sp>
+      <p:sp>
+        <p:nvSpPr>
+          <p:cNvPr id="3" name="Inhaltsplatzhalter 2">
+            <a:extLst>
+              <a:ext uri="{FF2B5EF4-FFF2-40B4-BE49-F238E27FC236}">
+                <a16:creationId xmlns:a16="http://schemas.microsoft.com/office/drawing/2014/main" id="{DD220FB3-BB4B-19FB-036A-6711E93E0E41}"/>
+              </a:ext>
+            </a:extLst>
+          </p:cNvPr>
+          <p:cNvSpPr>
+            <a:spLocks noGrp="1"/>
+          </p:cNvSpPr>
+          <p:nvPr>
+            <p:ph sz="half" idx="1"/>
+          </p:nvPr>
+        </p:nvSpPr>
+        <p:spPr>
+          <a:xfrm>
+            <a:off x="1097280" y="2120900"/>
+            <a:ext cx="10058400" cy="3748193"/>
+          </a:xfrm>
+        </p:spPr>
+        <p:txBody>
+          <a:bodyPr/>
+          <a:lstStyle/>
+          <a:p>
+            <a:endParaRPr lang="de-DE" dirty="0"/>
+          </a:p>
+        </p:txBody>
+      </p:sp>
+    </p:spTree>
+    <p:extLst>
+      <p:ext uri="{BB962C8B-B14F-4D97-AF65-F5344CB8AC3E}">
+        <p14:creationId xmlns:p14="http://schemas.microsoft.com/office/powerpoint/2010/main" val="1031729863"/>
+      </p:ext>
+    </p:extLst>
+  </p:cSld>
+  <p:clrMapOvr>
+    <a:masterClrMapping/>
+  </p:clrMapOvr>
+</p:sld>
+</file>
+
 <file path=ppt/slides/slide2.xml><?xml version="1.0" encoding="utf-8"?>
 <p:sld xmlns:a="http://schemas.openxmlformats.org/drawingml/2006/main" xmlns:r="http://schemas.openxmlformats.org/officeDocument/2006/relationships" xmlns:p="http://schemas.openxmlformats.org/presentationml/2006/main">
   <p:cSld>
@@ -4592,6 +5186,111 @@
           <p:cNvPr id="2" name="Titel 1">
             <a:extLst>
               <a:ext uri="{FF2B5EF4-FFF2-40B4-BE49-F238E27FC236}">
+                <a16:creationId xmlns:a16="http://schemas.microsoft.com/office/drawing/2014/main" id="{E1381CA6-EECC-1850-2BA9-ABF8891AF732}"/>
+              </a:ext>
+            </a:extLst>
+          </p:cNvPr>
+          <p:cNvSpPr>
+            <a:spLocks noGrp="1"/>
+          </p:cNvSpPr>
+          <p:nvPr>
+            <p:ph type="title"/>
+          </p:nvPr>
+        </p:nvSpPr>
+        <p:spPr/>
+        <p:txBody>
+          <a:bodyPr>
+            <a:normAutofit/>
+          </a:bodyPr>
+          <a:lstStyle/>
+          <a:p>
+            <a:r>
+              <a:rPr lang="de-DE" sz="4400" b="1" dirty="0">
+                <a:latin typeface="Arial" panose="020B0604020202020204" pitchFamily="34" charset="0"/>
+                <a:cs typeface="Arial" panose="020B0604020202020204" pitchFamily="34" charset="0"/>
+              </a:rPr>
+              <a:t>Krankheitsbedingt </a:t>
+            </a:r>
+            <a:br>
+              <a:rPr lang="de-DE" sz="4400" b="1" dirty="0">
+                <a:latin typeface="Arial" panose="020B0604020202020204" pitchFamily="34" charset="0"/>
+                <a:cs typeface="Arial" panose="020B0604020202020204" pitchFamily="34" charset="0"/>
+              </a:rPr>
+            </a:br>
+            <a:r>
+              <a:rPr lang="de-DE" sz="4400" b="1" dirty="0">
+                <a:latin typeface="Arial" panose="020B0604020202020204" pitchFamily="34" charset="0"/>
+                <a:cs typeface="Arial" panose="020B0604020202020204" pitchFamily="34" charset="0"/>
+              </a:rPr>
+              <a:t>ein neues Repository erstellt</a:t>
+            </a:r>
+          </a:p>
+        </p:txBody>
+      </p:sp>
+      <p:pic>
+        <p:nvPicPr>
+          <p:cNvPr id="5" name="Inhaltsplatzhalter 4">
+            <a:extLst>
+              <a:ext uri="{FF2B5EF4-FFF2-40B4-BE49-F238E27FC236}">
+                <a16:creationId xmlns:a16="http://schemas.microsoft.com/office/drawing/2014/main" id="{9EA70AB4-915E-63E6-BA91-4683807882E0}"/>
+              </a:ext>
+            </a:extLst>
+          </p:cNvPr>
+          <p:cNvPicPr>
+            <a:picLocks noGrp="1" noChangeAspect="1"/>
+          </p:cNvPicPr>
+          <p:nvPr>
+            <p:ph idx="1"/>
+          </p:nvPr>
+        </p:nvPicPr>
+        <p:blipFill>
+          <a:blip r:embed="rId2"/>
+          <a:stretch>
+            <a:fillRect/>
+          </a:stretch>
+        </p:blipFill>
+        <p:spPr>
+          <a:xfrm>
+            <a:off x="1181100" y="2108200"/>
+            <a:ext cx="6962775" cy="3760788"/>
+          </a:xfrm>
+        </p:spPr>
+      </p:pic>
+    </p:spTree>
+    <p:extLst>
+      <p:ext uri="{BB962C8B-B14F-4D97-AF65-F5344CB8AC3E}">
+        <p14:creationId xmlns:p14="http://schemas.microsoft.com/office/powerpoint/2010/main" val="415294077"/>
+      </p:ext>
+    </p:extLst>
+  </p:cSld>
+  <p:clrMapOvr>
+    <a:masterClrMapping/>
+  </p:clrMapOvr>
+</p:sld>
+</file>
+
+<file path=ppt/slides/slide4.xml><?xml version="1.0" encoding="utf-8"?>
+<p:sld xmlns:a="http://schemas.openxmlformats.org/drawingml/2006/main" xmlns:r="http://schemas.openxmlformats.org/officeDocument/2006/relationships" xmlns:p="http://schemas.openxmlformats.org/presentationml/2006/main">
+  <p:cSld>
+    <p:spTree>
+      <p:nvGrpSpPr>
+        <p:cNvPr id="1" name=""/>
+        <p:cNvGrpSpPr/>
+        <p:nvPr/>
+      </p:nvGrpSpPr>
+      <p:grpSpPr>
+        <a:xfrm>
+          <a:off x="0" y="0"/>
+          <a:ext cx="0" cy="0"/>
+          <a:chOff x="0" y="0"/>
+          <a:chExt cx="0" cy="0"/>
+        </a:xfrm>
+      </p:grpSpPr>
+      <p:sp>
+        <p:nvSpPr>
+          <p:cNvPr id="2" name="Titel 1">
+            <a:extLst>
+              <a:ext uri="{FF2B5EF4-FFF2-40B4-BE49-F238E27FC236}">
                 <a16:creationId xmlns:a16="http://schemas.microsoft.com/office/drawing/2014/main" id="{D6BB03B6-CBC4-1C77-7FD9-78BB6F377707}"/>
               </a:ext>
             </a:extLst>
@@ -4748,7 +5447,7 @@
 </p:sld>
 </file>
 
-<file path=ppt/slides/slide4.xml><?xml version="1.0" encoding="utf-8"?>
+<file path=ppt/slides/slide5.xml><?xml version="1.0" encoding="utf-8"?>
 <p:sld xmlns:a="http://schemas.openxmlformats.org/drawingml/2006/main" xmlns:r="http://schemas.openxmlformats.org/officeDocument/2006/relationships" xmlns:p="http://schemas.openxmlformats.org/presentationml/2006/main">
   <p:cSld>
     <p:spTree>
@@ -4854,7 +5553,9 @@
           </a:xfrm>
         </p:spPr>
         <p:txBody>
-          <a:bodyPr/>
+          <a:bodyPr>
+            <a:normAutofit fontScale="77500" lnSpcReduction="20000"/>
+          </a:bodyPr>
           <a:lstStyle/>
           <a:p>
             <a:r>
@@ -4862,7 +5563,7 @@
                 <a:latin typeface="Arial" panose="020B0604020202020204" pitchFamily="34" charset="0"/>
                 <a:cs typeface="Arial" panose="020B0604020202020204" pitchFamily="34" charset="0"/>
               </a:rPr>
-              <a:t>mit dem Cod kannst Du die einzelnen Tabellen erstellen, zu Beachten ist die Zuweisung des primary key und den foreign key b. der Erstellung  “es entstehen  leere Hüllen ohne Inhalt”.</a:t>
+              <a:t>mit dem Cod kannst Du die einzelnen Tabellen erstellen, zu Beachten ist die Zuweisung des primary key und den foreign key b. der Erstellung  “es entstehen  leere Hüllen ohne Inhalte”, die nachtäglich mit der zur Verfügung stehenden csv.datei importiert werden.</a:t>
             </a:r>
           </a:p>
         </p:txBody>
@@ -4871,177 +5572,6 @@
     <p:extLst>
       <p:ext uri="{BB962C8B-B14F-4D97-AF65-F5344CB8AC3E}">
         <p14:creationId xmlns:p14="http://schemas.microsoft.com/office/powerpoint/2010/main" val="1270088633"/>
-      </p:ext>
-    </p:extLst>
-  </p:cSld>
-  <p:clrMapOvr>
-    <a:masterClrMapping/>
-  </p:clrMapOvr>
-</p:sld>
-</file>
-
-<file path=ppt/slides/slide5.xml><?xml version="1.0" encoding="utf-8"?>
-<p:sld xmlns:a="http://schemas.openxmlformats.org/drawingml/2006/main" xmlns:r="http://schemas.openxmlformats.org/officeDocument/2006/relationships" xmlns:p="http://schemas.openxmlformats.org/presentationml/2006/main">
-  <p:cSld>
-    <p:spTree>
-      <p:nvGrpSpPr>
-        <p:cNvPr id="1" name=""/>
-        <p:cNvGrpSpPr/>
-        <p:nvPr/>
-      </p:nvGrpSpPr>
-      <p:grpSpPr>
-        <a:xfrm>
-          <a:off x="0" y="0"/>
-          <a:ext cx="0" cy="0"/>
-          <a:chOff x="0" y="0"/>
-          <a:chExt cx="0" cy="0"/>
-        </a:xfrm>
-      </p:grpSpPr>
-      <p:sp>
-        <p:nvSpPr>
-          <p:cNvPr id="10" name="Title 1">
-            <a:extLst>
-              <a:ext uri="{FF2B5EF4-FFF2-40B4-BE49-F238E27FC236}">
-                <a16:creationId xmlns:a16="http://schemas.microsoft.com/office/drawing/2014/main" id="{1E7EE05C-E140-3867-EAD2-BE96DD1133BA}"/>
-              </a:ext>
-            </a:extLst>
-          </p:cNvPr>
-          <p:cNvSpPr>
-            <a:spLocks noGrp="1"/>
-          </p:cNvSpPr>
-          <p:nvPr>
-            <p:ph type="title"/>
-          </p:nvPr>
-        </p:nvSpPr>
-        <p:spPr>
-          <a:xfrm>
-            <a:off x="1097280" y="286603"/>
-            <a:ext cx="10058400" cy="1450757"/>
-          </a:xfrm>
-        </p:spPr>
-        <p:txBody>
-          <a:bodyPr>
-            <a:normAutofit/>
-          </a:bodyPr>
-          <a:lstStyle/>
-          <a:p>
-            <a:r>
-              <a:rPr lang="en-US" sz="4400" b="1" dirty="0">
-                <a:latin typeface="Arial" panose="020B0604020202020204" pitchFamily="34" charset="0"/>
-                <a:cs typeface="Arial" panose="020B0604020202020204" pitchFamily="34" charset="0"/>
-              </a:rPr>
-              <a:t>Datenbank Praxisprojekt SQL</a:t>
-            </a:r>
-            <a:br>
-              <a:rPr lang="en-US" sz="4400" b="1" dirty="0">
-                <a:latin typeface="Arial" panose="020B0604020202020204" pitchFamily="34" charset="0"/>
-                <a:cs typeface="Arial" panose="020B0604020202020204" pitchFamily="34" charset="0"/>
-              </a:rPr>
-            </a:br>
-            <a:r>
-              <a:rPr lang="en-US" sz="4400" b="1" dirty="0">
-                <a:latin typeface="Arial" panose="020B0604020202020204" pitchFamily="34" charset="0"/>
-                <a:cs typeface="Arial" panose="020B0604020202020204" pitchFamily="34" charset="0"/>
-              </a:rPr>
-              <a:t>incl. Tabellen angelegt</a:t>
-            </a:r>
-          </a:p>
-        </p:txBody>
-      </p:sp>
-      <p:pic>
-        <p:nvPicPr>
-          <p:cNvPr id="5" name="Inhaltsplatzhalter 4">
-            <a:extLst>
-              <a:ext uri="{FF2B5EF4-FFF2-40B4-BE49-F238E27FC236}">
-                <a16:creationId xmlns:a16="http://schemas.microsoft.com/office/drawing/2014/main" id="{8F716D89-6AFC-A159-1EE7-BE37EBE51337}"/>
-              </a:ext>
-            </a:extLst>
-          </p:cNvPr>
-          <p:cNvPicPr>
-            <a:picLocks noGrp="1" noChangeAspect="1"/>
-          </p:cNvPicPr>
-          <p:nvPr>
-            <p:ph sz="half" idx="1"/>
-          </p:nvPr>
-        </p:nvPicPr>
-        <p:blipFill>
-          <a:blip r:embed="rId2"/>
-          <a:stretch>
-            <a:fillRect/>
-          </a:stretch>
-        </p:blipFill>
-        <p:spPr>
-          <a:xfrm>
-            <a:off x="2005666" y="2120900"/>
-            <a:ext cx="2822963" cy="3748193"/>
-          </a:xfrm>
-          <a:noFill/>
-        </p:spPr>
-      </p:pic>
-      <p:sp>
-        <p:nvSpPr>
-          <p:cNvPr id="12" name="Content Placeholder 3">
-            <a:extLst>
-              <a:ext uri="{FF2B5EF4-FFF2-40B4-BE49-F238E27FC236}">
-                <a16:creationId xmlns:a16="http://schemas.microsoft.com/office/drawing/2014/main" id="{BBE707F6-15FA-896D-999E-D2458C13D19D}"/>
-              </a:ext>
-            </a:extLst>
-          </p:cNvPr>
-          <p:cNvSpPr>
-            <a:spLocks noGrp="1"/>
-          </p:cNvSpPr>
-          <p:nvPr>
-            <p:ph sz="half" idx="2"/>
-          </p:nvPr>
-        </p:nvSpPr>
-        <p:spPr>
-          <a:xfrm>
-            <a:off x="7732450" y="2120900"/>
-            <a:ext cx="3423230" cy="3748194"/>
-          </a:xfrm>
-        </p:spPr>
-        <p:txBody>
-          <a:bodyPr/>
-          <a:lstStyle/>
-          <a:p>
-            <a:r>
-              <a:rPr lang="en-US" dirty="0"/>
-              <a:t>Select* from bestellungen;</a:t>
-            </a:r>
-          </a:p>
-          <a:p>
-            <a:r>
-              <a:rPr lang="en-US" dirty="0"/>
-              <a:t>Select* from kundeninfo;</a:t>
-            </a:r>
-          </a:p>
-          <a:p>
-            <a:r>
-              <a:rPr lang="en-US" dirty="0"/>
-              <a:t>Select* from product_klasse;</a:t>
-            </a:r>
-          </a:p>
-          <a:p>
-            <a:r>
-              <a:rPr lang="en-US" dirty="0"/>
-              <a:t>Select* from produkte;</a:t>
-            </a:r>
-          </a:p>
-          <a:p>
-            <a:endParaRPr lang="en-US" dirty="0"/>
-          </a:p>
-          <a:p>
-            <a:r>
-              <a:rPr lang="en-US" dirty="0"/>
-              <a:t>Alle Daten der Tabellen konnten abgerufen werden!</a:t>
-            </a:r>
-          </a:p>
-        </p:txBody>
-      </p:sp>
-    </p:spTree>
-    <p:extLst>
-      <p:ext uri="{BB962C8B-B14F-4D97-AF65-F5344CB8AC3E}">
-        <p14:creationId xmlns:p14="http://schemas.microsoft.com/office/powerpoint/2010/main" val="750226923"/>
       </p:ext>
     </p:extLst>
   </p:cSld>
@@ -5070,6 +5600,177 @@
       </p:grpSpPr>
       <p:sp>
         <p:nvSpPr>
+          <p:cNvPr id="10" name="Title 1">
+            <a:extLst>
+              <a:ext uri="{FF2B5EF4-FFF2-40B4-BE49-F238E27FC236}">
+                <a16:creationId xmlns:a16="http://schemas.microsoft.com/office/drawing/2014/main" id="{1E7EE05C-E140-3867-EAD2-BE96DD1133BA}"/>
+              </a:ext>
+            </a:extLst>
+          </p:cNvPr>
+          <p:cNvSpPr>
+            <a:spLocks noGrp="1"/>
+          </p:cNvSpPr>
+          <p:nvPr>
+            <p:ph type="title"/>
+          </p:nvPr>
+        </p:nvSpPr>
+        <p:spPr>
+          <a:xfrm>
+            <a:off x="1097280" y="286603"/>
+            <a:ext cx="10058400" cy="1450757"/>
+          </a:xfrm>
+        </p:spPr>
+        <p:txBody>
+          <a:bodyPr>
+            <a:normAutofit/>
+          </a:bodyPr>
+          <a:lstStyle/>
+          <a:p>
+            <a:r>
+              <a:rPr lang="en-US" sz="4400" b="1" dirty="0">
+                <a:latin typeface="Arial" panose="020B0604020202020204" pitchFamily="34" charset="0"/>
+                <a:cs typeface="Arial" panose="020B0604020202020204" pitchFamily="34" charset="0"/>
+              </a:rPr>
+              <a:t>Datenbank Praxisprojekt SQL</a:t>
+            </a:r>
+            <a:br>
+              <a:rPr lang="en-US" sz="4400" b="1" dirty="0">
+                <a:latin typeface="Arial" panose="020B0604020202020204" pitchFamily="34" charset="0"/>
+                <a:cs typeface="Arial" panose="020B0604020202020204" pitchFamily="34" charset="0"/>
+              </a:rPr>
+            </a:br>
+            <a:r>
+              <a:rPr lang="en-US" sz="4400" b="1" dirty="0">
+                <a:latin typeface="Arial" panose="020B0604020202020204" pitchFamily="34" charset="0"/>
+                <a:cs typeface="Arial" panose="020B0604020202020204" pitchFamily="34" charset="0"/>
+              </a:rPr>
+              <a:t>incl. Tabellen angelegt</a:t>
+            </a:r>
+          </a:p>
+        </p:txBody>
+      </p:sp>
+      <p:pic>
+        <p:nvPicPr>
+          <p:cNvPr id="5" name="Inhaltsplatzhalter 4">
+            <a:extLst>
+              <a:ext uri="{FF2B5EF4-FFF2-40B4-BE49-F238E27FC236}">
+                <a16:creationId xmlns:a16="http://schemas.microsoft.com/office/drawing/2014/main" id="{8F716D89-6AFC-A159-1EE7-BE37EBE51337}"/>
+              </a:ext>
+            </a:extLst>
+          </p:cNvPr>
+          <p:cNvPicPr>
+            <a:picLocks noGrp="1" noChangeAspect="1"/>
+          </p:cNvPicPr>
+          <p:nvPr>
+            <p:ph sz="half" idx="1"/>
+          </p:nvPr>
+        </p:nvPicPr>
+        <p:blipFill>
+          <a:blip r:embed="rId2"/>
+          <a:stretch>
+            <a:fillRect/>
+          </a:stretch>
+        </p:blipFill>
+        <p:spPr>
+          <a:xfrm>
+            <a:off x="2005666" y="2120900"/>
+            <a:ext cx="2822963" cy="3748193"/>
+          </a:xfrm>
+          <a:noFill/>
+        </p:spPr>
+      </p:pic>
+      <p:sp>
+        <p:nvSpPr>
+          <p:cNvPr id="12" name="Content Placeholder 3">
+            <a:extLst>
+              <a:ext uri="{FF2B5EF4-FFF2-40B4-BE49-F238E27FC236}">
+                <a16:creationId xmlns:a16="http://schemas.microsoft.com/office/drawing/2014/main" id="{BBE707F6-15FA-896D-999E-D2458C13D19D}"/>
+              </a:ext>
+            </a:extLst>
+          </p:cNvPr>
+          <p:cNvSpPr>
+            <a:spLocks noGrp="1"/>
+          </p:cNvSpPr>
+          <p:nvPr>
+            <p:ph sz="half" idx="2"/>
+          </p:nvPr>
+        </p:nvSpPr>
+        <p:spPr>
+          <a:xfrm>
+            <a:off x="7732450" y="2120900"/>
+            <a:ext cx="3423230" cy="3748194"/>
+          </a:xfrm>
+        </p:spPr>
+        <p:txBody>
+          <a:bodyPr/>
+          <a:lstStyle/>
+          <a:p>
+            <a:r>
+              <a:rPr lang="en-US" dirty="0"/>
+              <a:t>Select* from bestellungen;</a:t>
+            </a:r>
+          </a:p>
+          <a:p>
+            <a:r>
+              <a:rPr lang="en-US" dirty="0"/>
+              <a:t>Select* from kundeninfo;</a:t>
+            </a:r>
+          </a:p>
+          <a:p>
+            <a:r>
+              <a:rPr lang="en-US" dirty="0"/>
+              <a:t>Select* from product_klasse;</a:t>
+            </a:r>
+          </a:p>
+          <a:p>
+            <a:r>
+              <a:rPr lang="en-US" dirty="0"/>
+              <a:t>Select* from produkte;</a:t>
+            </a:r>
+          </a:p>
+          <a:p>
+            <a:endParaRPr lang="en-US" dirty="0"/>
+          </a:p>
+          <a:p>
+            <a:r>
+              <a:rPr lang="en-US" dirty="0"/>
+              <a:t>Alle Daten der Tabellen konnten abgerufen werden!</a:t>
+            </a:r>
+          </a:p>
+        </p:txBody>
+      </p:sp>
+    </p:spTree>
+    <p:extLst>
+      <p:ext uri="{BB962C8B-B14F-4D97-AF65-F5344CB8AC3E}">
+        <p14:creationId xmlns:p14="http://schemas.microsoft.com/office/powerpoint/2010/main" val="750226923"/>
+      </p:ext>
+    </p:extLst>
+  </p:cSld>
+  <p:clrMapOvr>
+    <a:masterClrMapping/>
+  </p:clrMapOvr>
+</p:sld>
+</file>
+
+<file path=ppt/slides/slide7.xml><?xml version="1.0" encoding="utf-8"?>
+<p:sld xmlns:a="http://schemas.openxmlformats.org/drawingml/2006/main" xmlns:r="http://schemas.openxmlformats.org/officeDocument/2006/relationships" xmlns:p="http://schemas.openxmlformats.org/presentationml/2006/main">
+  <p:cSld>
+    <p:spTree>
+      <p:nvGrpSpPr>
+        <p:cNvPr id="1" name=""/>
+        <p:cNvGrpSpPr/>
+        <p:nvPr/>
+      </p:nvGrpSpPr>
+      <p:grpSpPr>
+        <a:xfrm>
+          <a:off x="0" y="0"/>
+          <a:ext cx="0" cy="0"/>
+          <a:chOff x="0" y="0"/>
+          <a:chExt cx="0" cy="0"/>
+        </a:xfrm>
+      </p:grpSpPr>
+      <p:sp>
+        <p:nvSpPr>
           <p:cNvPr id="2" name="Titel 1">
             <a:extLst>
               <a:ext uri="{FF2B5EF4-FFF2-40B4-BE49-F238E27FC236}">
@@ -5096,7 +5797,7 @@
                 <a:latin typeface="Arial" panose="020B0604020202020204" pitchFamily="34" charset="0"/>
                 <a:cs typeface="Arial" panose="020B0604020202020204" pitchFamily="34" charset="0"/>
               </a:rPr>
-              <a:t>ERD-Grafik</a:t>
+              <a:t>ERD-Grafik Verbindungen</a:t>
             </a:r>
           </a:p>
         </p:txBody>
@@ -5174,7 +5875,7 @@
 </p:sld>
 </file>
 
-<file path=ppt/slides/slide7.xml><?xml version="1.0" encoding="utf-8"?>
+<file path=ppt/slides/slide8.xml><?xml version="1.0" encoding="utf-8"?>
 <p:sld xmlns:a="http://schemas.openxmlformats.org/drawingml/2006/main" xmlns:r="http://schemas.openxmlformats.org/officeDocument/2006/relationships" xmlns:p="http://schemas.openxmlformats.org/presentationml/2006/main">
   <p:cSld>
     <p:spTree>
@@ -5221,450 +5922,26 @@
               </a:rPr>
               <a:t>ROLLENVERTEILUNG</a:t>
             </a:r>
-          </a:p>
-        </p:txBody>
-      </p:sp>
-      <p:sp>
-        <p:nvSpPr>
-          <p:cNvPr id="4" name="Inhaltsplatzhalter 3">
-            <a:extLst>
-              <a:ext uri="{FF2B5EF4-FFF2-40B4-BE49-F238E27FC236}">
-                <a16:creationId xmlns:a16="http://schemas.microsoft.com/office/drawing/2014/main" id="{DBEF80C8-4FC1-4AAF-401D-44B99ACD4F10}"/>
-              </a:ext>
-            </a:extLst>
-          </p:cNvPr>
-          <p:cNvSpPr>
-            <a:spLocks noGrp="1"/>
-          </p:cNvSpPr>
-          <p:nvPr>
-            <p:ph sz="half" idx="2"/>
-          </p:nvPr>
-        </p:nvSpPr>
-        <p:spPr>
-          <a:xfrm>
-            <a:off x="8016536" y="2840854"/>
-            <a:ext cx="3139144" cy="2361066"/>
-          </a:xfrm>
-        </p:spPr>
-        <p:txBody>
-          <a:bodyPr>
-            <a:normAutofit fontScale="62500" lnSpcReduction="20000"/>
-          </a:bodyPr>
-          <a:lstStyle/>
-          <a:p>
-            <a:pPr marL="0" marR="0">
-              <a:spcBef>
-                <a:spcPts val="0"/>
-              </a:spcBef>
-              <a:spcAft>
-                <a:spcPts val="0"/>
-              </a:spcAft>
-            </a:pPr>
-            <a:r>
-              <a:rPr lang="de-DE" sz="1800" dirty="0">
-                <a:solidFill>
-                  <a:srgbClr val="808080"/>
-                </a:solidFill>
-                <a:effectLst/>
-                <a:latin typeface="Consolas" panose="020B0609020204030204" pitchFamily="49" charset="0"/>
-              </a:rPr>
-              <a:t>-- DROP ROLE </a:t>
-            </a:r>
             <a:br>
-              <a:rPr lang="de-DE" sz="1800" dirty="0">
-                <a:solidFill>
-                  <a:srgbClr val="808080"/>
-                </a:solidFill>
-                <a:effectLst/>
-                <a:latin typeface="Consolas" panose="020B0609020204030204" pitchFamily="49" charset="0"/>
+              <a:rPr lang="de-DE" sz="4400" b="1" dirty="0">
+                <a:latin typeface="Arial" panose="020B0604020202020204" pitchFamily="34" charset="0"/>
+                <a:cs typeface="Arial" panose="020B0604020202020204" pitchFamily="34" charset="0"/>
               </a:rPr>
             </a:br>
             <a:r>
-              <a:rPr lang="de-DE" sz="1800" dirty="0">
-                <a:solidFill>
-                  <a:srgbClr val="808080"/>
-                </a:solidFill>
-                <a:latin typeface="Consolas" panose="020B0609020204030204" pitchFamily="49" charset="0"/>
-              </a:rPr>
-              <a:t>C</a:t>
-            </a:r>
-            <a:r>
-              <a:rPr lang="de-DE" sz="1800" dirty="0">
-                <a:solidFill>
-                  <a:srgbClr val="808080"/>
-                </a:solidFill>
-                <a:effectLst/>
-                <a:latin typeface="Consolas" panose="020B0609020204030204" pitchFamily="49" charset="0"/>
-              </a:rPr>
-              <a:t>reate role callcenter_mitarbeiter;</a:t>
-            </a:r>
-          </a:p>
-          <a:p>
-            <a:pPr marL="0" marR="0" indent="0">
-              <a:spcBef>
-                <a:spcPts val="0"/>
-              </a:spcBef>
-              <a:spcAft>
-                <a:spcPts val="0"/>
-              </a:spcAft>
-              <a:buNone/>
-            </a:pPr>
-            <a:r>
-              <a:rPr lang="de-DE" sz="1800" dirty="0">
-                <a:solidFill>
-                  <a:srgbClr val="808080"/>
-                </a:solidFill>
-                <a:latin typeface="Consolas" panose="020B0609020204030204" pitchFamily="49" charset="0"/>
-              </a:rPr>
-              <a:t>Create role datenanalysten</a:t>
-            </a:r>
-            <a:r>
-              <a:rPr lang="de-DE" sz="1800" dirty="0">
-                <a:solidFill>
-                  <a:srgbClr val="808080"/>
-                </a:solidFill>
-                <a:effectLst/>
-                <a:latin typeface="Consolas" panose="020B0609020204030204" pitchFamily="49" charset="0"/>
-              </a:rPr>
-              <a:t>;</a:t>
-            </a:r>
-            <a:endParaRPr lang="de-DE" sz="1800" dirty="0">
-              <a:solidFill>
-                <a:srgbClr val="000000"/>
-              </a:solidFill>
-              <a:effectLst/>
-              <a:latin typeface="Consolas" panose="020B0609020204030204" pitchFamily="49" charset="0"/>
-            </a:endParaRPr>
-          </a:p>
-          <a:p>
-            <a:pPr marL="0" marR="0">
-              <a:spcBef>
-                <a:spcPts val="0"/>
-              </a:spcBef>
-              <a:spcAft>
-                <a:spcPts val="0"/>
-              </a:spcAft>
-            </a:pPr>
-            <a:br>
-              <a:rPr lang="de-DE" sz="1800" dirty="0">
+              <a:rPr lang="de-DE" sz="1800" b="0" i="0" u="none" strike="noStrike" baseline="0" dirty="0">
                 <a:solidFill>
                   <a:srgbClr val="000000"/>
                 </a:solidFill>
-                <a:effectLst/>
-                <a:latin typeface="Consolas" panose="020B0609020204030204" pitchFamily="49" charset="0"/>
+                <a:latin typeface="Arial" panose="020B0604020202020204" pitchFamily="34" charset="0"/>
+                <a:cs typeface="Arial" panose="020B0604020202020204" pitchFamily="34" charset="0"/>
               </a:rPr>
-            </a:br>
-            <a:endParaRPr lang="de-DE" sz="1800" dirty="0">
-              <a:solidFill>
-                <a:srgbClr val="000000"/>
-              </a:solidFill>
-              <a:effectLst/>
-              <a:latin typeface="Consolas" panose="020B0609020204030204" pitchFamily="49" charset="0"/>
+              <a:t>Rollen und Benutzer anlegen </a:t>
+            </a:r>
+            <a:endParaRPr lang="de-DE" sz="4400" b="1" dirty="0">
+              <a:latin typeface="Arial" panose="020B0604020202020204" pitchFamily="34" charset="0"/>
+              <a:cs typeface="Arial" panose="020B0604020202020204" pitchFamily="34" charset="0"/>
             </a:endParaRPr>
-          </a:p>
-          <a:p>
-            <a:pPr marL="0" marR="0">
-              <a:spcBef>
-                <a:spcPts val="0"/>
-              </a:spcBef>
-              <a:spcAft>
-                <a:spcPts val="0"/>
-              </a:spcAft>
-            </a:pPr>
-            <a:r>
-              <a:rPr lang="de-DE" sz="1800" b="1" dirty="0">
-                <a:solidFill>
-                  <a:srgbClr val="800000"/>
-                </a:solidFill>
-                <a:effectLst/>
-                <a:latin typeface="Consolas" panose="020B0609020204030204" pitchFamily="49" charset="0"/>
-              </a:rPr>
-              <a:t>CREATE</a:t>
-            </a:r>
-            <a:r>
-              <a:rPr lang="de-DE" sz="1800" dirty="0">
-                <a:solidFill>
-                  <a:srgbClr val="000000"/>
-                </a:solidFill>
-                <a:effectLst/>
-                <a:latin typeface="Consolas" panose="020B0609020204030204" pitchFamily="49" charset="0"/>
-              </a:rPr>
-              <a:t> </a:t>
-            </a:r>
-            <a:r>
-              <a:rPr lang="de-DE" sz="1800" b="1" dirty="0">
-                <a:solidFill>
-                  <a:srgbClr val="800000"/>
-                </a:solidFill>
-                <a:effectLst/>
-                <a:latin typeface="Consolas" panose="020B0609020204030204" pitchFamily="49" charset="0"/>
-              </a:rPr>
-              <a:t>ROLE</a:t>
-            </a:r>
-            <a:endParaRPr lang="de-DE" sz="1800" dirty="0">
-              <a:solidFill>
-                <a:srgbClr val="000000"/>
-              </a:solidFill>
-              <a:effectLst/>
-              <a:latin typeface="Consolas" panose="020B0609020204030204" pitchFamily="49" charset="0"/>
-            </a:endParaRPr>
-          </a:p>
-          <a:p>
-            <a:pPr marL="0" marR="0">
-              <a:spcBef>
-                <a:spcPts val="0"/>
-              </a:spcBef>
-              <a:spcAft>
-                <a:spcPts val="0"/>
-              </a:spcAft>
-            </a:pPr>
-            <a:r>
-              <a:rPr lang="de-DE" sz="1800" b="1" dirty="0">
-                <a:solidFill>
-                  <a:srgbClr val="800000"/>
-                </a:solidFill>
-                <a:effectLst/>
-                <a:latin typeface="Consolas" panose="020B0609020204030204" pitchFamily="49" charset="0"/>
-              </a:rPr>
-              <a:t>WITH</a:t>
-            </a:r>
-            <a:r>
-              <a:rPr lang="de-DE" sz="1800" dirty="0">
-                <a:solidFill>
-                  <a:srgbClr val="000000"/>
-                </a:solidFill>
-                <a:effectLst/>
-                <a:latin typeface="Consolas" panose="020B0609020204030204" pitchFamily="49" charset="0"/>
-              </a:rPr>
-              <a:t> </a:t>
-            </a:r>
-          </a:p>
-          <a:p>
-            <a:pPr marL="0" marR="0">
-              <a:spcBef>
-                <a:spcPts val="0"/>
-              </a:spcBef>
-              <a:spcAft>
-                <a:spcPts val="0"/>
-              </a:spcAft>
-            </a:pPr>
-            <a:r>
-              <a:rPr lang="de-DE" sz="1800" dirty="0">
-                <a:solidFill>
-                  <a:srgbClr val="000000"/>
-                </a:solidFill>
-                <a:effectLst/>
-                <a:latin typeface="Consolas" panose="020B0609020204030204" pitchFamily="49" charset="0"/>
-              </a:rPr>
-              <a:t>NOSUPERUSER</a:t>
-            </a:r>
-          </a:p>
-          <a:p>
-            <a:pPr marL="0" marR="0">
-              <a:spcBef>
-                <a:spcPts val="0"/>
-              </a:spcBef>
-              <a:spcAft>
-                <a:spcPts val="0"/>
-              </a:spcAft>
-            </a:pPr>
-            <a:r>
-              <a:rPr lang="de-DE" sz="1800" dirty="0">
-                <a:solidFill>
-                  <a:srgbClr val="000000"/>
-                </a:solidFill>
-                <a:effectLst/>
-                <a:latin typeface="Consolas" panose="020B0609020204030204" pitchFamily="49" charset="0"/>
-              </a:rPr>
-              <a:t>CREATEDB</a:t>
-            </a:r>
-          </a:p>
-          <a:p>
-            <a:pPr marL="0" marR="0">
-              <a:spcBef>
-                <a:spcPts val="0"/>
-              </a:spcBef>
-              <a:spcAft>
-                <a:spcPts val="0"/>
-              </a:spcAft>
-            </a:pPr>
-            <a:r>
-              <a:rPr lang="de-DE" sz="1800" dirty="0">
-                <a:solidFill>
-                  <a:srgbClr val="000000"/>
-                </a:solidFill>
-                <a:effectLst/>
-                <a:latin typeface="Consolas" panose="020B0609020204030204" pitchFamily="49" charset="0"/>
-              </a:rPr>
-              <a:t>CREATEROLE</a:t>
-            </a:r>
-          </a:p>
-          <a:p>
-            <a:pPr marL="0" marR="0">
-              <a:spcBef>
-                <a:spcPts val="0"/>
-              </a:spcBef>
-              <a:spcAft>
-                <a:spcPts val="0"/>
-              </a:spcAft>
-            </a:pPr>
-            <a:r>
-              <a:rPr lang="de-DE" sz="1800" b="1" dirty="0">
-                <a:solidFill>
-                  <a:srgbClr val="800000"/>
-                </a:solidFill>
-                <a:effectLst/>
-                <a:latin typeface="Consolas" panose="020B0609020204030204" pitchFamily="49" charset="0"/>
-              </a:rPr>
-              <a:t>INHERIT</a:t>
-            </a:r>
-            <a:endParaRPr lang="de-DE" sz="1800" dirty="0">
-              <a:solidFill>
-                <a:srgbClr val="000000"/>
-              </a:solidFill>
-              <a:effectLst/>
-              <a:latin typeface="Consolas" panose="020B0609020204030204" pitchFamily="49" charset="0"/>
-            </a:endParaRPr>
-          </a:p>
-          <a:p>
-            <a:pPr marL="0" marR="0">
-              <a:spcBef>
-                <a:spcPts val="0"/>
-              </a:spcBef>
-              <a:spcAft>
-                <a:spcPts val="0"/>
-              </a:spcAft>
-            </a:pPr>
-            <a:r>
-              <a:rPr lang="de-DE" sz="1800" dirty="0">
-                <a:solidFill>
-                  <a:srgbClr val="000000"/>
-                </a:solidFill>
-                <a:effectLst/>
-                <a:latin typeface="Consolas" panose="020B0609020204030204" pitchFamily="49" charset="0"/>
-              </a:rPr>
-              <a:t>LOGIN</a:t>
-            </a:r>
-          </a:p>
-          <a:p>
-            <a:pPr marL="0" marR="0">
-              <a:spcBef>
-                <a:spcPts val="0"/>
-              </a:spcBef>
-              <a:spcAft>
-                <a:spcPts val="0"/>
-              </a:spcAft>
-            </a:pPr>
-            <a:r>
-              <a:rPr lang="de-DE" sz="1800" dirty="0">
-                <a:solidFill>
-                  <a:srgbClr val="000000"/>
-                </a:solidFill>
-                <a:effectLst/>
-                <a:latin typeface="Consolas" panose="020B0609020204030204" pitchFamily="49" charset="0"/>
-              </a:rPr>
-              <a:t>REPLICATION</a:t>
-            </a:r>
-          </a:p>
-          <a:p>
-            <a:pPr marL="0" marR="0">
-              <a:spcBef>
-                <a:spcPts val="0"/>
-              </a:spcBef>
-              <a:spcAft>
-                <a:spcPts val="0"/>
-              </a:spcAft>
-            </a:pPr>
-            <a:r>
-              <a:rPr lang="de-DE" sz="1800" dirty="0">
-                <a:solidFill>
-                  <a:srgbClr val="000000"/>
-                </a:solidFill>
-                <a:effectLst/>
-                <a:latin typeface="Consolas" panose="020B0609020204030204" pitchFamily="49" charset="0"/>
-              </a:rPr>
-              <a:t>NOBYPASSRLS</a:t>
-            </a:r>
-          </a:p>
-          <a:p>
-            <a:pPr marL="0" marR="0">
-              <a:spcBef>
-                <a:spcPts val="0"/>
-              </a:spcBef>
-              <a:spcAft>
-                <a:spcPts val="0"/>
-              </a:spcAft>
-            </a:pPr>
-            <a:r>
-              <a:rPr lang="de-DE" sz="1800" b="1" dirty="0">
-                <a:solidFill>
-                  <a:srgbClr val="800000"/>
-                </a:solidFill>
-                <a:effectLst/>
-                <a:latin typeface="Consolas" panose="020B0609020204030204" pitchFamily="49" charset="0"/>
-              </a:rPr>
-              <a:t>CONNECTION</a:t>
-            </a:r>
-            <a:r>
-              <a:rPr lang="de-DE" sz="1800" dirty="0">
-                <a:solidFill>
-                  <a:srgbClr val="000000"/>
-                </a:solidFill>
-                <a:effectLst/>
-                <a:latin typeface="Consolas" panose="020B0609020204030204" pitchFamily="49" charset="0"/>
-              </a:rPr>
-              <a:t> </a:t>
-            </a:r>
-            <a:r>
-              <a:rPr lang="de-DE" sz="1800" b="1" dirty="0">
-                <a:solidFill>
-                  <a:srgbClr val="800000"/>
-                </a:solidFill>
-                <a:effectLst/>
-                <a:latin typeface="Consolas" panose="020B0609020204030204" pitchFamily="49" charset="0"/>
-              </a:rPr>
-              <a:t>LIMIT</a:t>
-            </a:r>
-            <a:r>
-              <a:rPr lang="de-DE" sz="1800" dirty="0">
-                <a:solidFill>
-                  <a:srgbClr val="000000"/>
-                </a:solidFill>
-                <a:effectLst/>
-                <a:latin typeface="Consolas" panose="020B0609020204030204" pitchFamily="49" charset="0"/>
-              </a:rPr>
-              <a:t> -</a:t>
-            </a:r>
-            <a:r>
-              <a:rPr lang="de-DE" sz="1800" dirty="0">
-                <a:solidFill>
-                  <a:srgbClr val="0000FF"/>
-                </a:solidFill>
-                <a:effectLst/>
-                <a:latin typeface="Consolas" panose="020B0609020204030204" pitchFamily="49" charset="0"/>
-              </a:rPr>
-              <a:t>1</a:t>
-            </a:r>
-            <a:r>
-              <a:rPr lang="de-DE" sz="1800" dirty="0">
-                <a:solidFill>
-                  <a:srgbClr val="FF0000"/>
-                </a:solidFill>
-                <a:effectLst/>
-                <a:latin typeface="Consolas" panose="020B0609020204030204" pitchFamily="49" charset="0"/>
-              </a:rPr>
-              <a:t>;</a:t>
-            </a:r>
-            <a:endParaRPr lang="de-DE" sz="1800" dirty="0">
-              <a:solidFill>
-                <a:srgbClr val="000000"/>
-              </a:solidFill>
-              <a:effectLst/>
-              <a:latin typeface="Consolas" panose="020B0609020204030204" pitchFamily="49" charset="0"/>
-            </a:endParaRPr>
-          </a:p>
-          <a:p>
-            <a:endParaRPr lang="de-DE" dirty="0"/>
           </a:p>
         </p:txBody>
       </p:sp>
@@ -5690,7 +5967,7 @@
         </p:blipFill>
         <p:spPr>
           <a:xfrm>
-            <a:off x="1181330" y="2120900"/>
+            <a:off x="5895975" y="2482850"/>
             <a:ext cx="6296025" cy="2028825"/>
           </a:xfrm>
           <a:prstGeom prst="rect">
@@ -5698,6 +5975,291 @@
           </a:prstGeom>
         </p:spPr>
       </p:pic>
+      <p:pic>
+        <p:nvPicPr>
+          <p:cNvPr id="5" name="Grafik 4">
+            <a:extLst>
+              <a:ext uri="{FF2B5EF4-FFF2-40B4-BE49-F238E27FC236}">
+                <a16:creationId xmlns:a16="http://schemas.microsoft.com/office/drawing/2014/main" id="{59BE0348-9A8D-2010-D370-BD174EFD89E1}"/>
+              </a:ext>
+            </a:extLst>
+          </p:cNvPr>
+          <p:cNvPicPr>
+            <a:picLocks noChangeAspect="1"/>
+          </p:cNvPicPr>
+          <p:nvPr/>
+        </p:nvPicPr>
+        <p:blipFill>
+          <a:blip r:embed="rId3"/>
+          <a:stretch>
+            <a:fillRect/>
+          </a:stretch>
+        </p:blipFill>
+        <p:spPr>
+          <a:xfrm>
+            <a:off x="1097280" y="1961297"/>
+            <a:ext cx="2893695" cy="4095171"/>
+          </a:xfrm>
+          <a:prstGeom prst="rect">
+            <a:avLst/>
+          </a:prstGeom>
+        </p:spPr>
+      </p:pic>
+      <mc:AlternateContent xmlns:mc="http://schemas.openxmlformats.org/markup-compatibility/2006" xmlns:p14="http://schemas.microsoft.com/office/powerpoint/2010/main">
+        <mc:Choice Requires="p14">
+          <p:contentPart p14:bwMode="auto" r:id="rId4">
+            <p14:nvContentPartPr>
+              <p14:cNvPr id="15" name="Freihand 14">
+                <a:extLst>
+                  <a:ext uri="{FF2B5EF4-FFF2-40B4-BE49-F238E27FC236}">
+                    <a16:creationId xmlns:a16="http://schemas.microsoft.com/office/drawing/2014/main" id="{C7C488F3-005F-9B59-AB41-75C5FEC090C1}"/>
+                  </a:ext>
+                </a:extLst>
+              </p14:cNvPr>
+              <p14:cNvContentPartPr/>
+              <p14:nvPr/>
+            </p14:nvContentPartPr>
+            <p14:xfrm>
+              <a:off x="1552140" y="3047610"/>
+              <a:ext cx="1476720" cy="30240"/>
+            </p14:xfrm>
+          </p:contentPart>
+        </mc:Choice>
+        <mc:Fallback xmlns="">
+          <p:pic>
+            <p:nvPicPr>
+              <p:cNvPr id="15" name="Freihand 14">
+                <a:extLst>
+                  <a:ext uri="{FF2B5EF4-FFF2-40B4-BE49-F238E27FC236}">
+                    <a16:creationId xmlns:a16="http://schemas.microsoft.com/office/drawing/2014/main" id="{C7C488F3-005F-9B59-AB41-75C5FEC090C1}"/>
+                  </a:ext>
+                </a:extLst>
+              </p:cNvPr>
+              <p:cNvPicPr/>
+              <p:nvPr/>
+            </p:nvPicPr>
+            <p:blipFill>
+              <a:blip r:embed="rId5"/>
+              <a:stretch>
+                <a:fillRect/>
+              </a:stretch>
+            </p:blipFill>
+            <p:spPr>
+              <a:xfrm>
+                <a:off x="1498500" y="2939970"/>
+                <a:ext cx="1584360" cy="245880"/>
+              </a:xfrm>
+              <a:prstGeom prst="rect">
+                <a:avLst/>
+              </a:prstGeom>
+            </p:spPr>
+          </p:pic>
+        </mc:Fallback>
+      </mc:AlternateContent>
+      <mc:AlternateContent xmlns:mc="http://schemas.openxmlformats.org/markup-compatibility/2006" xmlns:p14="http://schemas.microsoft.com/office/powerpoint/2010/main">
+        <mc:Choice Requires="p14">
+          <p:contentPart p14:bwMode="auto" r:id="rId6">
+            <p14:nvContentPartPr>
+              <p14:cNvPr id="16" name="Freihand 15">
+                <a:extLst>
+                  <a:ext uri="{FF2B5EF4-FFF2-40B4-BE49-F238E27FC236}">
+                    <a16:creationId xmlns:a16="http://schemas.microsoft.com/office/drawing/2014/main" id="{771EB1C4-0298-C968-F5D6-9BE791D81C57}"/>
+                  </a:ext>
+                </a:extLst>
+              </p14:cNvPr>
+              <p14:cNvContentPartPr/>
+              <p14:nvPr/>
+            </p14:nvContentPartPr>
+            <p14:xfrm>
+              <a:off x="1580580" y="3608850"/>
+              <a:ext cx="1247760" cy="38880"/>
+            </p14:xfrm>
+          </p:contentPart>
+        </mc:Choice>
+        <mc:Fallback xmlns="">
+          <p:pic>
+            <p:nvPicPr>
+              <p:cNvPr id="16" name="Freihand 15">
+                <a:extLst>
+                  <a:ext uri="{FF2B5EF4-FFF2-40B4-BE49-F238E27FC236}">
+                    <a16:creationId xmlns:a16="http://schemas.microsoft.com/office/drawing/2014/main" id="{771EB1C4-0298-C968-F5D6-9BE791D81C57}"/>
+                  </a:ext>
+                </a:extLst>
+              </p:cNvPr>
+              <p:cNvPicPr/>
+              <p:nvPr/>
+            </p:nvPicPr>
+            <p:blipFill>
+              <a:blip r:embed="rId7"/>
+              <a:stretch>
+                <a:fillRect/>
+              </a:stretch>
+            </p:blipFill>
+            <p:spPr>
+              <a:xfrm>
+                <a:off x="1526940" y="3501210"/>
+                <a:ext cx="1355400" cy="254520"/>
+              </a:xfrm>
+              <a:prstGeom prst="rect">
+                <a:avLst/>
+              </a:prstGeom>
+            </p:spPr>
+          </p:pic>
+        </mc:Fallback>
+      </mc:AlternateContent>
+      <mc:AlternateContent xmlns:mc="http://schemas.openxmlformats.org/markup-compatibility/2006" xmlns:p14="http://schemas.microsoft.com/office/powerpoint/2010/main">
+        <mc:Choice Requires="p14">
+          <p:contentPart p14:bwMode="auto" r:id="rId8">
+            <p14:nvContentPartPr>
+              <p14:cNvPr id="17" name="Freihand 16">
+                <a:extLst>
+                  <a:ext uri="{FF2B5EF4-FFF2-40B4-BE49-F238E27FC236}">
+                    <a16:creationId xmlns:a16="http://schemas.microsoft.com/office/drawing/2014/main" id="{3253E8B8-A3F4-0D10-E5D7-9AE89F19BF24}"/>
+                  </a:ext>
+                </a:extLst>
+              </p14:cNvPr>
+              <p14:cNvContentPartPr/>
+              <p14:nvPr/>
+            </p14:nvContentPartPr>
+            <p14:xfrm>
+              <a:off x="1580580" y="5790810"/>
+              <a:ext cx="969480" cy="38520"/>
+            </p14:xfrm>
+          </p:contentPart>
+        </mc:Choice>
+        <mc:Fallback xmlns="">
+          <p:pic>
+            <p:nvPicPr>
+              <p:cNvPr id="17" name="Freihand 16">
+                <a:extLst>
+                  <a:ext uri="{FF2B5EF4-FFF2-40B4-BE49-F238E27FC236}">
+                    <a16:creationId xmlns:a16="http://schemas.microsoft.com/office/drawing/2014/main" id="{3253E8B8-A3F4-0D10-E5D7-9AE89F19BF24}"/>
+                  </a:ext>
+                </a:extLst>
+              </p:cNvPr>
+              <p:cNvPicPr/>
+              <p:nvPr/>
+            </p:nvPicPr>
+            <p:blipFill>
+              <a:blip r:embed="rId9"/>
+              <a:stretch>
+                <a:fillRect/>
+              </a:stretch>
+            </p:blipFill>
+            <p:spPr>
+              <a:xfrm>
+                <a:off x="1526940" y="5683170"/>
+                <a:ext cx="1077120" cy="254160"/>
+              </a:xfrm>
+              <a:prstGeom prst="rect">
+                <a:avLst/>
+              </a:prstGeom>
+            </p:spPr>
+          </p:pic>
+        </mc:Fallback>
+      </mc:AlternateContent>
+      <mc:AlternateContent xmlns:mc="http://schemas.openxmlformats.org/markup-compatibility/2006" xmlns:p14="http://schemas.microsoft.com/office/powerpoint/2010/main">
+        <mc:Choice Requires="p14">
+          <p:contentPart p14:bwMode="auto" r:id="rId10">
+            <p14:nvContentPartPr>
+              <p14:cNvPr id="18" name="Freihand 17">
+                <a:extLst>
+                  <a:ext uri="{FF2B5EF4-FFF2-40B4-BE49-F238E27FC236}">
+                    <a16:creationId xmlns:a16="http://schemas.microsoft.com/office/drawing/2014/main" id="{83B48E7B-A88E-88EB-9926-8D8C57ED565A}"/>
+                  </a:ext>
+                </a:extLst>
+              </p14:cNvPr>
+              <p14:cNvContentPartPr/>
+              <p14:nvPr/>
+            </p14:nvContentPartPr>
+            <p14:xfrm>
+              <a:off x="1561860" y="5990610"/>
+              <a:ext cx="981000" cy="28440"/>
+            </p14:xfrm>
+          </p:contentPart>
+        </mc:Choice>
+        <mc:Fallback xmlns="">
+          <p:pic>
+            <p:nvPicPr>
+              <p:cNvPr id="18" name="Freihand 17">
+                <a:extLst>
+                  <a:ext uri="{FF2B5EF4-FFF2-40B4-BE49-F238E27FC236}">
+                    <a16:creationId xmlns:a16="http://schemas.microsoft.com/office/drawing/2014/main" id="{83B48E7B-A88E-88EB-9926-8D8C57ED565A}"/>
+                  </a:ext>
+                </a:extLst>
+              </p:cNvPr>
+              <p:cNvPicPr/>
+              <p:nvPr/>
+            </p:nvPicPr>
+            <p:blipFill>
+              <a:blip r:embed="rId11"/>
+              <a:stretch>
+                <a:fillRect/>
+              </a:stretch>
+            </p:blipFill>
+            <p:spPr>
+              <a:xfrm>
+                <a:off x="1507860" y="5882970"/>
+                <a:ext cx="1088640" cy="244080"/>
+              </a:xfrm>
+              <a:prstGeom prst="rect">
+                <a:avLst/>
+              </a:prstGeom>
+            </p:spPr>
+          </p:pic>
+        </mc:Fallback>
+      </mc:AlternateContent>
+      <mc:AlternateContent xmlns:mc="http://schemas.openxmlformats.org/markup-compatibility/2006" xmlns:p14="http://schemas.microsoft.com/office/powerpoint/2010/main">
+        <mc:Choice Requires="p14">
+          <p:contentPart p14:bwMode="auto" r:id="rId12">
+            <p14:nvContentPartPr>
+              <p14:cNvPr id="19" name="Freihand 18">
+                <a:extLst>
+                  <a:ext uri="{FF2B5EF4-FFF2-40B4-BE49-F238E27FC236}">
+                    <a16:creationId xmlns:a16="http://schemas.microsoft.com/office/drawing/2014/main" id="{9DB34E3A-9030-0115-B2D7-D1DE2010C6E1}"/>
+                  </a:ext>
+                </a:extLst>
+              </p14:cNvPr>
+              <p14:cNvContentPartPr/>
+              <p14:nvPr/>
+            </p14:nvContentPartPr>
+            <p14:xfrm>
+              <a:off x="1580580" y="5742210"/>
+              <a:ext cx="1027800" cy="20160"/>
+            </p14:xfrm>
+          </p:contentPart>
+        </mc:Choice>
+        <mc:Fallback xmlns="">
+          <p:pic>
+            <p:nvPicPr>
+              <p:cNvPr id="19" name="Freihand 18">
+                <a:extLst>
+                  <a:ext uri="{FF2B5EF4-FFF2-40B4-BE49-F238E27FC236}">
+                    <a16:creationId xmlns:a16="http://schemas.microsoft.com/office/drawing/2014/main" id="{9DB34E3A-9030-0115-B2D7-D1DE2010C6E1}"/>
+                  </a:ext>
+                </a:extLst>
+              </p:cNvPr>
+              <p:cNvPicPr/>
+              <p:nvPr/>
+            </p:nvPicPr>
+            <p:blipFill>
+              <a:blip r:embed="rId13"/>
+              <a:stretch>
+                <a:fillRect/>
+              </a:stretch>
+            </p:blipFill>
+            <p:spPr>
+              <a:xfrm>
+                <a:off x="1526940" y="5634570"/>
+                <a:ext cx="1135440" cy="235800"/>
+              </a:xfrm>
+              <a:prstGeom prst="rect">
+                <a:avLst/>
+              </a:prstGeom>
+            </p:spPr>
+          </p:pic>
+        </mc:Fallback>
+      </mc:AlternateContent>
     </p:spTree>
     <p:extLst>
       <p:ext uri="{BB962C8B-B14F-4D97-AF65-F5344CB8AC3E}">
@@ -5711,7 +6273,7 @@
 </p:sld>
 </file>
 
-<file path=ppt/slides/slide8.xml><?xml version="1.0" encoding="utf-8"?>
+<file path=ppt/slides/slide9.xml><?xml version="1.0" encoding="utf-8"?>
 <p:sld xmlns:a="http://schemas.openxmlformats.org/drawingml/2006/main" xmlns:r="http://schemas.openxmlformats.org/officeDocument/2006/relationships" xmlns:p="http://schemas.openxmlformats.org/presentationml/2006/main">
   <p:cSld>
     <p:spTree>
@@ -5746,19 +6308,30 @@
         </p:nvSpPr>
         <p:spPr/>
         <p:txBody>
-          <a:bodyPr/>
+          <a:bodyPr>
+            <a:normAutofit/>
+          </a:bodyPr>
           <a:lstStyle/>
           <a:p>
-            <a:endParaRPr lang="de-DE" dirty="0"/>
-          </a:p>
-        </p:txBody>
-      </p:sp>
-      <p:sp>
-        <p:nvSpPr>
-          <p:cNvPr id="3" name="Inhaltsplatzhalter 2">
+            <a:r>
+              <a:rPr lang="de-DE" sz="4400" b="1" i="0" u="none" strike="noStrike" baseline="0" dirty="0">
+                <a:solidFill>
+                  <a:srgbClr val="000000"/>
+                </a:solidFill>
+                <a:latin typeface="Arial" panose="020B0604020202020204" pitchFamily="34" charset="0"/>
+              </a:rPr>
+              <a:t>Ansichten für die Datensicherheit </a:t>
+            </a:r>
+            <a:endParaRPr lang="de-DE" sz="4400" b="1" dirty="0"/>
+          </a:p>
+        </p:txBody>
+      </p:sp>
+      <p:sp>
+        <p:nvSpPr>
+          <p:cNvPr id="5" name="Inhaltsplatzhalter 4">
             <a:extLst>
               <a:ext uri="{FF2B5EF4-FFF2-40B4-BE49-F238E27FC236}">
-                <a16:creationId xmlns:a16="http://schemas.microsoft.com/office/drawing/2014/main" id="{52DD2865-3147-9853-16A7-7806883BA219}"/>
+                <a16:creationId xmlns:a16="http://schemas.microsoft.com/office/drawing/2014/main" id="{6DAF7ACF-CBB3-2738-E803-05F8EC85AFD4}"/>
               </a:ext>
             </a:extLst>
           </p:cNvPr>
@@ -5769,35 +6342,506 @@
             <p:ph sz="half" idx="1"/>
           </p:nvPr>
         </p:nvSpPr>
-        <p:spPr/>
-        <p:txBody>
-          <a:bodyPr/>
+        <p:spPr>
+          <a:xfrm>
+            <a:off x="1066800" y="1944210"/>
+            <a:ext cx="10058400" cy="4031415"/>
+          </a:xfrm>
+        </p:spPr>
+        <p:txBody>
+          <a:bodyPr>
+            <a:normAutofit fontScale="85000" lnSpcReduction="10000"/>
+          </a:bodyPr>
           <a:lstStyle/>
           <a:p>
+            <a:pPr marL="0" indent="0">
+              <a:buNone/>
+            </a:pPr>
+            <a:r>
+              <a:rPr lang="de-DE" dirty="0"/>
+              <a:t>Einsichtsrecht des Users/Mitarbeiter soll nun eingeschränkt vorgenommen werden, </a:t>
+            </a:r>
+            <a:br>
+              <a:rPr lang="de-DE" dirty="0"/>
+            </a:br>
+            <a:r>
+              <a:rPr lang="de-DE" dirty="0"/>
+              <a:t>der User/Mitarbeiter darf nur die Spalte Kreditkarte von der Tabelle Kundeninfo zu sehen bekommen. Wir löschen die Rolle oder nehmen ein Setup der letzten Rolle und erstellen eine neue Rolle für Mitarbeiter_2,“call_center_mitarbeiter“.</a:t>
+            </a:r>
+          </a:p>
+          <a:p>
+            <a:pPr marL="0" indent="0">
+              <a:buNone/>
+            </a:pPr>
             <a:endParaRPr lang="de-DE" dirty="0"/>
           </a:p>
-        </p:txBody>
-      </p:sp>
-      <p:sp>
-        <p:nvSpPr>
-          <p:cNvPr id="4" name="Inhaltsplatzhalter 3">
-            <a:extLst>
-              <a:ext uri="{FF2B5EF4-FFF2-40B4-BE49-F238E27FC236}">
-                <a16:creationId xmlns:a16="http://schemas.microsoft.com/office/drawing/2014/main" id="{F08987E1-599C-45AA-F7D6-D44F9D54ECCE}"/>
-              </a:ext>
-            </a:extLst>
-          </p:cNvPr>
-          <p:cNvSpPr>
-            <a:spLocks noGrp="1"/>
-          </p:cNvSpPr>
-          <p:nvPr>
-            <p:ph sz="half" idx="2"/>
-          </p:nvPr>
-        </p:nvSpPr>
-        <p:spPr/>
-        <p:txBody>
-          <a:bodyPr/>
-          <a:lstStyle/>
+          <a:p>
+            <a:pPr marL="0" marR="0">
+              <a:spcBef>
+                <a:spcPts val="0"/>
+              </a:spcBef>
+              <a:spcAft>
+                <a:spcPts val="0"/>
+              </a:spcAft>
+            </a:pPr>
+            <a:r>
+              <a:rPr lang="de-DE" sz="1800" b="1" dirty="0" err="1">
+                <a:solidFill>
+                  <a:srgbClr val="800000"/>
+                </a:solidFill>
+                <a:effectLst/>
+                <a:latin typeface="Consolas" panose="020B0609020204030204" pitchFamily="49" charset="0"/>
+              </a:rPr>
+              <a:t>create</a:t>
+            </a:r>
+            <a:r>
+              <a:rPr lang="de-DE" sz="1800" dirty="0">
+                <a:solidFill>
+                  <a:srgbClr val="000000"/>
+                </a:solidFill>
+                <a:effectLst/>
+                <a:latin typeface="Consolas" panose="020B0609020204030204" pitchFamily="49" charset="0"/>
+              </a:rPr>
+              <a:t> </a:t>
+            </a:r>
+            <a:r>
+              <a:rPr lang="de-DE" sz="1800" b="1" dirty="0" err="1">
+                <a:solidFill>
+                  <a:srgbClr val="800000"/>
+                </a:solidFill>
+                <a:effectLst/>
+                <a:latin typeface="Consolas" panose="020B0609020204030204" pitchFamily="49" charset="0"/>
+              </a:rPr>
+              <a:t>role</a:t>
+            </a:r>
+            <a:r>
+              <a:rPr lang="de-DE" sz="1800" dirty="0">
+                <a:solidFill>
+                  <a:srgbClr val="000000"/>
+                </a:solidFill>
+                <a:effectLst/>
+                <a:latin typeface="Consolas" panose="020B0609020204030204" pitchFamily="49" charset="0"/>
+              </a:rPr>
+              <a:t> call_center_mitarbeiter_1</a:t>
+            </a:r>
+            <a:r>
+              <a:rPr lang="de-DE" sz="1800" dirty="0">
+                <a:solidFill>
+                  <a:srgbClr val="FF0000"/>
+                </a:solidFill>
+                <a:effectLst/>
+                <a:latin typeface="Consolas" panose="020B0609020204030204" pitchFamily="49" charset="0"/>
+              </a:rPr>
+              <a:t>;</a:t>
+            </a:r>
+            <a:endParaRPr lang="de-DE" sz="1800" dirty="0">
+              <a:solidFill>
+                <a:srgbClr val="000000"/>
+              </a:solidFill>
+              <a:effectLst/>
+              <a:latin typeface="Consolas" panose="020B0609020204030204" pitchFamily="49" charset="0"/>
+            </a:endParaRPr>
+          </a:p>
+          <a:p>
+            <a:pPr marL="0" marR="0">
+              <a:spcBef>
+                <a:spcPts val="0"/>
+              </a:spcBef>
+              <a:spcAft>
+                <a:spcPts val="0"/>
+              </a:spcAft>
+            </a:pPr>
+            <a:r>
+              <a:rPr lang="de-DE" sz="1800" b="1" dirty="0" err="1">
+                <a:solidFill>
+                  <a:srgbClr val="800000"/>
+                </a:solidFill>
+                <a:effectLst/>
+                <a:latin typeface="Consolas" panose="020B0609020204030204" pitchFamily="49" charset="0"/>
+              </a:rPr>
+              <a:t>grant</a:t>
+            </a:r>
+            <a:r>
+              <a:rPr lang="de-DE" sz="1800" dirty="0">
+                <a:solidFill>
+                  <a:srgbClr val="000000"/>
+                </a:solidFill>
+                <a:effectLst/>
+                <a:latin typeface="Consolas" panose="020B0609020204030204" pitchFamily="49" charset="0"/>
+              </a:rPr>
+              <a:t> </a:t>
+            </a:r>
+            <a:r>
+              <a:rPr lang="de-DE" sz="1800" b="1" dirty="0" err="1">
+                <a:solidFill>
+                  <a:srgbClr val="800000"/>
+                </a:solidFill>
+                <a:effectLst/>
+                <a:latin typeface="Consolas" panose="020B0609020204030204" pitchFamily="49" charset="0"/>
+              </a:rPr>
+              <a:t>select</a:t>
+            </a:r>
+            <a:r>
+              <a:rPr lang="de-DE" sz="1800" dirty="0">
+                <a:solidFill>
+                  <a:srgbClr val="000000"/>
+                </a:solidFill>
+                <a:effectLst/>
+                <a:latin typeface="Consolas" panose="020B0609020204030204" pitchFamily="49" charset="0"/>
+              </a:rPr>
+              <a:t> </a:t>
+            </a:r>
+            <a:r>
+              <a:rPr lang="de-DE" sz="1800" b="1" dirty="0">
+                <a:solidFill>
+                  <a:srgbClr val="800000"/>
+                </a:solidFill>
+                <a:effectLst/>
+                <a:latin typeface="Consolas" panose="020B0609020204030204" pitchFamily="49" charset="0"/>
+              </a:rPr>
+              <a:t>on</a:t>
+            </a:r>
+            <a:r>
+              <a:rPr lang="de-DE" sz="1800" dirty="0">
+                <a:solidFill>
+                  <a:srgbClr val="000000"/>
+                </a:solidFill>
+                <a:effectLst/>
+                <a:latin typeface="Consolas" panose="020B0609020204030204" pitchFamily="49" charset="0"/>
+              </a:rPr>
+              <a:t> </a:t>
+            </a:r>
+            <a:r>
+              <a:rPr lang="de-DE" sz="1800" dirty="0" err="1">
+                <a:solidFill>
+                  <a:srgbClr val="000000"/>
+                </a:solidFill>
+                <a:effectLst/>
+                <a:latin typeface="Consolas" panose="020B0609020204030204" pitchFamily="49" charset="0"/>
+              </a:rPr>
+              <a:t>kundeninfo</a:t>
+            </a:r>
+            <a:r>
+              <a:rPr lang="de-DE" sz="1800" dirty="0">
+                <a:solidFill>
+                  <a:srgbClr val="000000"/>
+                </a:solidFill>
+                <a:effectLst/>
+                <a:latin typeface="Consolas" panose="020B0609020204030204" pitchFamily="49" charset="0"/>
+              </a:rPr>
+              <a:t> </a:t>
+            </a:r>
+            <a:r>
+              <a:rPr lang="de-DE" sz="1800" b="1" dirty="0" err="1">
+                <a:solidFill>
+                  <a:srgbClr val="800000"/>
+                </a:solidFill>
+                <a:effectLst/>
+                <a:latin typeface="Consolas" panose="020B0609020204030204" pitchFamily="49" charset="0"/>
+              </a:rPr>
+              <a:t>to</a:t>
+            </a:r>
+            <a:r>
+              <a:rPr lang="de-DE" sz="1800" dirty="0">
+                <a:solidFill>
+                  <a:srgbClr val="000000"/>
+                </a:solidFill>
+                <a:effectLst/>
+                <a:latin typeface="Consolas" panose="020B0609020204030204" pitchFamily="49" charset="0"/>
+              </a:rPr>
+              <a:t> call_center_mitarbeiter_1</a:t>
+            </a:r>
+            <a:r>
+              <a:rPr lang="de-DE" sz="1800" dirty="0">
+                <a:solidFill>
+                  <a:srgbClr val="FF0000"/>
+                </a:solidFill>
+                <a:effectLst/>
+                <a:latin typeface="Consolas" panose="020B0609020204030204" pitchFamily="49" charset="0"/>
+              </a:rPr>
+              <a:t>;</a:t>
+            </a:r>
+            <a:endParaRPr lang="de-DE" sz="1800" dirty="0">
+              <a:solidFill>
+                <a:srgbClr val="000000"/>
+              </a:solidFill>
+              <a:effectLst/>
+              <a:latin typeface="Consolas" panose="020B0609020204030204" pitchFamily="49" charset="0"/>
+            </a:endParaRPr>
+          </a:p>
+          <a:p>
+            <a:pPr marL="0" marR="0">
+              <a:spcBef>
+                <a:spcPts val="0"/>
+              </a:spcBef>
+              <a:spcAft>
+                <a:spcPts val="0"/>
+              </a:spcAft>
+            </a:pPr>
+            <a:r>
+              <a:rPr lang="de-DE" sz="1800" b="1" dirty="0" err="1">
+                <a:solidFill>
+                  <a:srgbClr val="800000"/>
+                </a:solidFill>
+                <a:effectLst/>
+                <a:latin typeface="Consolas" panose="020B0609020204030204" pitchFamily="49" charset="0"/>
+              </a:rPr>
+              <a:t>grant</a:t>
+            </a:r>
+            <a:r>
+              <a:rPr lang="de-DE" sz="1800" dirty="0">
+                <a:solidFill>
+                  <a:srgbClr val="000000"/>
+                </a:solidFill>
+                <a:effectLst/>
+                <a:latin typeface="Consolas" panose="020B0609020204030204" pitchFamily="49" charset="0"/>
+              </a:rPr>
+              <a:t> </a:t>
+            </a:r>
+            <a:r>
+              <a:rPr lang="de-DE" sz="1800" b="1" dirty="0">
+                <a:solidFill>
+                  <a:srgbClr val="800000"/>
+                </a:solidFill>
+                <a:effectLst/>
+                <a:latin typeface="Consolas" panose="020B0609020204030204" pitchFamily="49" charset="0"/>
+              </a:rPr>
+              <a:t>update</a:t>
+            </a:r>
+            <a:r>
+              <a:rPr lang="de-DE" sz="1800" dirty="0">
+                <a:solidFill>
+                  <a:srgbClr val="000000"/>
+                </a:solidFill>
+                <a:effectLst/>
+                <a:latin typeface="Consolas" panose="020B0609020204030204" pitchFamily="49" charset="0"/>
+              </a:rPr>
+              <a:t>, </a:t>
+            </a:r>
+            <a:r>
+              <a:rPr lang="de-DE" sz="1800" b="1" dirty="0" err="1">
+                <a:solidFill>
+                  <a:srgbClr val="800000"/>
+                </a:solidFill>
+                <a:effectLst/>
+                <a:latin typeface="Consolas" panose="020B0609020204030204" pitchFamily="49" charset="0"/>
+              </a:rPr>
+              <a:t>delete</a:t>
+            </a:r>
+            <a:r>
+              <a:rPr lang="de-DE" sz="1800" dirty="0">
+                <a:solidFill>
+                  <a:srgbClr val="000000"/>
+                </a:solidFill>
+                <a:effectLst/>
+                <a:latin typeface="Consolas" panose="020B0609020204030204" pitchFamily="49" charset="0"/>
+              </a:rPr>
+              <a:t> </a:t>
+            </a:r>
+            <a:r>
+              <a:rPr lang="de-DE" sz="1800" b="1" dirty="0">
+                <a:solidFill>
+                  <a:srgbClr val="800000"/>
+                </a:solidFill>
+                <a:effectLst/>
+                <a:latin typeface="Consolas" panose="020B0609020204030204" pitchFamily="49" charset="0"/>
+              </a:rPr>
+              <a:t>on</a:t>
+            </a:r>
+            <a:r>
+              <a:rPr lang="de-DE" sz="1800" dirty="0">
+                <a:solidFill>
+                  <a:srgbClr val="000000"/>
+                </a:solidFill>
+                <a:effectLst/>
+                <a:latin typeface="Consolas" panose="020B0609020204030204" pitchFamily="49" charset="0"/>
+              </a:rPr>
+              <a:t> </a:t>
+            </a:r>
+            <a:r>
+              <a:rPr lang="de-DE" sz="1800" dirty="0" err="1">
+                <a:solidFill>
+                  <a:srgbClr val="000000"/>
+                </a:solidFill>
+                <a:effectLst/>
+                <a:latin typeface="Consolas" panose="020B0609020204030204" pitchFamily="49" charset="0"/>
+              </a:rPr>
+              <a:t>kundeninfo</a:t>
+            </a:r>
+            <a:r>
+              <a:rPr lang="de-DE" sz="1800" dirty="0">
+                <a:solidFill>
+                  <a:srgbClr val="000000"/>
+                </a:solidFill>
+                <a:effectLst/>
+                <a:latin typeface="Consolas" panose="020B0609020204030204" pitchFamily="49" charset="0"/>
+              </a:rPr>
+              <a:t> </a:t>
+            </a:r>
+            <a:r>
+              <a:rPr lang="de-DE" sz="1800" b="1" dirty="0" err="1">
+                <a:solidFill>
+                  <a:srgbClr val="800000"/>
+                </a:solidFill>
+                <a:effectLst/>
+                <a:latin typeface="Consolas" panose="020B0609020204030204" pitchFamily="49" charset="0"/>
+              </a:rPr>
+              <a:t>to</a:t>
+            </a:r>
+            <a:r>
+              <a:rPr lang="de-DE" sz="1800" dirty="0">
+                <a:solidFill>
+                  <a:srgbClr val="000000"/>
+                </a:solidFill>
+                <a:effectLst/>
+                <a:latin typeface="Consolas" panose="020B0609020204030204" pitchFamily="49" charset="0"/>
+              </a:rPr>
+              <a:t> call_center_mitarbeiter_1</a:t>
+            </a:r>
+            <a:r>
+              <a:rPr lang="de-DE" sz="1800" dirty="0">
+                <a:solidFill>
+                  <a:srgbClr val="FF0000"/>
+                </a:solidFill>
+                <a:effectLst/>
+                <a:latin typeface="Consolas" panose="020B0609020204030204" pitchFamily="49" charset="0"/>
+              </a:rPr>
+              <a:t>;</a:t>
+            </a:r>
+            <a:endParaRPr lang="de-DE" sz="1800" dirty="0">
+              <a:solidFill>
+                <a:srgbClr val="000000"/>
+              </a:solidFill>
+              <a:effectLst/>
+              <a:latin typeface="Consolas" panose="020B0609020204030204" pitchFamily="49" charset="0"/>
+            </a:endParaRPr>
+          </a:p>
+          <a:p>
+            <a:pPr marL="0" indent="0">
+              <a:buNone/>
+            </a:pPr>
+            <a:endParaRPr lang="de-DE" b="0" i="0" dirty="0">
+              <a:solidFill>
+                <a:srgbClr val="374151"/>
+              </a:solidFill>
+              <a:effectLst/>
+              <a:latin typeface="Söhne"/>
+            </a:endParaRPr>
+          </a:p>
+          <a:p>
+            <a:pPr marL="0" indent="0">
+              <a:buNone/>
+            </a:pPr>
+            <a:r>
+              <a:rPr lang="de-DE" b="0" i="0" dirty="0">
+                <a:solidFill>
+                  <a:srgbClr val="374151"/>
+                </a:solidFill>
+                <a:effectLst/>
+                <a:latin typeface="Söhne"/>
+              </a:rPr>
+              <a:t>Dieser Code erstellt eine Rolle namens "call_center_mitarbeiter" und weist ihr die Berechtigung zum Ausführen von SELECT-Abfragen auf der Tabelle "kundeninfo" und zum Ausführen von UPDATE- und </a:t>
+            </a:r>
+            <a:br>
+              <a:rPr lang="de-DE" b="0" i="0" dirty="0">
+                <a:solidFill>
+                  <a:srgbClr val="374151"/>
+                </a:solidFill>
+                <a:effectLst/>
+                <a:latin typeface="Söhne"/>
+              </a:rPr>
+            </a:br>
+            <a:r>
+              <a:rPr lang="de-DE" b="0" i="0" dirty="0">
+                <a:solidFill>
+                  <a:srgbClr val="374151"/>
+                </a:solidFill>
+                <a:effectLst/>
+                <a:latin typeface="Söhne"/>
+              </a:rPr>
+              <a:t>DELETE-Operationen auf der Tabelle „kundeninfo" zu. </a:t>
+            </a:r>
+            <a:br>
+              <a:rPr lang="de-DE" b="0" i="0" dirty="0">
+                <a:solidFill>
+                  <a:srgbClr val="374151"/>
+                </a:solidFill>
+                <a:effectLst/>
+                <a:latin typeface="Söhne"/>
+              </a:rPr>
+            </a:br>
+            <a:r>
+              <a:rPr lang="de-DE" b="0" i="0" dirty="0">
+                <a:solidFill>
+                  <a:srgbClr val="374151"/>
+                </a:solidFill>
+                <a:effectLst/>
+                <a:latin typeface="Söhne"/>
+              </a:rPr>
+              <a:t>Die Zuweisung von Berechtigungen auf Tabellenebene ist unterschiedlich, als die Zuweisung von Berechtigungen auf Schemaebene.</a:t>
+            </a:r>
+            <a:endParaRPr lang="de-DE" dirty="0"/>
+          </a:p>
+          <a:p>
+            <a:pPr marL="0" indent="0">
+              <a:buNone/>
+            </a:pPr>
+            <a:endParaRPr lang="de-DE" dirty="0"/>
+          </a:p>
+          <a:p>
+            <a:pPr marL="0" indent="0">
+              <a:buNone/>
+            </a:pPr>
+            <a:endParaRPr lang="de-DE" dirty="0"/>
+          </a:p>
+          <a:p>
+            <a:pPr marL="0" indent="0">
+              <a:buNone/>
+            </a:pPr>
+            <a:endParaRPr lang="de-DE" dirty="0"/>
+          </a:p>
+          <a:p>
+            <a:pPr marL="0" indent="0">
+              <a:buNone/>
+            </a:pPr>
+            <a:endParaRPr lang="de-DE" dirty="0"/>
+          </a:p>
+          <a:p>
+            <a:pPr marL="0" indent="0">
+              <a:buNone/>
+            </a:pPr>
+            <a:endParaRPr lang="de-DE" dirty="0"/>
+          </a:p>
+          <a:p>
+            <a:pPr marL="0" indent="0">
+              <a:buNone/>
+            </a:pPr>
+            <a:endParaRPr lang="de-DE" dirty="0"/>
+          </a:p>
+          <a:p>
+            <a:pPr marL="0" indent="0">
+              <a:buNone/>
+            </a:pPr>
+            <a:endParaRPr lang="de-DE" dirty="0"/>
+          </a:p>
+          <a:p>
+            <a:pPr marL="0" indent="0">
+              <a:buNone/>
+            </a:pPr>
+            <a:endParaRPr lang="de-DE" dirty="0"/>
+          </a:p>
+          <a:p>
+            <a:pPr marL="0" indent="0">
+              <a:buNone/>
+            </a:pPr>
+            <a:endParaRPr lang="de-DE" dirty="0"/>
+          </a:p>
+          <a:p>
+            <a:pPr marL="0" indent="0">
+              <a:buNone/>
+            </a:pPr>
+            <a:endParaRPr lang="de-DE" dirty="0"/>
+          </a:p>
           <a:p>
             <a:endParaRPr lang="de-DE" dirty="0"/>
           </a:p>
@@ -6665,21 +7709,21 @@
 </file>
 
 <file path=customXml/item1.xml><?xml version="1.0" encoding="utf-8"?>
+<?mso-contentType ?>
+<FormTemplates xmlns="http://schemas.microsoft.com/sharepoint/v3/contenttype/forms">
+  <Display>DocumentLibraryForm</Display>
+  <Edit>DocumentLibraryForm</Edit>
+  <New>DocumentLibraryForm</New>
+</FormTemplates>
+</file>
+
+<file path=customXml/item2.xml><?xml version="1.0" encoding="utf-8"?>
 <p:properties xmlns:p="http://schemas.microsoft.com/office/2006/metadata/properties" xmlns:xsi="http://www.w3.org/2001/XMLSchema-instance" xmlns:pc="http://schemas.microsoft.com/office/infopath/2007/PartnerControls">
   <documentManagement>
     <Status xmlns="71af3243-3dd4-4a8d-8c0d-dd76da1f02a5">Not started</Status>
     <MediaServiceKeyPoints xmlns="71af3243-3dd4-4a8d-8c0d-dd76da1f02a5" xsi:nil="true"/>
   </documentManagement>
 </p:properties>
-</file>
-
-<file path=customXml/item2.xml><?xml version="1.0" encoding="utf-8"?>
-<?mso-contentType ?>
-<FormTemplates xmlns="http://schemas.microsoft.com/sharepoint/v3/contenttype/forms">
-  <Display>DocumentLibraryForm</Display>
-  <Edit>DocumentLibraryForm</Edit>
-  <New>DocumentLibraryForm</New>
-</FormTemplates>
 </file>
 
 <file path=customXml/item3.xml><?xml version="1.0" encoding="utf-8"?>
@@ -6904,19 +7948,19 @@
 </file>
 
 <file path=customXml/itemProps1.xml><?xml version="1.0" encoding="utf-8"?>
+<ds:datastoreItem xmlns:ds="http://schemas.openxmlformats.org/officeDocument/2006/customXml" ds:itemID="{AA3F7EDC-E5B4-4BBC-9D2A-CBE6D46C37AD}">
+  <ds:schemaRefs>
+    <ds:schemaRef ds:uri="http://schemas.microsoft.com/sharepoint/v3/contenttype/forms"/>
+  </ds:schemaRefs>
+</ds:datastoreItem>
+</file>
+
+<file path=customXml/itemProps2.xml><?xml version="1.0" encoding="utf-8"?>
 <ds:datastoreItem xmlns:ds="http://schemas.openxmlformats.org/officeDocument/2006/customXml" ds:itemID="{A03EEFF0-FB57-4CB4-8BFC-DF397689E2ED}">
   <ds:schemaRefs>
     <ds:schemaRef ds:uri="http://schemas.microsoft.com/office/2006/metadata/properties"/>
     <ds:schemaRef ds:uri="http://schemas.microsoft.com/office/infopath/2007/PartnerControls"/>
     <ds:schemaRef ds:uri="71af3243-3dd4-4a8d-8c0d-dd76da1f02a5"/>
-  </ds:schemaRefs>
-</ds:datastoreItem>
-</file>
-
-<file path=customXml/itemProps2.xml><?xml version="1.0" encoding="utf-8"?>
-<ds:datastoreItem xmlns:ds="http://schemas.openxmlformats.org/officeDocument/2006/customXml" ds:itemID="{AA3F7EDC-E5B4-4BBC-9D2A-CBE6D46C37AD}">
-  <ds:schemaRefs>
-    <ds:schemaRef ds:uri="http://schemas.microsoft.com/sharepoint/v3/contenttype/forms"/>
   </ds:schemaRefs>
 </ds:datastoreItem>
 </file>

--- a/12.06.23_Praxisprojekt SQL.pptx
+++ b/12.06.23_Praxisprojekt SQL.pptx
@@ -5,10 +5,10 @@
     <p:sldMasterId id="2147483660" r:id="rId4"/>
   </p:sldMasterIdLst>
   <p:notesMasterIdLst>
-    <p:notesMasterId r:id="rId18"/>
+    <p:notesMasterId r:id="rId19"/>
   </p:notesMasterIdLst>
   <p:handoutMasterIdLst>
-    <p:handoutMasterId r:id="rId19"/>
+    <p:handoutMasterId r:id="rId20"/>
   </p:handoutMasterIdLst>
   <p:sldIdLst>
     <p:sldId id="298" r:id="rId5"/>
@@ -20,10 +20,11 @@
     <p:sldId id="306" r:id="rId11"/>
     <p:sldId id="307" r:id="rId12"/>
     <p:sldId id="308" r:id="rId13"/>
-    <p:sldId id="311" r:id="rId14"/>
-    <p:sldId id="312" r:id="rId15"/>
-    <p:sldId id="313" r:id="rId16"/>
-    <p:sldId id="314" r:id="rId17"/>
+    <p:sldId id="315" r:id="rId14"/>
+    <p:sldId id="311" r:id="rId15"/>
+    <p:sldId id="312" r:id="rId16"/>
+    <p:sldId id="313" r:id="rId17"/>
+    <p:sldId id="314" r:id="rId18"/>
   </p:sldIdLst>
   <p:sldSz cx="12192000" cy="6858000"/>
   <p:notesSz cx="6858000" cy="9144000"/>
@@ -4581,7 +4582,7 @@
           <p:cNvPr id="2" name="Titel 1">
             <a:extLst>
               <a:ext uri="{FF2B5EF4-FFF2-40B4-BE49-F238E27FC236}">
-                <a16:creationId xmlns:a16="http://schemas.microsoft.com/office/drawing/2014/main" id="{4DE7E24C-CA4C-6355-84B2-DC6B1327CD2F}"/>
+                <a16:creationId xmlns:a16="http://schemas.microsoft.com/office/drawing/2014/main" id="{098E69CD-14DB-43C1-C31F-6AB43DD70F4F}"/>
               </a:ext>
             </a:extLst>
           </p:cNvPr>
@@ -4592,80 +4593,76 @@
             <p:ph type="title"/>
           </p:nvPr>
         </p:nvSpPr>
-        <p:spPr/>
-        <p:txBody>
-          <a:bodyPr>
+        <p:spPr>
+          <a:xfrm>
+            <a:off x="1097280" y="286603"/>
+            <a:ext cx="10058400" cy="1450757"/>
+          </a:xfrm>
+        </p:spPr>
+        <p:txBody>
+          <a:bodyPr anchor="b">
             <a:normAutofit/>
           </a:bodyPr>
           <a:lstStyle/>
           <a:p>
             <a:r>
-              <a:rPr lang="de-DE" sz="4400" b="1" i="0" u="none" strike="noStrike" baseline="0" dirty="0">
-                <a:solidFill>
-                  <a:srgbClr val="000000"/>
-                </a:solidFill>
+              <a:rPr lang="de-DE" sz="4400" b="1" dirty="0">
                 <a:latin typeface="Arial" panose="020B0604020202020204" pitchFamily="34" charset="0"/>
+                <a:cs typeface="Arial" panose="020B0604020202020204" pitchFamily="34" charset="0"/>
               </a:rPr>
-              <a:t>Einsatz eines Datenanalysten </a:t>
-            </a:r>
-            <a:endParaRPr lang="de-DE" sz="4400" b="1" dirty="0"/>
-          </a:p>
-        </p:txBody>
-      </p:sp>
-      <p:sp>
-        <p:nvSpPr>
-          <p:cNvPr id="3" name="Inhaltsplatzhalter 2">
+              <a:t>Zugriffseinschränkungen</a:t>
+            </a:r>
+            <a:br>
+              <a:rPr lang="de-DE" sz="4400" b="1" dirty="0">
+                <a:latin typeface="Arial" panose="020B0604020202020204" pitchFamily="34" charset="0"/>
+                <a:cs typeface="Arial" panose="020B0604020202020204" pitchFamily="34" charset="0"/>
+              </a:rPr>
+            </a:br>
+            <a:r>
+              <a:rPr lang="de-DE" sz="4400" b="1" dirty="0">
+                <a:latin typeface="Arial" panose="020B0604020202020204" pitchFamily="34" charset="0"/>
+                <a:cs typeface="Arial" panose="020B0604020202020204" pitchFamily="34" charset="0"/>
+              </a:rPr>
+              <a:t>Datensicherung</a:t>
+            </a:r>
+          </a:p>
+        </p:txBody>
+      </p:sp>
+      <p:pic>
+        <p:nvPicPr>
+          <p:cNvPr id="6" name="Grafik 5" descr="Ein Bild, das Text, Screenshot, Software, Computersymbol enthält.&#10;&#10;Automatisch generierte Beschreibung">
             <a:extLst>
               <a:ext uri="{FF2B5EF4-FFF2-40B4-BE49-F238E27FC236}">
-                <a16:creationId xmlns:a16="http://schemas.microsoft.com/office/drawing/2014/main" id="{F4B1A9BE-0B58-80BD-DB76-E74BBEFA5E5E}"/>
+                <a16:creationId xmlns:a16="http://schemas.microsoft.com/office/drawing/2014/main" id="{D4D1B464-24C2-B63B-D5FB-2795DB37595C}"/>
               </a:ext>
             </a:extLst>
           </p:cNvPr>
-          <p:cNvSpPr>
-            <a:spLocks noGrp="1"/>
-          </p:cNvSpPr>
-          <p:nvPr>
-            <p:ph sz="half" idx="1"/>
-          </p:nvPr>
-        </p:nvSpPr>
-        <p:spPr/>
-        <p:txBody>
-          <a:bodyPr/>
-          <a:lstStyle/>
-          <a:p>
-            <a:endParaRPr lang="de-DE" dirty="0"/>
-          </a:p>
-        </p:txBody>
-      </p:sp>
-      <p:sp>
-        <p:nvSpPr>
-          <p:cNvPr id="4" name="Inhaltsplatzhalter 3">
-            <a:extLst>
-              <a:ext uri="{FF2B5EF4-FFF2-40B4-BE49-F238E27FC236}">
-                <a16:creationId xmlns:a16="http://schemas.microsoft.com/office/drawing/2014/main" id="{44F126D2-EA49-2D32-E1C6-107D15FF28AF}"/>
-              </a:ext>
-            </a:extLst>
-          </p:cNvPr>
-          <p:cNvSpPr>
-            <a:spLocks noGrp="1"/>
-          </p:cNvSpPr>
-          <p:nvPr>
-            <p:ph sz="half" idx="2"/>
-          </p:nvPr>
-        </p:nvSpPr>
-        <p:spPr/>
-        <p:txBody>
-          <a:bodyPr/>
-          <a:lstStyle/>
-          <a:p>
-            <a:endParaRPr lang="de-DE" dirty="0"/>
-          </a:p>
-        </p:txBody>
-      </p:sp>
+          <p:cNvPicPr>
+            <a:picLocks noChangeAspect="1"/>
+          </p:cNvPicPr>
+          <p:nvPr/>
+        </p:nvPicPr>
+        <p:blipFill>
+          <a:blip r:embed="rId2"/>
+          <a:stretch>
+            <a:fillRect/>
+          </a:stretch>
+        </p:blipFill>
+        <p:spPr>
+          <a:xfrm>
+            <a:off x="1180687" y="2099324"/>
+            <a:ext cx="8311360" cy="3760891"/>
+          </a:xfrm>
+          <a:prstGeom prst="rect">
+            <a:avLst/>
+          </a:prstGeom>
+          <a:noFill/>
+        </p:spPr>
+      </p:pic>
     </p:spTree>
     <p:extLst>
       <p:ext uri="{BB962C8B-B14F-4D97-AF65-F5344CB8AC3E}">
-        <p14:creationId xmlns:p14="http://schemas.microsoft.com/office/powerpoint/2010/main" val="3134808157"/>
+        <p14:creationId xmlns:p14="http://schemas.microsoft.com/office/powerpoint/2010/main" val="2851476053"/>
       </p:ext>
     </p:extLst>
   </p:cSld>
@@ -4697,7 +4694,7 @@
           <p:cNvPr id="2" name="Titel 1">
             <a:extLst>
               <a:ext uri="{FF2B5EF4-FFF2-40B4-BE49-F238E27FC236}">
-                <a16:creationId xmlns:a16="http://schemas.microsoft.com/office/drawing/2014/main" id="{C3334142-C277-1DFB-945F-FFB933DD2D9D}"/>
+                <a16:creationId xmlns:a16="http://schemas.microsoft.com/office/drawing/2014/main" id="{4DE7E24C-CA4C-6355-84B2-DC6B1327CD2F}"/>
               </a:ext>
             </a:extLst>
           </p:cNvPr>
@@ -4722,7 +4719,7 @@
                 </a:solidFill>
                 <a:latin typeface="Arial" panose="020B0604020202020204" pitchFamily="34" charset="0"/>
               </a:rPr>
-              <a:t>Datenzugriffsprotokollierung implementieren (optional) </a:t>
+              <a:t>Einsatz eines Datenanalysten </a:t>
             </a:r>
             <a:endParaRPr lang="de-DE" sz="4400" b="1" dirty="0"/>
           </a:p>
@@ -4733,7 +4730,7 @@
           <p:cNvPr id="3" name="Inhaltsplatzhalter 2">
             <a:extLst>
               <a:ext uri="{FF2B5EF4-FFF2-40B4-BE49-F238E27FC236}">
-                <a16:creationId xmlns:a16="http://schemas.microsoft.com/office/drawing/2014/main" id="{4B8358EC-A934-0F35-A428-E571F916D133}"/>
+                <a16:creationId xmlns:a16="http://schemas.microsoft.com/office/drawing/2014/main" id="{F4B1A9BE-0B58-80BD-DB76-E74BBEFA5E5E}"/>
               </a:ext>
             </a:extLst>
           </p:cNvPr>
@@ -4758,7 +4755,7 @@
           <p:cNvPr id="4" name="Inhaltsplatzhalter 3">
             <a:extLst>
               <a:ext uri="{FF2B5EF4-FFF2-40B4-BE49-F238E27FC236}">
-                <a16:creationId xmlns:a16="http://schemas.microsoft.com/office/drawing/2014/main" id="{147F3617-CAA1-F4AF-D2F4-74D69B7A743C}"/>
+                <a16:creationId xmlns:a16="http://schemas.microsoft.com/office/drawing/2014/main" id="{44F126D2-EA49-2D32-E1C6-107D15FF28AF}"/>
               </a:ext>
             </a:extLst>
           </p:cNvPr>
@@ -4781,7 +4778,7 @@
     </p:spTree>
     <p:extLst>
       <p:ext uri="{BB962C8B-B14F-4D97-AF65-F5344CB8AC3E}">
-        <p14:creationId xmlns:p14="http://schemas.microsoft.com/office/powerpoint/2010/main" val="2615678407"/>
+        <p14:creationId xmlns:p14="http://schemas.microsoft.com/office/powerpoint/2010/main" val="3134808157"/>
       </p:ext>
     </p:extLst>
   </p:cSld>
@@ -4813,6 +4810,122 @@
           <p:cNvPr id="2" name="Titel 1">
             <a:extLst>
               <a:ext uri="{FF2B5EF4-FFF2-40B4-BE49-F238E27FC236}">
+                <a16:creationId xmlns:a16="http://schemas.microsoft.com/office/drawing/2014/main" id="{C3334142-C277-1DFB-945F-FFB933DD2D9D}"/>
+              </a:ext>
+            </a:extLst>
+          </p:cNvPr>
+          <p:cNvSpPr>
+            <a:spLocks noGrp="1"/>
+          </p:cNvSpPr>
+          <p:nvPr>
+            <p:ph type="title"/>
+          </p:nvPr>
+        </p:nvSpPr>
+        <p:spPr/>
+        <p:txBody>
+          <a:bodyPr>
+            <a:normAutofit/>
+          </a:bodyPr>
+          <a:lstStyle/>
+          <a:p>
+            <a:r>
+              <a:rPr lang="de-DE" sz="4400" b="1" i="0" u="none" strike="noStrike" baseline="0" dirty="0">
+                <a:solidFill>
+                  <a:srgbClr val="000000"/>
+                </a:solidFill>
+                <a:latin typeface="Arial" panose="020B0604020202020204" pitchFamily="34" charset="0"/>
+              </a:rPr>
+              <a:t>Datenzugriffsprotokollierung implementieren (optional) </a:t>
+            </a:r>
+            <a:endParaRPr lang="de-DE" sz="4400" b="1" dirty="0"/>
+          </a:p>
+        </p:txBody>
+      </p:sp>
+      <p:sp>
+        <p:nvSpPr>
+          <p:cNvPr id="3" name="Inhaltsplatzhalter 2">
+            <a:extLst>
+              <a:ext uri="{FF2B5EF4-FFF2-40B4-BE49-F238E27FC236}">
+                <a16:creationId xmlns:a16="http://schemas.microsoft.com/office/drawing/2014/main" id="{4B8358EC-A934-0F35-A428-E571F916D133}"/>
+              </a:ext>
+            </a:extLst>
+          </p:cNvPr>
+          <p:cNvSpPr>
+            <a:spLocks noGrp="1"/>
+          </p:cNvSpPr>
+          <p:nvPr>
+            <p:ph sz="half" idx="1"/>
+          </p:nvPr>
+        </p:nvSpPr>
+        <p:spPr/>
+        <p:txBody>
+          <a:bodyPr/>
+          <a:lstStyle/>
+          <a:p>
+            <a:endParaRPr lang="de-DE" dirty="0"/>
+          </a:p>
+        </p:txBody>
+      </p:sp>
+      <p:sp>
+        <p:nvSpPr>
+          <p:cNvPr id="4" name="Inhaltsplatzhalter 3">
+            <a:extLst>
+              <a:ext uri="{FF2B5EF4-FFF2-40B4-BE49-F238E27FC236}">
+                <a16:creationId xmlns:a16="http://schemas.microsoft.com/office/drawing/2014/main" id="{147F3617-CAA1-F4AF-D2F4-74D69B7A743C}"/>
+              </a:ext>
+            </a:extLst>
+          </p:cNvPr>
+          <p:cNvSpPr>
+            <a:spLocks noGrp="1"/>
+          </p:cNvSpPr>
+          <p:nvPr>
+            <p:ph sz="half" idx="2"/>
+          </p:nvPr>
+        </p:nvSpPr>
+        <p:spPr/>
+        <p:txBody>
+          <a:bodyPr/>
+          <a:lstStyle/>
+          <a:p>
+            <a:endParaRPr lang="de-DE" dirty="0"/>
+          </a:p>
+        </p:txBody>
+      </p:sp>
+    </p:spTree>
+    <p:extLst>
+      <p:ext uri="{BB962C8B-B14F-4D97-AF65-F5344CB8AC3E}">
+        <p14:creationId xmlns:p14="http://schemas.microsoft.com/office/powerpoint/2010/main" val="2615678407"/>
+      </p:ext>
+    </p:extLst>
+  </p:cSld>
+  <p:clrMapOvr>
+    <a:masterClrMapping/>
+  </p:clrMapOvr>
+</p:sld>
+</file>
+
+<file path=ppt/slides/slide13.xml><?xml version="1.0" encoding="utf-8"?>
+<p:sld xmlns:a="http://schemas.openxmlformats.org/drawingml/2006/main" xmlns:r="http://schemas.openxmlformats.org/officeDocument/2006/relationships" xmlns:p="http://schemas.openxmlformats.org/presentationml/2006/main">
+  <p:cSld>
+    <p:spTree>
+      <p:nvGrpSpPr>
+        <p:cNvPr id="1" name=""/>
+        <p:cNvGrpSpPr/>
+        <p:nvPr/>
+      </p:nvGrpSpPr>
+      <p:grpSpPr>
+        <a:xfrm>
+          <a:off x="0" y="0"/>
+          <a:ext cx="0" cy="0"/>
+          <a:chOff x="0" y="0"/>
+          <a:chExt cx="0" cy="0"/>
+        </a:xfrm>
+      </p:grpSpPr>
+      <p:sp>
+        <p:nvSpPr>
+          <p:cNvPr id="2" name="Titel 1">
+            <a:extLst>
+              <a:ext uri="{FF2B5EF4-FFF2-40B4-BE49-F238E27FC236}">
                 <a16:creationId xmlns:a16="http://schemas.microsoft.com/office/drawing/2014/main" id="{AC4192BA-5302-032B-C876-7D79D3C37F1E}"/>
               </a:ext>
             </a:extLst>
@@ -4907,7 +5020,7 @@
 </p:sld>
 </file>
 
-<file path=ppt/slides/slide13.xml><?xml version="1.0" encoding="utf-8"?>
+<file path=ppt/slides/slide14.xml><?xml version="1.0" encoding="utf-8"?>
 <p:sld xmlns:a="http://schemas.openxmlformats.org/drawingml/2006/main" xmlns:r="http://schemas.openxmlformats.org/officeDocument/2006/relationships" xmlns:p="http://schemas.openxmlformats.org/presentationml/2006/main">
   <p:cSld>
     <p:spTree>

--- a/12.06.23_Praxisprojekt SQL.pptx
+++ b/12.06.23_Praxisprojekt SQL.pptx
@@ -1,6 +1,6 @@
 
 <file path=ppt/presentation.xml><?xml version="1.0" encoding="utf-8"?>
-<p:presentation xmlns:a="http://schemas.openxmlformats.org/drawingml/2006/main" xmlns:r="http://schemas.openxmlformats.org/officeDocument/2006/relationships" xmlns:p="http://schemas.openxmlformats.org/presentationml/2006/main" saveSubsetFonts="1" autoCompressPictures="0">
+<p:presentation xmlns:a="http://schemas.openxmlformats.org/drawingml/2006/main" xmlns:r="http://schemas.openxmlformats.org/officeDocument/2006/relationships" xmlns:p="http://schemas.openxmlformats.org/presentationml/2006/main" showSpecialPlsOnTitleSld="0" saveSubsetFonts="1" autoCompressPictures="0">
   <p:sldMasterIdLst>
     <p:sldMasterId id="2147483660" r:id="rId4"/>
   </p:sldMasterIdLst>
@@ -1122,10 +1122,10 @@
           <a:lstStyle/>
           <a:p>
             <a:pPr rtl="0"/>
-            <a:fld id="{6A53FAFE-A8FF-49BF-8B95-C1A5C14FF84D}" type="datetime1">
-              <a:rPr lang="de-DE" noProof="0" smtClean="0"/>
+            <a:r>
+              <a:rPr lang="de-DE" noProof="0"/>
               <a:t>13.06.2023</a:t>
-            </a:fld>
+            </a:r>
             <a:endParaRPr lang="de-DE" noProof="0" dirty="0"/>
           </a:p>
         </p:txBody>
@@ -1314,10 +1314,10 @@
           <a:lstStyle/>
           <a:p>
             <a:pPr rtl="0"/>
-            <a:fld id="{A5DA952A-262B-4C09-82C5-587247F1B81B}" type="datetime1">
-              <a:rPr lang="de-DE" noProof="0" smtClean="0"/>
+            <a:r>
+              <a:rPr lang="de-DE" noProof="0"/>
               <a:t>13.06.2023</a:t>
-            </a:fld>
+            </a:r>
             <a:endParaRPr lang="de-DE" noProof="0" dirty="0"/>
           </a:p>
         </p:txBody>
@@ -1691,10 +1691,10 @@
           <a:lstStyle/>
           <a:p>
             <a:pPr rtl="0"/>
-            <a:fld id="{CF005D64-4B99-448C-A713-09FA5439052A}" type="datetime1">
-              <a:rPr lang="de-DE" noProof="0" smtClean="0"/>
+            <a:r>
+              <a:rPr lang="de-DE" noProof="0"/>
               <a:t>13.06.2023</a:t>
-            </a:fld>
+            </a:r>
             <a:endParaRPr lang="de-DE" noProof="0" dirty="0"/>
           </a:p>
         </p:txBody>
@@ -1950,10 +1950,10 @@
           <a:lstStyle/>
           <a:p>
             <a:pPr rtl="0"/>
-            <a:fld id="{6229FE05-7231-43BE-B847-3AFA4A19CBAA}" type="datetime1">
-              <a:rPr lang="de-DE" noProof="0" smtClean="0"/>
+            <a:r>
+              <a:rPr lang="de-DE" noProof="0"/>
               <a:t>13.06.2023</a:t>
-            </a:fld>
+            </a:r>
             <a:endParaRPr lang="de-DE" noProof="0" dirty="0"/>
           </a:p>
         </p:txBody>
@@ -2351,10 +2351,10 @@
           <a:lstStyle/>
           <a:p>
             <a:pPr rtl="0"/>
-            <a:fld id="{5B53D26F-6680-425F-97AB-0E8697BD65E2}" type="datetime1">
-              <a:rPr lang="de-DE" noProof="0" smtClean="0"/>
+            <a:r>
+              <a:rPr lang="de-DE" noProof="0"/>
               <a:t>13.06.2023</a:t>
-            </a:fld>
+            </a:r>
             <a:endParaRPr lang="de-DE" noProof="0" dirty="0"/>
           </a:p>
         </p:txBody>
@@ -2491,10 +2491,10 @@
           <a:lstStyle/>
           <a:p>
             <a:pPr rtl="0"/>
-            <a:fld id="{5DA3ECD2-F655-4F1D-98E0-52599BF52BCA}" type="datetime1">
-              <a:rPr lang="de-DE" noProof="0" smtClean="0"/>
+            <a:r>
+              <a:rPr lang="de-DE" noProof="0"/>
               <a:t>13.06.2023</a:t>
-            </a:fld>
+            </a:r>
             <a:endParaRPr lang="de-DE" noProof="0" dirty="0"/>
           </a:p>
         </p:txBody>
@@ -2651,10 +2651,10 @@
           <a:lstStyle/>
           <a:p>
             <a:pPr rtl="0"/>
-            <a:fld id="{B48DB74F-2903-429A-9E94-EB396A414E9D}" type="datetime1">
-              <a:rPr lang="de-DE" noProof="0" smtClean="0"/>
+            <a:r>
+              <a:rPr lang="de-DE" noProof="0"/>
               <a:t>13.06.2023</a:t>
-            </a:fld>
+            </a:r>
             <a:endParaRPr lang="de-DE" noProof="0" dirty="0"/>
           </a:p>
         </p:txBody>
@@ -2984,10 +2984,10 @@
           </a:lstStyle>
           <a:p>
             <a:pPr rtl="0"/>
-            <a:fld id="{CFA574F0-4503-424B-A28D-924B84ECEA2A}" type="datetime1">
-              <a:rPr lang="de-DE" noProof="0" smtClean="0"/>
+            <a:r>
+              <a:rPr lang="de-DE" noProof="0"/>
               <a:t>13.06.2023</a:t>
-            </a:fld>
+            </a:r>
             <a:endParaRPr lang="de-DE" noProof="0" dirty="0"/>
           </a:p>
         </p:txBody>
@@ -3338,10 +3338,10 @@
           </a:lstStyle>
           <a:p>
             <a:pPr rtl="0"/>
-            <a:fld id="{93B6CE1F-19FD-43AD-A3FC-53284371392B}" type="datetime1">
-              <a:rPr lang="de-DE" noProof="0" smtClean="0"/>
+            <a:r>
+              <a:rPr lang="de-DE" noProof="0"/>
               <a:t>13.06.2023</a:t>
-            </a:fld>
+            </a:r>
             <a:endParaRPr lang="de-DE" noProof="0" dirty="0"/>
           </a:p>
         </p:txBody>
@@ -3600,10 +3600,10 @@
           </a:lstStyle>
           <a:p>
             <a:pPr rtl="0"/>
-            <a:fld id="{5F6FD458-B8F2-4748-BB72-410F5C7102C5}" type="datetime1">
-              <a:rPr lang="de-DE" noProof="0" smtClean="0"/>
+            <a:r>
+              <a:rPr lang="de-DE" noProof="0"/>
               <a:t>13.06.2023</a:t>
-            </a:fld>
+            </a:r>
             <a:endParaRPr lang="de-DE" noProof="0" dirty="0"/>
           </a:p>
         </p:txBody>
@@ -3747,7 +3747,7 @@
     <p:sldLayoutId id="2147483668" r:id="rId8"/>
     <p:sldLayoutId id="2147483669" r:id="rId9"/>
   </p:sldLayoutIdLst>
-  <p:hf sldNum="0" hdr="0" ftr="0" dt="0"/>
+  <p:hf hdr="0" ftr="0"/>
   <p:txStyles>
     <p:titleStyle>
       <a:lvl1pPr algn="l" defTabSz="914400" rtl="0" eaLnBrk="1" latinLnBrk="0" hangingPunct="1">
@@ -4433,7 +4433,7 @@
                 <a:latin typeface="Arial" panose="020B0604020202020204" pitchFamily="34" charset="0"/>
                 <a:cs typeface="Arial" panose="020B0604020202020204" pitchFamily="34" charset="0"/>
               </a:rPr>
-              <a:t>Hyun, Brigitte, Klaus, Benjamin</a:t>
+              <a:t>HYUN, Brigitte</a:t>
             </a:r>
           </a:p>
         </p:txBody>
@@ -4659,6 +4659,66 @@
           <a:noFill/>
         </p:spPr>
       </p:pic>
+      <p:sp>
+        <p:nvSpPr>
+          <p:cNvPr id="3" name="Datumsplatzhalter 2">
+            <a:extLst>
+              <a:ext uri="{FF2B5EF4-FFF2-40B4-BE49-F238E27FC236}">
+                <a16:creationId xmlns:a16="http://schemas.microsoft.com/office/drawing/2014/main" id="{558DA973-2544-2B7B-681B-1B6FCDFB5D1D}"/>
+              </a:ext>
+            </a:extLst>
+          </p:cNvPr>
+          <p:cNvSpPr>
+            <a:spLocks noGrp="1"/>
+          </p:cNvSpPr>
+          <p:nvPr>
+            <p:ph type="dt" sz="half" idx="10"/>
+          </p:nvPr>
+        </p:nvSpPr>
+        <p:spPr/>
+        <p:txBody>
+          <a:bodyPr/>
+          <a:lstStyle/>
+          <a:p>
+            <a:pPr rtl="0"/>
+            <a:r>
+              <a:rPr lang="de-DE" noProof="0"/>
+              <a:t>13.06.2023</a:t>
+            </a:r>
+            <a:endParaRPr lang="de-DE" noProof="0" dirty="0"/>
+          </a:p>
+        </p:txBody>
+      </p:sp>
+      <p:sp>
+        <p:nvSpPr>
+          <p:cNvPr id="4" name="Foliennummernplatzhalter 3">
+            <a:extLst>
+              <a:ext uri="{FF2B5EF4-FFF2-40B4-BE49-F238E27FC236}">
+                <a16:creationId xmlns:a16="http://schemas.microsoft.com/office/drawing/2014/main" id="{2B3730D5-6364-9845-51B4-5377FB8ADF15}"/>
+              </a:ext>
+            </a:extLst>
+          </p:cNvPr>
+          <p:cNvSpPr>
+            <a:spLocks noGrp="1"/>
+          </p:cNvSpPr>
+          <p:nvPr>
+            <p:ph type="sldNum" sz="quarter" idx="12"/>
+          </p:nvPr>
+        </p:nvSpPr>
+        <p:spPr/>
+        <p:txBody>
+          <a:bodyPr/>
+          <a:lstStyle/>
+          <a:p>
+            <a:pPr rtl="0"/>
+            <a:fld id="{3A98EE3D-8CD1-4C3F-BD1C-C98C9596463C}" type="slidenum">
+              <a:rPr lang="de-DE" noProof="0" smtClean="0"/>
+              <a:t>10</a:t>
+            </a:fld>
+            <a:endParaRPr lang="de-DE" noProof="0" dirty="0"/>
+          </a:p>
+        </p:txBody>
+      </p:sp>
     </p:spTree>
     <p:extLst>
       <p:ext uri="{BB962C8B-B14F-4D97-AF65-F5344CB8AC3E}">
@@ -4775,6 +4835,66 @@
           </a:p>
         </p:txBody>
       </p:sp>
+      <p:sp>
+        <p:nvSpPr>
+          <p:cNvPr id="5" name="Datumsplatzhalter 4">
+            <a:extLst>
+              <a:ext uri="{FF2B5EF4-FFF2-40B4-BE49-F238E27FC236}">
+                <a16:creationId xmlns:a16="http://schemas.microsoft.com/office/drawing/2014/main" id="{A2CFB05E-F489-3CBD-3598-7A9018970143}"/>
+              </a:ext>
+            </a:extLst>
+          </p:cNvPr>
+          <p:cNvSpPr>
+            <a:spLocks noGrp="1"/>
+          </p:cNvSpPr>
+          <p:nvPr>
+            <p:ph type="dt" sz="half" idx="10"/>
+          </p:nvPr>
+        </p:nvSpPr>
+        <p:spPr/>
+        <p:txBody>
+          <a:bodyPr/>
+          <a:lstStyle/>
+          <a:p>
+            <a:pPr rtl="0"/>
+            <a:r>
+              <a:rPr lang="de-DE" noProof="0"/>
+              <a:t>13.06.2023</a:t>
+            </a:r>
+            <a:endParaRPr lang="de-DE" noProof="0" dirty="0"/>
+          </a:p>
+        </p:txBody>
+      </p:sp>
+      <p:sp>
+        <p:nvSpPr>
+          <p:cNvPr id="6" name="Foliennummernplatzhalter 5">
+            <a:extLst>
+              <a:ext uri="{FF2B5EF4-FFF2-40B4-BE49-F238E27FC236}">
+                <a16:creationId xmlns:a16="http://schemas.microsoft.com/office/drawing/2014/main" id="{3B4474CB-998C-F5D4-D415-6F8CFBD305CD}"/>
+              </a:ext>
+            </a:extLst>
+          </p:cNvPr>
+          <p:cNvSpPr>
+            <a:spLocks noGrp="1"/>
+          </p:cNvSpPr>
+          <p:nvPr>
+            <p:ph type="sldNum" sz="quarter" idx="12"/>
+          </p:nvPr>
+        </p:nvSpPr>
+        <p:spPr/>
+        <p:txBody>
+          <a:bodyPr/>
+          <a:lstStyle/>
+          <a:p>
+            <a:pPr rtl="0"/>
+            <a:fld id="{3A98EE3D-8CD1-4C3F-BD1C-C98C9596463C}" type="slidenum">
+              <a:rPr lang="de-DE" noProof="0" smtClean="0"/>
+              <a:t>11</a:t>
+            </a:fld>
+            <a:endParaRPr lang="de-DE" noProof="0" dirty="0"/>
+          </a:p>
+        </p:txBody>
+      </p:sp>
     </p:spTree>
     <p:extLst>
       <p:ext uri="{BB962C8B-B14F-4D97-AF65-F5344CB8AC3E}">
@@ -4891,6 +5011,66 @@
           </a:p>
         </p:txBody>
       </p:sp>
+      <p:sp>
+        <p:nvSpPr>
+          <p:cNvPr id="5" name="Datumsplatzhalter 4">
+            <a:extLst>
+              <a:ext uri="{FF2B5EF4-FFF2-40B4-BE49-F238E27FC236}">
+                <a16:creationId xmlns:a16="http://schemas.microsoft.com/office/drawing/2014/main" id="{9267BCEB-3431-0A7C-54A1-65DFE6CE07DF}"/>
+              </a:ext>
+            </a:extLst>
+          </p:cNvPr>
+          <p:cNvSpPr>
+            <a:spLocks noGrp="1"/>
+          </p:cNvSpPr>
+          <p:nvPr>
+            <p:ph type="dt" sz="half" idx="10"/>
+          </p:nvPr>
+        </p:nvSpPr>
+        <p:spPr/>
+        <p:txBody>
+          <a:bodyPr/>
+          <a:lstStyle/>
+          <a:p>
+            <a:pPr rtl="0"/>
+            <a:r>
+              <a:rPr lang="de-DE" noProof="0"/>
+              <a:t>13.06.2023</a:t>
+            </a:r>
+            <a:endParaRPr lang="de-DE" noProof="0" dirty="0"/>
+          </a:p>
+        </p:txBody>
+      </p:sp>
+      <p:sp>
+        <p:nvSpPr>
+          <p:cNvPr id="6" name="Foliennummernplatzhalter 5">
+            <a:extLst>
+              <a:ext uri="{FF2B5EF4-FFF2-40B4-BE49-F238E27FC236}">
+                <a16:creationId xmlns:a16="http://schemas.microsoft.com/office/drawing/2014/main" id="{C2E0D92E-8B82-33AD-5929-B55F50C5BEAE}"/>
+              </a:ext>
+            </a:extLst>
+          </p:cNvPr>
+          <p:cNvSpPr>
+            <a:spLocks noGrp="1"/>
+          </p:cNvSpPr>
+          <p:nvPr>
+            <p:ph type="sldNum" sz="quarter" idx="12"/>
+          </p:nvPr>
+        </p:nvSpPr>
+        <p:spPr/>
+        <p:txBody>
+          <a:bodyPr/>
+          <a:lstStyle/>
+          <a:p>
+            <a:pPr rtl="0"/>
+            <a:fld id="{3A98EE3D-8CD1-4C3F-BD1C-C98C9596463C}" type="slidenum">
+              <a:rPr lang="de-DE" noProof="0" smtClean="0"/>
+              <a:t>12</a:t>
+            </a:fld>
+            <a:endParaRPr lang="de-DE" noProof="0" dirty="0"/>
+          </a:p>
+        </p:txBody>
+      </p:sp>
     </p:spTree>
     <p:extLst>
       <p:ext uri="{BB962C8B-B14F-4D97-AF65-F5344CB8AC3E}">
@@ -5007,6 +5187,66 @@
           </a:p>
         </p:txBody>
       </p:sp>
+      <p:sp>
+        <p:nvSpPr>
+          <p:cNvPr id="5" name="Datumsplatzhalter 4">
+            <a:extLst>
+              <a:ext uri="{FF2B5EF4-FFF2-40B4-BE49-F238E27FC236}">
+                <a16:creationId xmlns:a16="http://schemas.microsoft.com/office/drawing/2014/main" id="{FAD4A99A-AE86-AAE1-2C1E-8D90E2397063}"/>
+              </a:ext>
+            </a:extLst>
+          </p:cNvPr>
+          <p:cNvSpPr>
+            <a:spLocks noGrp="1"/>
+          </p:cNvSpPr>
+          <p:nvPr>
+            <p:ph type="dt" sz="half" idx="10"/>
+          </p:nvPr>
+        </p:nvSpPr>
+        <p:spPr/>
+        <p:txBody>
+          <a:bodyPr/>
+          <a:lstStyle/>
+          <a:p>
+            <a:pPr rtl="0"/>
+            <a:r>
+              <a:rPr lang="de-DE" noProof="0"/>
+              <a:t>13.06.2023</a:t>
+            </a:r>
+            <a:endParaRPr lang="de-DE" noProof="0" dirty="0"/>
+          </a:p>
+        </p:txBody>
+      </p:sp>
+      <p:sp>
+        <p:nvSpPr>
+          <p:cNvPr id="6" name="Foliennummernplatzhalter 5">
+            <a:extLst>
+              <a:ext uri="{FF2B5EF4-FFF2-40B4-BE49-F238E27FC236}">
+                <a16:creationId xmlns:a16="http://schemas.microsoft.com/office/drawing/2014/main" id="{CCAEB363-31D0-35A1-C387-46B36377995B}"/>
+              </a:ext>
+            </a:extLst>
+          </p:cNvPr>
+          <p:cNvSpPr>
+            <a:spLocks noGrp="1"/>
+          </p:cNvSpPr>
+          <p:nvPr>
+            <p:ph type="sldNum" sz="quarter" idx="12"/>
+          </p:nvPr>
+        </p:nvSpPr>
+        <p:spPr/>
+        <p:txBody>
+          <a:bodyPr/>
+          <a:lstStyle/>
+          <a:p>
+            <a:pPr rtl="0"/>
+            <a:fld id="{3A98EE3D-8CD1-4C3F-BD1C-C98C9596463C}" type="slidenum">
+              <a:rPr lang="de-DE" noProof="0" smtClean="0"/>
+              <a:t>13</a:t>
+            </a:fld>
+            <a:endParaRPr lang="de-DE" noProof="0" dirty="0"/>
+          </a:p>
+        </p:txBody>
+      </p:sp>
     </p:spTree>
     <p:extLst>
       <p:ext uri="{BB962C8B-B14F-4D97-AF65-F5344CB8AC3E}">
@@ -5103,6 +5343,66 @@
           </a:p>
         </p:txBody>
       </p:sp>
+      <p:sp>
+        <p:nvSpPr>
+          <p:cNvPr id="4" name="Datumsplatzhalter 3">
+            <a:extLst>
+              <a:ext uri="{FF2B5EF4-FFF2-40B4-BE49-F238E27FC236}">
+                <a16:creationId xmlns:a16="http://schemas.microsoft.com/office/drawing/2014/main" id="{CBD78513-5F1E-3F9E-C3BC-F0B269E3D611}"/>
+              </a:ext>
+            </a:extLst>
+          </p:cNvPr>
+          <p:cNvSpPr>
+            <a:spLocks noGrp="1"/>
+          </p:cNvSpPr>
+          <p:nvPr>
+            <p:ph type="dt" sz="half" idx="10"/>
+          </p:nvPr>
+        </p:nvSpPr>
+        <p:spPr/>
+        <p:txBody>
+          <a:bodyPr/>
+          <a:lstStyle/>
+          <a:p>
+            <a:pPr rtl="0"/>
+            <a:r>
+              <a:rPr lang="de-DE" noProof="0"/>
+              <a:t>13.06.2023</a:t>
+            </a:r>
+            <a:endParaRPr lang="de-DE" noProof="0" dirty="0"/>
+          </a:p>
+        </p:txBody>
+      </p:sp>
+      <p:sp>
+        <p:nvSpPr>
+          <p:cNvPr id="5" name="Foliennummernplatzhalter 4">
+            <a:extLst>
+              <a:ext uri="{FF2B5EF4-FFF2-40B4-BE49-F238E27FC236}">
+                <a16:creationId xmlns:a16="http://schemas.microsoft.com/office/drawing/2014/main" id="{265D17B8-4C02-51D1-DE24-867BABEC7312}"/>
+              </a:ext>
+            </a:extLst>
+          </p:cNvPr>
+          <p:cNvSpPr>
+            <a:spLocks noGrp="1"/>
+          </p:cNvSpPr>
+          <p:nvPr>
+            <p:ph type="sldNum" sz="quarter" idx="12"/>
+          </p:nvPr>
+        </p:nvSpPr>
+        <p:spPr/>
+        <p:txBody>
+          <a:bodyPr/>
+          <a:lstStyle/>
+          <a:p>
+            <a:pPr rtl="0"/>
+            <a:fld id="{3A98EE3D-8CD1-4C3F-BD1C-C98C9596463C}" type="slidenum">
+              <a:rPr lang="de-DE" noProof="0" smtClean="0"/>
+              <a:t>14</a:t>
+            </a:fld>
+            <a:endParaRPr lang="de-DE" noProof="0" dirty="0"/>
+          </a:p>
+        </p:txBody>
+      </p:sp>
     </p:spTree>
     <p:extLst>
       <p:ext uri="{BB962C8B-B14F-4D97-AF65-F5344CB8AC3E}">
@@ -5264,6 +5564,66 @@
           </a:prstGeom>
         </p:spPr>
       </p:pic>
+      <p:sp>
+        <p:nvSpPr>
+          <p:cNvPr id="4" name="Datumsplatzhalter 3">
+            <a:extLst>
+              <a:ext uri="{FF2B5EF4-FFF2-40B4-BE49-F238E27FC236}">
+                <a16:creationId xmlns:a16="http://schemas.microsoft.com/office/drawing/2014/main" id="{6DD589C8-1EB6-159D-53F9-46CE2F0FB8B8}"/>
+              </a:ext>
+            </a:extLst>
+          </p:cNvPr>
+          <p:cNvSpPr>
+            <a:spLocks noGrp="1"/>
+          </p:cNvSpPr>
+          <p:nvPr>
+            <p:ph type="dt" sz="half" idx="10"/>
+          </p:nvPr>
+        </p:nvSpPr>
+        <p:spPr/>
+        <p:txBody>
+          <a:bodyPr/>
+          <a:lstStyle/>
+          <a:p>
+            <a:pPr rtl="0"/>
+            <a:r>
+              <a:rPr lang="de-DE" noProof="0"/>
+              <a:t>13.06.2023</a:t>
+            </a:r>
+            <a:endParaRPr lang="de-DE" noProof="0" dirty="0"/>
+          </a:p>
+        </p:txBody>
+      </p:sp>
+      <p:sp>
+        <p:nvSpPr>
+          <p:cNvPr id="6" name="Foliennummernplatzhalter 5">
+            <a:extLst>
+              <a:ext uri="{FF2B5EF4-FFF2-40B4-BE49-F238E27FC236}">
+                <a16:creationId xmlns:a16="http://schemas.microsoft.com/office/drawing/2014/main" id="{63D291ED-980A-D69D-16D9-DFB613773831}"/>
+              </a:ext>
+            </a:extLst>
+          </p:cNvPr>
+          <p:cNvSpPr>
+            <a:spLocks noGrp="1"/>
+          </p:cNvSpPr>
+          <p:nvPr>
+            <p:ph type="sldNum" sz="quarter" idx="12"/>
+          </p:nvPr>
+        </p:nvSpPr>
+        <p:spPr/>
+        <p:txBody>
+          <a:bodyPr/>
+          <a:lstStyle/>
+          <a:p>
+            <a:pPr rtl="0"/>
+            <a:fld id="{3A98EE3D-8CD1-4C3F-BD1C-C98C9596463C}" type="slidenum">
+              <a:rPr lang="de-DE" noProof="0" smtClean="0"/>
+              <a:t>2</a:t>
+            </a:fld>
+            <a:endParaRPr lang="de-DE" noProof="0" dirty="0"/>
+          </a:p>
+        </p:txBody>
+      </p:sp>
     </p:spTree>
     <p:extLst>
       <p:ext uri="{BB962C8B-B14F-4D97-AF65-F5344CB8AC3E}">
@@ -5369,6 +5729,66 @@
           </a:xfrm>
         </p:spPr>
       </p:pic>
+      <p:sp>
+        <p:nvSpPr>
+          <p:cNvPr id="3" name="Datumsplatzhalter 2">
+            <a:extLst>
+              <a:ext uri="{FF2B5EF4-FFF2-40B4-BE49-F238E27FC236}">
+                <a16:creationId xmlns:a16="http://schemas.microsoft.com/office/drawing/2014/main" id="{D3B9C909-CB2F-292B-3581-AA6D557BC541}"/>
+              </a:ext>
+            </a:extLst>
+          </p:cNvPr>
+          <p:cNvSpPr>
+            <a:spLocks noGrp="1"/>
+          </p:cNvSpPr>
+          <p:nvPr>
+            <p:ph type="dt" sz="half" idx="10"/>
+          </p:nvPr>
+        </p:nvSpPr>
+        <p:spPr/>
+        <p:txBody>
+          <a:bodyPr/>
+          <a:lstStyle/>
+          <a:p>
+            <a:pPr rtl="0"/>
+            <a:r>
+              <a:rPr lang="de-DE" noProof="0"/>
+              <a:t>13.06.2023</a:t>
+            </a:r>
+            <a:endParaRPr lang="de-DE" noProof="0" dirty="0"/>
+          </a:p>
+        </p:txBody>
+      </p:sp>
+      <p:sp>
+        <p:nvSpPr>
+          <p:cNvPr id="4" name="Foliennummernplatzhalter 3">
+            <a:extLst>
+              <a:ext uri="{FF2B5EF4-FFF2-40B4-BE49-F238E27FC236}">
+                <a16:creationId xmlns:a16="http://schemas.microsoft.com/office/drawing/2014/main" id="{7AA83A9D-79BC-FB9C-4364-C9F0B65B4219}"/>
+              </a:ext>
+            </a:extLst>
+          </p:cNvPr>
+          <p:cNvSpPr>
+            <a:spLocks noGrp="1"/>
+          </p:cNvSpPr>
+          <p:nvPr>
+            <p:ph type="sldNum" sz="quarter" idx="12"/>
+          </p:nvPr>
+        </p:nvSpPr>
+        <p:spPr/>
+        <p:txBody>
+          <a:bodyPr/>
+          <a:lstStyle/>
+          <a:p>
+            <a:pPr rtl="0"/>
+            <a:fld id="{3A98EE3D-8CD1-4C3F-BD1C-C98C9596463C}" type="slidenum">
+              <a:rPr lang="de-DE" noProof="0" smtClean="0"/>
+              <a:t>3</a:t>
+            </a:fld>
+            <a:endParaRPr lang="de-DE" noProof="0" dirty="0"/>
+          </a:p>
+        </p:txBody>
+      </p:sp>
     </p:spTree>
     <p:extLst>
       <p:ext uri="{BB962C8B-B14F-4D97-AF65-F5344CB8AC3E}">
@@ -5544,6 +5964,66 @@
               <a:rPr lang="de-DE" dirty="0"/>
             </a:br>
             <a:endParaRPr lang="de-DE" dirty="0"/>
+          </a:p>
+        </p:txBody>
+      </p:sp>
+      <p:sp>
+        <p:nvSpPr>
+          <p:cNvPr id="4" name="Datumsplatzhalter 3">
+            <a:extLst>
+              <a:ext uri="{FF2B5EF4-FFF2-40B4-BE49-F238E27FC236}">
+                <a16:creationId xmlns:a16="http://schemas.microsoft.com/office/drawing/2014/main" id="{1700197B-3340-50A4-DB64-1DD2EBAF2A2E}"/>
+              </a:ext>
+            </a:extLst>
+          </p:cNvPr>
+          <p:cNvSpPr>
+            <a:spLocks noGrp="1"/>
+          </p:cNvSpPr>
+          <p:nvPr>
+            <p:ph type="dt" sz="half" idx="10"/>
+          </p:nvPr>
+        </p:nvSpPr>
+        <p:spPr/>
+        <p:txBody>
+          <a:bodyPr/>
+          <a:lstStyle/>
+          <a:p>
+            <a:pPr rtl="0"/>
+            <a:r>
+              <a:rPr lang="de-DE" noProof="0"/>
+              <a:t>13.06.2023</a:t>
+            </a:r>
+            <a:endParaRPr lang="de-DE" noProof="0" dirty="0"/>
+          </a:p>
+        </p:txBody>
+      </p:sp>
+      <p:sp>
+        <p:nvSpPr>
+          <p:cNvPr id="5" name="Foliennummernplatzhalter 4">
+            <a:extLst>
+              <a:ext uri="{FF2B5EF4-FFF2-40B4-BE49-F238E27FC236}">
+                <a16:creationId xmlns:a16="http://schemas.microsoft.com/office/drawing/2014/main" id="{348E24B7-2CD4-9C03-B046-CBDD90EE5B43}"/>
+              </a:ext>
+            </a:extLst>
+          </p:cNvPr>
+          <p:cNvSpPr>
+            <a:spLocks noGrp="1"/>
+          </p:cNvSpPr>
+          <p:nvPr>
+            <p:ph type="sldNum" sz="quarter" idx="12"/>
+          </p:nvPr>
+        </p:nvSpPr>
+        <p:spPr/>
+        <p:txBody>
+          <a:bodyPr/>
+          <a:lstStyle/>
+          <a:p>
+            <a:pPr rtl="0"/>
+            <a:fld id="{3A98EE3D-8CD1-4C3F-BD1C-C98C9596463C}" type="slidenum">
+              <a:rPr lang="de-DE" noProof="0" smtClean="0"/>
+              <a:t>4</a:t>
+            </a:fld>
+            <a:endParaRPr lang="de-DE" noProof="0" dirty="0"/>
           </a:p>
         </p:txBody>
       </p:sp>
@@ -5681,6 +6161,66 @@
           </a:p>
         </p:txBody>
       </p:sp>
+      <p:sp>
+        <p:nvSpPr>
+          <p:cNvPr id="3" name="Datumsplatzhalter 2">
+            <a:extLst>
+              <a:ext uri="{FF2B5EF4-FFF2-40B4-BE49-F238E27FC236}">
+                <a16:creationId xmlns:a16="http://schemas.microsoft.com/office/drawing/2014/main" id="{E2ED442D-CE6B-4C9C-67FD-82B3F958E2A5}"/>
+              </a:ext>
+            </a:extLst>
+          </p:cNvPr>
+          <p:cNvSpPr>
+            <a:spLocks noGrp="1"/>
+          </p:cNvSpPr>
+          <p:nvPr>
+            <p:ph type="dt" sz="half" idx="10"/>
+          </p:nvPr>
+        </p:nvSpPr>
+        <p:spPr/>
+        <p:txBody>
+          <a:bodyPr/>
+          <a:lstStyle/>
+          <a:p>
+            <a:pPr rtl="0"/>
+            <a:r>
+              <a:rPr lang="de-DE" noProof="0"/>
+              <a:t>13.06.2023</a:t>
+            </a:r>
+            <a:endParaRPr lang="de-DE" noProof="0" dirty="0"/>
+          </a:p>
+        </p:txBody>
+      </p:sp>
+      <p:sp>
+        <p:nvSpPr>
+          <p:cNvPr id="4" name="Foliennummernplatzhalter 3">
+            <a:extLst>
+              <a:ext uri="{FF2B5EF4-FFF2-40B4-BE49-F238E27FC236}">
+                <a16:creationId xmlns:a16="http://schemas.microsoft.com/office/drawing/2014/main" id="{27B99AED-DC1C-2B43-ABA5-EA55BCB61883}"/>
+              </a:ext>
+            </a:extLst>
+          </p:cNvPr>
+          <p:cNvSpPr>
+            <a:spLocks noGrp="1"/>
+          </p:cNvSpPr>
+          <p:nvPr>
+            <p:ph type="sldNum" sz="quarter" idx="12"/>
+          </p:nvPr>
+        </p:nvSpPr>
+        <p:spPr/>
+        <p:txBody>
+          <a:bodyPr/>
+          <a:lstStyle/>
+          <a:p>
+            <a:pPr rtl="0"/>
+            <a:fld id="{3A98EE3D-8CD1-4C3F-BD1C-C98C9596463C}" type="slidenum">
+              <a:rPr lang="de-DE" noProof="0" smtClean="0"/>
+              <a:t>5</a:t>
+            </a:fld>
+            <a:endParaRPr lang="de-DE" noProof="0" dirty="0"/>
+          </a:p>
+        </p:txBody>
+      </p:sp>
     </p:spTree>
     <p:extLst>
       <p:ext uri="{BB962C8B-B14F-4D97-AF65-F5344CB8AC3E}">
@@ -5852,6 +6392,66 @@
           </a:p>
         </p:txBody>
       </p:sp>
+      <p:sp>
+        <p:nvSpPr>
+          <p:cNvPr id="2" name="Datumsplatzhalter 1">
+            <a:extLst>
+              <a:ext uri="{FF2B5EF4-FFF2-40B4-BE49-F238E27FC236}">
+                <a16:creationId xmlns:a16="http://schemas.microsoft.com/office/drawing/2014/main" id="{DA22C805-F3E6-5F66-9575-B250ED50070E}"/>
+              </a:ext>
+            </a:extLst>
+          </p:cNvPr>
+          <p:cNvSpPr>
+            <a:spLocks noGrp="1"/>
+          </p:cNvSpPr>
+          <p:nvPr>
+            <p:ph type="dt" sz="half" idx="10"/>
+          </p:nvPr>
+        </p:nvSpPr>
+        <p:spPr/>
+        <p:txBody>
+          <a:bodyPr/>
+          <a:lstStyle/>
+          <a:p>
+            <a:pPr rtl="0"/>
+            <a:r>
+              <a:rPr lang="de-DE" noProof="0"/>
+              <a:t>13.06.2023</a:t>
+            </a:r>
+            <a:endParaRPr lang="de-DE" noProof="0" dirty="0"/>
+          </a:p>
+        </p:txBody>
+      </p:sp>
+      <p:sp>
+        <p:nvSpPr>
+          <p:cNvPr id="3" name="Foliennummernplatzhalter 2">
+            <a:extLst>
+              <a:ext uri="{FF2B5EF4-FFF2-40B4-BE49-F238E27FC236}">
+                <a16:creationId xmlns:a16="http://schemas.microsoft.com/office/drawing/2014/main" id="{DDC64466-B315-0170-6409-E90067DCC062}"/>
+              </a:ext>
+            </a:extLst>
+          </p:cNvPr>
+          <p:cNvSpPr>
+            <a:spLocks noGrp="1"/>
+          </p:cNvSpPr>
+          <p:nvPr>
+            <p:ph type="sldNum" sz="quarter" idx="12"/>
+          </p:nvPr>
+        </p:nvSpPr>
+        <p:spPr/>
+        <p:txBody>
+          <a:bodyPr/>
+          <a:lstStyle/>
+          <a:p>
+            <a:pPr rtl="0"/>
+            <a:fld id="{3A98EE3D-8CD1-4C3F-BD1C-C98C9596463C}" type="slidenum">
+              <a:rPr lang="de-DE" noProof="0" smtClean="0"/>
+              <a:t>6</a:t>
+            </a:fld>
+            <a:endParaRPr lang="de-DE" noProof="0" dirty="0"/>
+          </a:p>
+        </p:txBody>
+      </p:sp>
     </p:spTree>
     <p:extLst>
       <p:ext uri="{BB962C8B-B14F-4D97-AF65-F5344CB8AC3E}">
@@ -5975,6 +6575,66 @@
           </a:prstGeom>
         </p:spPr>
       </p:pic>
+      <p:sp>
+        <p:nvSpPr>
+          <p:cNvPr id="3" name="Datumsplatzhalter 2">
+            <a:extLst>
+              <a:ext uri="{FF2B5EF4-FFF2-40B4-BE49-F238E27FC236}">
+                <a16:creationId xmlns:a16="http://schemas.microsoft.com/office/drawing/2014/main" id="{5B296579-5071-4E19-7D46-52DF280658FB}"/>
+              </a:ext>
+            </a:extLst>
+          </p:cNvPr>
+          <p:cNvSpPr>
+            <a:spLocks noGrp="1"/>
+          </p:cNvSpPr>
+          <p:nvPr>
+            <p:ph type="dt" sz="half" idx="10"/>
+          </p:nvPr>
+        </p:nvSpPr>
+        <p:spPr/>
+        <p:txBody>
+          <a:bodyPr/>
+          <a:lstStyle/>
+          <a:p>
+            <a:pPr rtl="0"/>
+            <a:r>
+              <a:rPr lang="de-DE" noProof="0"/>
+              <a:t>13.06.2023</a:t>
+            </a:r>
+            <a:endParaRPr lang="de-DE" noProof="0" dirty="0"/>
+          </a:p>
+        </p:txBody>
+      </p:sp>
+      <p:sp>
+        <p:nvSpPr>
+          <p:cNvPr id="4" name="Foliennummernplatzhalter 3">
+            <a:extLst>
+              <a:ext uri="{FF2B5EF4-FFF2-40B4-BE49-F238E27FC236}">
+                <a16:creationId xmlns:a16="http://schemas.microsoft.com/office/drawing/2014/main" id="{23369423-F278-82BC-A890-62604D090A76}"/>
+              </a:ext>
+            </a:extLst>
+          </p:cNvPr>
+          <p:cNvSpPr>
+            <a:spLocks noGrp="1"/>
+          </p:cNvSpPr>
+          <p:nvPr>
+            <p:ph type="sldNum" sz="quarter" idx="12"/>
+          </p:nvPr>
+        </p:nvSpPr>
+        <p:spPr/>
+        <p:txBody>
+          <a:bodyPr/>
+          <a:lstStyle/>
+          <a:p>
+            <a:pPr rtl="0"/>
+            <a:fld id="{3A98EE3D-8CD1-4C3F-BD1C-C98C9596463C}" type="slidenum">
+              <a:rPr lang="de-DE" noProof="0" smtClean="0"/>
+              <a:t>7</a:t>
+            </a:fld>
+            <a:endParaRPr lang="de-DE" noProof="0" dirty="0"/>
+          </a:p>
+        </p:txBody>
+      </p:sp>
     </p:spTree>
     <p:extLst>
       <p:ext uri="{BB962C8B-B14F-4D97-AF65-F5344CB8AC3E}">
@@ -6373,6 +7033,66 @@
           </p:pic>
         </mc:Fallback>
       </mc:AlternateContent>
+      <p:sp>
+        <p:nvSpPr>
+          <p:cNvPr id="3" name="Datumsplatzhalter 2">
+            <a:extLst>
+              <a:ext uri="{FF2B5EF4-FFF2-40B4-BE49-F238E27FC236}">
+                <a16:creationId xmlns:a16="http://schemas.microsoft.com/office/drawing/2014/main" id="{B9346802-2307-1A6D-7560-7183C4EDD5D8}"/>
+              </a:ext>
+            </a:extLst>
+          </p:cNvPr>
+          <p:cNvSpPr>
+            <a:spLocks noGrp="1"/>
+          </p:cNvSpPr>
+          <p:nvPr>
+            <p:ph type="dt" sz="half" idx="10"/>
+          </p:nvPr>
+        </p:nvSpPr>
+        <p:spPr/>
+        <p:txBody>
+          <a:bodyPr/>
+          <a:lstStyle/>
+          <a:p>
+            <a:pPr rtl="0"/>
+            <a:r>
+              <a:rPr lang="de-DE" noProof="0"/>
+              <a:t>13.06.2023</a:t>
+            </a:r>
+            <a:endParaRPr lang="de-DE" noProof="0" dirty="0"/>
+          </a:p>
+        </p:txBody>
+      </p:sp>
+      <p:sp>
+        <p:nvSpPr>
+          <p:cNvPr id="4" name="Foliennummernplatzhalter 3">
+            <a:extLst>
+              <a:ext uri="{FF2B5EF4-FFF2-40B4-BE49-F238E27FC236}">
+                <a16:creationId xmlns:a16="http://schemas.microsoft.com/office/drawing/2014/main" id="{4104FE70-04F9-6BA4-3A4B-7B9FAD8B144A}"/>
+              </a:ext>
+            </a:extLst>
+          </p:cNvPr>
+          <p:cNvSpPr>
+            <a:spLocks noGrp="1"/>
+          </p:cNvSpPr>
+          <p:nvPr>
+            <p:ph type="sldNum" sz="quarter" idx="12"/>
+          </p:nvPr>
+        </p:nvSpPr>
+        <p:spPr/>
+        <p:txBody>
+          <a:bodyPr/>
+          <a:lstStyle/>
+          <a:p>
+            <a:pPr rtl="0"/>
+            <a:fld id="{3A98EE3D-8CD1-4C3F-BD1C-C98C9596463C}" type="slidenum">
+              <a:rPr lang="de-DE" noProof="0" smtClean="0"/>
+              <a:t>8</a:t>
+            </a:fld>
+            <a:endParaRPr lang="de-DE" noProof="0" dirty="0"/>
+          </a:p>
+        </p:txBody>
+      </p:sp>
     </p:spTree>
     <p:extLst>
       <p:ext uri="{BB962C8B-B14F-4D97-AF65-F5344CB8AC3E}">
@@ -6957,6 +7677,66 @@
           </a:p>
           <a:p>
             <a:endParaRPr lang="de-DE" dirty="0"/>
+          </a:p>
+        </p:txBody>
+      </p:sp>
+      <p:sp>
+        <p:nvSpPr>
+          <p:cNvPr id="3" name="Datumsplatzhalter 2">
+            <a:extLst>
+              <a:ext uri="{FF2B5EF4-FFF2-40B4-BE49-F238E27FC236}">
+                <a16:creationId xmlns:a16="http://schemas.microsoft.com/office/drawing/2014/main" id="{247145E3-9B16-1CEA-B197-04548C79493F}"/>
+              </a:ext>
+            </a:extLst>
+          </p:cNvPr>
+          <p:cNvSpPr>
+            <a:spLocks noGrp="1"/>
+          </p:cNvSpPr>
+          <p:nvPr>
+            <p:ph type="dt" sz="half" idx="10"/>
+          </p:nvPr>
+        </p:nvSpPr>
+        <p:spPr/>
+        <p:txBody>
+          <a:bodyPr/>
+          <a:lstStyle/>
+          <a:p>
+            <a:pPr rtl="0"/>
+            <a:r>
+              <a:rPr lang="de-DE" noProof="0"/>
+              <a:t>13.06.2023</a:t>
+            </a:r>
+            <a:endParaRPr lang="de-DE" noProof="0" dirty="0"/>
+          </a:p>
+        </p:txBody>
+      </p:sp>
+      <p:sp>
+        <p:nvSpPr>
+          <p:cNvPr id="4" name="Foliennummernplatzhalter 3">
+            <a:extLst>
+              <a:ext uri="{FF2B5EF4-FFF2-40B4-BE49-F238E27FC236}">
+                <a16:creationId xmlns:a16="http://schemas.microsoft.com/office/drawing/2014/main" id="{8ECEF472-18FF-3A28-1A63-CBA48F81B546}"/>
+              </a:ext>
+            </a:extLst>
+          </p:cNvPr>
+          <p:cNvSpPr>
+            <a:spLocks noGrp="1"/>
+          </p:cNvSpPr>
+          <p:nvPr>
+            <p:ph type="sldNum" sz="quarter" idx="12"/>
+          </p:nvPr>
+        </p:nvSpPr>
+        <p:spPr/>
+        <p:txBody>
+          <a:bodyPr/>
+          <a:lstStyle/>
+          <a:p>
+            <a:pPr rtl="0"/>
+            <a:fld id="{3A98EE3D-8CD1-4C3F-BD1C-C98C9596463C}" type="slidenum">
+              <a:rPr lang="de-DE" noProof="0" smtClean="0"/>
+              <a:t>9</a:t>
+            </a:fld>
+            <a:endParaRPr lang="de-DE" noProof="0" dirty="0"/>
           </a:p>
         </p:txBody>
       </p:sp>
@@ -7822,21 +8602,21 @@
 </file>
 
 <file path=customXml/item1.xml><?xml version="1.0" encoding="utf-8"?>
+<p:properties xmlns:p="http://schemas.microsoft.com/office/2006/metadata/properties" xmlns:xsi="http://www.w3.org/2001/XMLSchema-instance" xmlns:pc="http://schemas.microsoft.com/office/infopath/2007/PartnerControls">
+  <documentManagement>
+    <Status xmlns="71af3243-3dd4-4a8d-8c0d-dd76da1f02a5">Not started</Status>
+    <MediaServiceKeyPoints xmlns="71af3243-3dd4-4a8d-8c0d-dd76da1f02a5" xsi:nil="true"/>
+  </documentManagement>
+</p:properties>
+</file>
+
+<file path=customXml/item2.xml><?xml version="1.0" encoding="utf-8"?>
 <?mso-contentType ?>
 <FormTemplates xmlns="http://schemas.microsoft.com/sharepoint/v3/contenttype/forms">
   <Display>DocumentLibraryForm</Display>
   <Edit>DocumentLibraryForm</Edit>
   <New>DocumentLibraryForm</New>
 </FormTemplates>
-</file>
-
-<file path=customXml/item2.xml><?xml version="1.0" encoding="utf-8"?>
-<p:properties xmlns:p="http://schemas.microsoft.com/office/2006/metadata/properties" xmlns:xsi="http://www.w3.org/2001/XMLSchema-instance" xmlns:pc="http://schemas.microsoft.com/office/infopath/2007/PartnerControls">
-  <documentManagement>
-    <Status xmlns="71af3243-3dd4-4a8d-8c0d-dd76da1f02a5">Not started</Status>
-    <MediaServiceKeyPoints xmlns="71af3243-3dd4-4a8d-8c0d-dd76da1f02a5" xsi:nil="true"/>
-  </documentManagement>
-</p:properties>
 </file>
 
 <file path=customXml/item3.xml><?xml version="1.0" encoding="utf-8"?>
@@ -8061,19 +8841,19 @@
 </file>
 
 <file path=customXml/itemProps1.xml><?xml version="1.0" encoding="utf-8"?>
-<ds:datastoreItem xmlns:ds="http://schemas.openxmlformats.org/officeDocument/2006/customXml" ds:itemID="{AA3F7EDC-E5B4-4BBC-9D2A-CBE6D46C37AD}">
+<ds:datastoreItem xmlns:ds="http://schemas.openxmlformats.org/officeDocument/2006/customXml" ds:itemID="{A03EEFF0-FB57-4CB4-8BFC-DF397689E2ED}">
   <ds:schemaRefs>
-    <ds:schemaRef ds:uri="http://schemas.microsoft.com/sharepoint/v3/contenttype/forms"/>
+    <ds:schemaRef ds:uri="http://schemas.microsoft.com/office/2006/metadata/properties"/>
+    <ds:schemaRef ds:uri="http://schemas.microsoft.com/office/infopath/2007/PartnerControls"/>
+    <ds:schemaRef ds:uri="71af3243-3dd4-4a8d-8c0d-dd76da1f02a5"/>
   </ds:schemaRefs>
 </ds:datastoreItem>
 </file>
 
 <file path=customXml/itemProps2.xml><?xml version="1.0" encoding="utf-8"?>
-<ds:datastoreItem xmlns:ds="http://schemas.openxmlformats.org/officeDocument/2006/customXml" ds:itemID="{A03EEFF0-FB57-4CB4-8BFC-DF397689E2ED}">
+<ds:datastoreItem xmlns:ds="http://schemas.openxmlformats.org/officeDocument/2006/customXml" ds:itemID="{AA3F7EDC-E5B4-4BBC-9D2A-CBE6D46C37AD}">
   <ds:schemaRefs>
-    <ds:schemaRef ds:uri="http://schemas.microsoft.com/office/2006/metadata/properties"/>
-    <ds:schemaRef ds:uri="http://schemas.microsoft.com/office/infopath/2007/PartnerControls"/>
-    <ds:schemaRef ds:uri="71af3243-3dd4-4a8d-8c0d-dd76da1f02a5"/>
+    <ds:schemaRef ds:uri="http://schemas.microsoft.com/sharepoint/v3/contenttype/forms"/>
   </ds:schemaRefs>
 </ds:datastoreItem>
 </file>
